--- a/Guillaume/Documents/Revue 1 de projet étudiant 1 Escape Game Téléthon.pptx
+++ b/Guillaume/Documents/Revue 1 de projet étudiant 1 Escape Game Téléthon.pptx
@@ -7,9 +7,10 @@
   <p:sldIdLst>
     <p:sldId id="256" r:id="rId2"/>
     <p:sldId id="257" r:id="rId3"/>
-    <p:sldId id="258" r:id="rId4"/>
+    <p:sldId id="263" r:id="rId4"/>
     <p:sldId id="261" r:id="rId5"/>
     <p:sldId id="260" r:id="rId6"/>
+    <p:sldId id="262" r:id="rId7"/>
   </p:sldIdLst>
   <p:sldSz cx="12192000" cy="6858000"/>
   <p:notesSz cx="6858000" cy="9144000"/>
@@ -7156,6 +7157,60 @@
           <a:chExt cx="0" cy="0"/>
         </a:xfrm>
       </p:grpSpPr>
+      <p:sp>
+        <p:nvSpPr>
+          <p:cNvPr id="8" name="Organigramme : Terminateur 7">
+            <a:extLst>
+              <a:ext uri="{FF2B5EF4-FFF2-40B4-BE49-F238E27FC236}">
+                <a16:creationId xmlns:a16="http://schemas.microsoft.com/office/drawing/2014/main" id="{DA957EB1-E3DF-4DED-A917-B44D4A980A1B}"/>
+              </a:ext>
+            </a:extLst>
+          </p:cNvPr>
+          <p:cNvSpPr/>
+          <p:nvPr/>
+        </p:nvSpPr>
+        <p:spPr>
+          <a:xfrm>
+            <a:off x="11405115" y="1514475"/>
+            <a:ext cx="358260" cy="85725"/>
+          </a:xfrm>
+          <a:prstGeom prst="flowChartTerminator">
+            <a:avLst/>
+          </a:prstGeom>
+          <a:solidFill>
+            <a:srgbClr val="A8135A"/>
+          </a:solidFill>
+          <a:ln>
+            <a:solidFill>
+              <a:schemeClr val="bg1"/>
+            </a:solidFill>
+          </a:ln>
+        </p:spPr>
+        <p:style>
+          <a:lnRef idx="2">
+            <a:schemeClr val="accent1">
+              <a:shade val="50000"/>
+            </a:schemeClr>
+          </a:lnRef>
+          <a:fillRef idx="1">
+            <a:schemeClr val="accent1"/>
+          </a:fillRef>
+          <a:effectRef idx="0">
+            <a:schemeClr val="accent1"/>
+          </a:effectRef>
+          <a:fontRef idx="minor">
+            <a:schemeClr val="lt1"/>
+          </a:fontRef>
+        </p:style>
+        <p:txBody>
+          <a:bodyPr rtlCol="0" anchor="ctr"/>
+          <a:lstStyle/>
+          <a:p>
+            <a:pPr algn="ctr"/>
+            <a:endParaRPr lang="fr-FR"/>
+          </a:p>
+        </p:txBody>
+      </p:sp>
       <p:pic>
         <p:nvPicPr>
           <p:cNvPr id="1026" name="Picture 2" descr="Image associée">
@@ -7215,8 +7270,8 @@
         </p:nvSpPr>
         <p:spPr>
           <a:xfrm>
-            <a:off x="3836205" y="217402"/>
-            <a:ext cx="3034662" cy="461665"/>
+            <a:off x="3294185" y="121587"/>
+            <a:ext cx="4475692" cy="646331"/>
           </a:xfrm>
           <a:prstGeom prst="rect">
             <a:avLst/>
@@ -7229,23 +7284,45 @@
           </a:bodyPr>
           <a:lstStyle/>
           <a:p>
-            <a:r>
-              <a:rPr lang="fr-FR" sz="2400" dirty="0">
+            <a:pPr algn="ctr"/>
+            <a:r>
+              <a:rPr lang="fr-FR" sz="3600" b="1" dirty="0">
+                <a:effectLst>
+                  <a:outerShdw blurRad="38100" dist="38100" dir="2700000" algn="tl">
+                    <a:srgbClr val="000000">
+                      <a:alpha val="43137"/>
+                    </a:srgbClr>
+                  </a:outerShdw>
+                </a:effectLst>
                 <a:latin typeface="Eras Medium ITC" panose="020B0602030504020804" pitchFamily="34" charset="0"/>
               </a:rPr>
               <a:t>Description du </a:t>
             </a:r>
             <a:r>
-              <a:rPr lang="fr-FR" sz="2400" dirty="0">
+              <a:rPr lang="fr-FR" sz="3600" b="1" dirty="0">
                 <a:solidFill>
                   <a:srgbClr val="A31257"/>
                 </a:solidFill>
+                <a:effectLst>
+                  <a:outerShdw blurRad="38100" dist="38100" dir="2700000" algn="tl">
+                    <a:srgbClr val="000000">
+                      <a:alpha val="43137"/>
+                    </a:srgbClr>
+                  </a:outerShdw>
+                </a:effectLst>
                 <a:latin typeface="Eras Medium ITC" panose="020B0602030504020804" pitchFamily="34" charset="0"/>
               </a:rPr>
               <a:t>projet</a:t>
             </a:r>
             <a:r>
-              <a:rPr lang="fr-FR" sz="2400" dirty="0">
+              <a:rPr lang="fr-FR" sz="3600" b="1" dirty="0">
+                <a:effectLst>
+                  <a:outerShdw blurRad="38100" dist="38100" dir="2700000" algn="tl">
+                    <a:srgbClr val="000000">
+                      <a:alpha val="43137"/>
+                    </a:srgbClr>
+                  </a:outerShdw>
+                </a:effectLst>
                 <a:latin typeface="Eras Medium ITC" panose="020B0602030504020804" pitchFamily="34" charset="0"/>
               </a:rPr>
               <a:t> </a:t>
@@ -7295,10 +7372,524 @@
           </a:effectLst>
         </p:spPr>
       </p:pic>
+      <p:sp>
+        <p:nvSpPr>
+          <p:cNvPr id="3" name="Rectangle 2">
+            <a:extLst>
+              <a:ext uri="{FF2B5EF4-FFF2-40B4-BE49-F238E27FC236}">
+                <a16:creationId xmlns:a16="http://schemas.microsoft.com/office/drawing/2014/main" id="{327D117C-F858-4DFD-90C0-6CEA94CC31D5}"/>
+              </a:ext>
+            </a:extLst>
+          </p:cNvPr>
+          <p:cNvSpPr/>
+          <p:nvPr/>
+        </p:nvSpPr>
+        <p:spPr>
+          <a:xfrm>
+            <a:off x="11658600" y="753035"/>
+            <a:ext cx="104775" cy="5614778"/>
+          </a:xfrm>
+          <a:prstGeom prst="rect">
+            <a:avLst/>
+          </a:prstGeom>
+          <a:solidFill>
+            <a:schemeClr val="bg1"/>
+          </a:solidFill>
+          <a:ln>
+            <a:solidFill>
+              <a:schemeClr val="bg1"/>
+            </a:solidFill>
+          </a:ln>
+        </p:spPr>
+        <p:style>
+          <a:lnRef idx="2">
+            <a:schemeClr val="accent1">
+              <a:shade val="50000"/>
+            </a:schemeClr>
+          </a:lnRef>
+          <a:fillRef idx="1">
+            <a:schemeClr val="accent1"/>
+          </a:fillRef>
+          <a:effectRef idx="0">
+            <a:schemeClr val="accent1"/>
+          </a:effectRef>
+          <a:fontRef idx="minor">
+            <a:schemeClr val="lt1"/>
+          </a:fontRef>
+        </p:style>
+        <p:txBody>
+          <a:bodyPr rtlCol="0" anchor="ctr"/>
+          <a:lstStyle/>
+          <a:p>
+            <a:pPr algn="ctr"/>
+            <a:endParaRPr lang="fr-FR"/>
+          </a:p>
+        </p:txBody>
+      </p:sp>
+      <p:sp>
+        <p:nvSpPr>
+          <p:cNvPr id="13" name="Ellipse 12">
+            <a:extLst>
+              <a:ext uri="{FF2B5EF4-FFF2-40B4-BE49-F238E27FC236}">
+                <a16:creationId xmlns:a16="http://schemas.microsoft.com/office/drawing/2014/main" id="{E50EFEC7-7F62-4F3B-9B4F-6975318E5581}"/>
+              </a:ext>
+            </a:extLst>
+          </p:cNvPr>
+          <p:cNvSpPr/>
+          <p:nvPr/>
+        </p:nvSpPr>
+        <p:spPr>
+          <a:xfrm>
+            <a:off x="11428928" y="3201193"/>
+            <a:ext cx="564118" cy="542925"/>
+          </a:xfrm>
+          <a:prstGeom prst="ellipse">
+            <a:avLst/>
+          </a:prstGeom>
+          <a:solidFill>
+            <a:schemeClr val="bg1"/>
+          </a:solidFill>
+          <a:ln>
+            <a:solidFill>
+              <a:schemeClr val="bg1"/>
+            </a:solidFill>
+          </a:ln>
+        </p:spPr>
+        <p:style>
+          <a:lnRef idx="2">
+            <a:schemeClr val="accent1">
+              <a:shade val="50000"/>
+            </a:schemeClr>
+          </a:lnRef>
+          <a:fillRef idx="1">
+            <a:schemeClr val="accent1"/>
+          </a:fillRef>
+          <a:effectRef idx="0">
+            <a:schemeClr val="accent1"/>
+          </a:effectRef>
+          <a:fontRef idx="minor">
+            <a:schemeClr val="lt1"/>
+          </a:fontRef>
+        </p:style>
+        <p:txBody>
+          <a:bodyPr rtlCol="0" anchor="ctr"/>
+          <a:lstStyle/>
+          <a:p>
+            <a:pPr algn="ctr"/>
+            <a:endParaRPr lang="fr-FR"/>
+          </a:p>
+        </p:txBody>
+      </p:sp>
+      <p:sp>
+        <p:nvSpPr>
+          <p:cNvPr id="16" name="Ellipse 15">
+            <a:extLst>
+              <a:ext uri="{FF2B5EF4-FFF2-40B4-BE49-F238E27FC236}">
+                <a16:creationId xmlns:a16="http://schemas.microsoft.com/office/drawing/2014/main" id="{6976D35B-7DDA-4F6E-9DE2-3446A924E348}"/>
+              </a:ext>
+            </a:extLst>
+          </p:cNvPr>
+          <p:cNvSpPr/>
+          <p:nvPr/>
+        </p:nvSpPr>
+        <p:spPr>
+          <a:xfrm>
+            <a:off x="11428928" y="5851700"/>
+            <a:ext cx="564118" cy="542925"/>
+          </a:xfrm>
+          <a:prstGeom prst="ellipse">
+            <a:avLst/>
+          </a:prstGeom>
+          <a:solidFill>
+            <a:schemeClr val="bg1"/>
+          </a:solidFill>
+          <a:ln>
+            <a:solidFill>
+              <a:schemeClr val="bg1"/>
+            </a:solidFill>
+          </a:ln>
+        </p:spPr>
+        <p:style>
+          <a:lnRef idx="2">
+            <a:schemeClr val="accent1">
+              <a:shade val="50000"/>
+            </a:schemeClr>
+          </a:lnRef>
+          <a:fillRef idx="1">
+            <a:schemeClr val="accent1"/>
+          </a:fillRef>
+          <a:effectRef idx="0">
+            <a:schemeClr val="accent1"/>
+          </a:effectRef>
+          <a:fontRef idx="minor">
+            <a:schemeClr val="lt1"/>
+          </a:fontRef>
+        </p:style>
+        <p:txBody>
+          <a:bodyPr rtlCol="0" anchor="ctr"/>
+          <a:lstStyle/>
+          <a:p>
+            <a:pPr algn="ctr"/>
+            <a:endParaRPr lang="fr-FR"/>
+          </a:p>
+        </p:txBody>
+      </p:sp>
+      <p:sp>
+        <p:nvSpPr>
+          <p:cNvPr id="18" name="Organigramme : Terminateur 17">
+            <a:extLst>
+              <a:ext uri="{FF2B5EF4-FFF2-40B4-BE49-F238E27FC236}">
+                <a16:creationId xmlns:a16="http://schemas.microsoft.com/office/drawing/2014/main" id="{D68CCC3F-01FC-4A1C-A728-360F39089BD8}"/>
+              </a:ext>
+            </a:extLst>
+          </p:cNvPr>
+          <p:cNvSpPr/>
+          <p:nvPr/>
+        </p:nvSpPr>
+        <p:spPr>
+          <a:xfrm>
+            <a:off x="11405115" y="2347824"/>
+            <a:ext cx="267772" cy="85725"/>
+          </a:xfrm>
+          <a:prstGeom prst="flowChartTerminator">
+            <a:avLst/>
+          </a:prstGeom>
+          <a:solidFill>
+            <a:schemeClr val="bg1"/>
+          </a:solidFill>
+          <a:ln>
+            <a:solidFill>
+              <a:schemeClr val="bg1"/>
+            </a:solidFill>
+          </a:ln>
+        </p:spPr>
+        <p:style>
+          <a:lnRef idx="2">
+            <a:schemeClr val="accent1">
+              <a:shade val="50000"/>
+            </a:schemeClr>
+          </a:lnRef>
+          <a:fillRef idx="1">
+            <a:schemeClr val="accent1"/>
+          </a:fillRef>
+          <a:effectRef idx="0">
+            <a:schemeClr val="accent1"/>
+          </a:effectRef>
+          <a:fontRef idx="minor">
+            <a:schemeClr val="lt1"/>
+          </a:fontRef>
+        </p:style>
+        <p:txBody>
+          <a:bodyPr rtlCol="0" anchor="ctr"/>
+          <a:lstStyle/>
+          <a:p>
+            <a:pPr algn="ctr"/>
+            <a:endParaRPr lang="fr-FR"/>
+          </a:p>
+        </p:txBody>
+      </p:sp>
+      <p:sp>
+        <p:nvSpPr>
+          <p:cNvPr id="9" name="ZoneTexte 8">
+            <a:extLst>
+              <a:ext uri="{FF2B5EF4-FFF2-40B4-BE49-F238E27FC236}">
+                <a16:creationId xmlns:a16="http://schemas.microsoft.com/office/drawing/2014/main" id="{8D4567AA-65FB-4A3B-8E88-2CD8003AA746}"/>
+              </a:ext>
+            </a:extLst>
+          </p:cNvPr>
+          <p:cNvSpPr txBox="1"/>
+          <p:nvPr/>
+        </p:nvSpPr>
+        <p:spPr>
+          <a:xfrm>
+            <a:off x="10299143" y="558449"/>
+            <a:ext cx="1129785" cy="461665"/>
+          </a:xfrm>
+          <a:prstGeom prst="rect">
+            <a:avLst/>
+          </a:prstGeom>
+          <a:noFill/>
+        </p:spPr>
+        <p:txBody>
+          <a:bodyPr wrap="square" rtlCol="0">
+            <a:spAutoFit/>
+          </a:bodyPr>
+          <a:lstStyle/>
+          <a:p>
+            <a:pPr algn="r"/>
+            <a:r>
+              <a:rPr lang="fr-FR" sz="1200" dirty="0">
+                <a:latin typeface="Eras Medium ITC" panose="020B0602030504020804" pitchFamily="34" charset="0"/>
+              </a:rPr>
+              <a:t>Présentation du projet</a:t>
+            </a:r>
+          </a:p>
+        </p:txBody>
+      </p:sp>
+      <p:sp>
+        <p:nvSpPr>
+          <p:cNvPr id="19" name="ZoneTexte 18">
+            <a:extLst>
+              <a:ext uri="{FF2B5EF4-FFF2-40B4-BE49-F238E27FC236}">
+                <a16:creationId xmlns:a16="http://schemas.microsoft.com/office/drawing/2014/main" id="{036D3D82-A0E7-4186-BF69-48BCB91CA9F9}"/>
+              </a:ext>
+            </a:extLst>
+          </p:cNvPr>
+          <p:cNvSpPr txBox="1"/>
+          <p:nvPr/>
+        </p:nvSpPr>
+        <p:spPr>
+          <a:xfrm>
+            <a:off x="10275329" y="1418837"/>
+            <a:ext cx="1129785" cy="276999"/>
+          </a:xfrm>
+          <a:prstGeom prst="rect">
+            <a:avLst/>
+          </a:prstGeom>
+          <a:noFill/>
+        </p:spPr>
+        <p:txBody>
+          <a:bodyPr wrap="square" rtlCol="0">
+            <a:spAutoFit/>
+          </a:bodyPr>
+          <a:lstStyle/>
+          <a:p>
+            <a:pPr algn="r"/>
+            <a:r>
+              <a:rPr lang="fr-FR" sz="1200" dirty="0">
+                <a:latin typeface="Eras Medium ITC" panose="020B0602030504020804" pitchFamily="34" charset="0"/>
+              </a:rPr>
+              <a:t>Générale</a:t>
+            </a:r>
+          </a:p>
+        </p:txBody>
+      </p:sp>
+      <p:sp>
+        <p:nvSpPr>
+          <p:cNvPr id="20" name="ZoneTexte 19">
+            <a:extLst>
+              <a:ext uri="{FF2B5EF4-FFF2-40B4-BE49-F238E27FC236}">
+                <a16:creationId xmlns:a16="http://schemas.microsoft.com/office/drawing/2014/main" id="{C4D4858B-AFFD-4D38-89B8-E3D8C0162A2F}"/>
+              </a:ext>
+            </a:extLst>
+          </p:cNvPr>
+          <p:cNvSpPr txBox="1"/>
+          <p:nvPr/>
+        </p:nvSpPr>
+        <p:spPr>
+          <a:xfrm>
+            <a:off x="10310812" y="2252186"/>
+            <a:ext cx="1129785" cy="276999"/>
+          </a:xfrm>
+          <a:prstGeom prst="rect">
+            <a:avLst/>
+          </a:prstGeom>
+          <a:noFill/>
+        </p:spPr>
+        <p:txBody>
+          <a:bodyPr wrap="square" rtlCol="0">
+            <a:spAutoFit/>
+          </a:bodyPr>
+          <a:lstStyle/>
+          <a:p>
+            <a:pPr algn="r"/>
+            <a:r>
+              <a:rPr lang="fr-FR" sz="1200" dirty="0">
+                <a:latin typeface="Eras Medium ITC" panose="020B0602030504020804" pitchFamily="34" charset="0"/>
+              </a:rPr>
+              <a:t>Personnalisée</a:t>
+            </a:r>
+          </a:p>
+        </p:txBody>
+      </p:sp>
+      <p:sp>
+        <p:nvSpPr>
+          <p:cNvPr id="21" name="ZoneTexte 20">
+            <a:extLst>
+              <a:ext uri="{FF2B5EF4-FFF2-40B4-BE49-F238E27FC236}">
+                <a16:creationId xmlns:a16="http://schemas.microsoft.com/office/drawing/2014/main" id="{5E23F963-A094-431E-AD5E-A80B3D565D8E}"/>
+              </a:ext>
+            </a:extLst>
+          </p:cNvPr>
+          <p:cNvSpPr txBox="1"/>
+          <p:nvPr/>
+        </p:nvSpPr>
+        <p:spPr>
+          <a:xfrm>
+            <a:off x="10113406" y="3241822"/>
+            <a:ext cx="1315522" cy="461665"/>
+          </a:xfrm>
+          <a:prstGeom prst="rect">
+            <a:avLst/>
+          </a:prstGeom>
+          <a:noFill/>
+        </p:spPr>
+        <p:txBody>
+          <a:bodyPr wrap="square" rtlCol="0">
+            <a:spAutoFit/>
+          </a:bodyPr>
+          <a:lstStyle/>
+          <a:p>
+            <a:pPr algn="r"/>
+            <a:r>
+              <a:rPr lang="fr-FR" sz="1200" dirty="0">
+                <a:latin typeface="Eras Medium ITC" panose="020B0602030504020804" pitchFamily="34" charset="0"/>
+              </a:rPr>
+              <a:t>Diagramme de cas d’utilisation</a:t>
+            </a:r>
+          </a:p>
+        </p:txBody>
+      </p:sp>
+      <p:sp>
+        <p:nvSpPr>
+          <p:cNvPr id="22" name="ZoneTexte 21">
+            <a:extLst>
+              <a:ext uri="{FF2B5EF4-FFF2-40B4-BE49-F238E27FC236}">
+                <a16:creationId xmlns:a16="http://schemas.microsoft.com/office/drawing/2014/main" id="{AF236A76-6330-41C7-9EFB-EEFB1AF4E53A}"/>
+              </a:ext>
+            </a:extLst>
+          </p:cNvPr>
+          <p:cNvSpPr txBox="1"/>
+          <p:nvPr/>
+        </p:nvSpPr>
+        <p:spPr>
+          <a:xfrm>
+            <a:off x="10299143" y="5892329"/>
+            <a:ext cx="1129785" cy="461665"/>
+          </a:xfrm>
+          <a:prstGeom prst="rect">
+            <a:avLst/>
+          </a:prstGeom>
+          <a:noFill/>
+        </p:spPr>
+        <p:txBody>
+          <a:bodyPr wrap="square" rtlCol="0">
+            <a:spAutoFit/>
+          </a:bodyPr>
+          <a:lstStyle/>
+          <a:p>
+            <a:pPr algn="r"/>
+            <a:r>
+              <a:rPr lang="fr-FR" sz="1200" dirty="0">
+                <a:latin typeface="Eras Medium ITC" panose="020B0602030504020804" pitchFamily="34" charset="0"/>
+              </a:rPr>
+              <a:t>Les tâches personnelles</a:t>
+            </a:r>
+          </a:p>
+        </p:txBody>
+      </p:sp>
+      <p:sp>
+        <p:nvSpPr>
+          <p:cNvPr id="23" name="Rectangle 22">
+            <a:extLst>
+              <a:ext uri="{FF2B5EF4-FFF2-40B4-BE49-F238E27FC236}">
+                <a16:creationId xmlns:a16="http://schemas.microsoft.com/office/drawing/2014/main" id="{82E37848-C519-4D99-A965-EA4D4A414BAB}"/>
+              </a:ext>
+            </a:extLst>
+          </p:cNvPr>
+          <p:cNvSpPr/>
+          <p:nvPr/>
+        </p:nvSpPr>
+        <p:spPr>
+          <a:xfrm>
+            <a:off x="11658600" y="955383"/>
+            <a:ext cx="104775" cy="644817"/>
+          </a:xfrm>
+          <a:prstGeom prst="rect">
+            <a:avLst/>
+          </a:prstGeom>
+          <a:solidFill>
+            <a:srgbClr val="A8135A"/>
+          </a:solidFill>
+          <a:ln>
+            <a:solidFill>
+              <a:schemeClr val="bg1"/>
+            </a:solidFill>
+          </a:ln>
+        </p:spPr>
+        <p:style>
+          <a:lnRef idx="2">
+            <a:schemeClr val="accent1">
+              <a:shade val="50000"/>
+            </a:schemeClr>
+          </a:lnRef>
+          <a:fillRef idx="1">
+            <a:schemeClr val="accent1"/>
+          </a:fillRef>
+          <a:effectRef idx="0">
+            <a:schemeClr val="accent1"/>
+          </a:effectRef>
+          <a:fontRef idx="minor">
+            <a:schemeClr val="lt1"/>
+          </a:fontRef>
+        </p:style>
+        <p:txBody>
+          <a:bodyPr rtlCol="0" anchor="ctr"/>
+          <a:lstStyle/>
+          <a:p>
+            <a:pPr algn="ctr"/>
+            <a:endParaRPr lang="fr-FR"/>
+          </a:p>
+        </p:txBody>
+      </p:sp>
+      <p:sp>
+        <p:nvSpPr>
+          <p:cNvPr id="6" name="Ellipse 5">
+            <a:extLst>
+              <a:ext uri="{FF2B5EF4-FFF2-40B4-BE49-F238E27FC236}">
+                <a16:creationId xmlns:a16="http://schemas.microsoft.com/office/drawing/2014/main" id="{09BE311C-C408-4F40-ADE3-7C1D54C58967}"/>
+              </a:ext>
+            </a:extLst>
+          </p:cNvPr>
+          <p:cNvSpPr/>
+          <p:nvPr/>
+        </p:nvSpPr>
+        <p:spPr>
+          <a:xfrm>
+            <a:off x="11428928" y="550687"/>
+            <a:ext cx="564118" cy="542925"/>
+          </a:xfrm>
+          <a:prstGeom prst="ellipse">
+            <a:avLst/>
+          </a:prstGeom>
+          <a:solidFill>
+            <a:srgbClr val="A8135A"/>
+          </a:solidFill>
+          <a:ln>
+            <a:solidFill>
+              <a:schemeClr val="bg1"/>
+            </a:solidFill>
+          </a:ln>
+        </p:spPr>
+        <p:style>
+          <a:lnRef idx="2">
+            <a:schemeClr val="accent1">
+              <a:shade val="50000"/>
+            </a:schemeClr>
+          </a:lnRef>
+          <a:fillRef idx="1">
+            <a:schemeClr val="accent1"/>
+          </a:fillRef>
+          <a:effectRef idx="0">
+            <a:schemeClr val="accent1"/>
+          </a:effectRef>
+          <a:fontRef idx="minor">
+            <a:schemeClr val="lt1"/>
+          </a:fontRef>
+        </p:style>
+        <p:txBody>
+          <a:bodyPr rtlCol="0" anchor="ctr"/>
+          <a:lstStyle/>
+          <a:p>
+            <a:pPr algn="ctr"/>
+            <a:endParaRPr lang="fr-FR"/>
+          </a:p>
+        </p:txBody>
+      </p:sp>
     </p:spTree>
     <p:extLst>
       <p:ext uri="{BB962C8B-B14F-4D97-AF65-F5344CB8AC3E}">
-        <p14:creationId xmlns:p14="http://schemas.microsoft.com/office/powerpoint/2010/main" val="3396173536"/>
+        <p14:creationId xmlns:p14="http://schemas.microsoft.com/office/powerpoint/2010/main" val="301356995"/>
       </p:ext>
     </p:extLst>
   </p:cSld>
@@ -7396,8 +7987,8 @@
         </p:nvSpPr>
         <p:spPr>
           <a:xfrm>
-            <a:off x="3836204" y="217402"/>
-            <a:ext cx="3068687" cy="461665"/>
+            <a:off x="3294185" y="121587"/>
+            <a:ext cx="4475692" cy="646331"/>
           </a:xfrm>
           <a:prstGeom prst="rect">
             <a:avLst/>
@@ -7410,23 +8001,45 @@
           </a:bodyPr>
           <a:lstStyle/>
           <a:p>
-            <a:r>
-              <a:rPr lang="fr-FR" sz="2400" dirty="0">
+            <a:pPr algn="ctr"/>
+            <a:r>
+              <a:rPr lang="fr-FR" sz="3600" b="1" dirty="0">
+                <a:effectLst>
+                  <a:outerShdw blurRad="38100" dist="38100" dir="2700000" algn="tl">
+                    <a:srgbClr val="000000">
+                      <a:alpha val="43137"/>
+                    </a:srgbClr>
+                  </a:outerShdw>
+                </a:effectLst>
                 <a:latin typeface="Eras Medium ITC" panose="020B0602030504020804" pitchFamily="34" charset="0"/>
               </a:rPr>
               <a:t>Description du </a:t>
             </a:r>
             <a:r>
-              <a:rPr lang="fr-FR" sz="2400" dirty="0">
+              <a:rPr lang="fr-FR" sz="3600" b="1" dirty="0">
                 <a:solidFill>
                   <a:srgbClr val="A31257"/>
                 </a:solidFill>
+                <a:effectLst>
+                  <a:outerShdw blurRad="38100" dist="38100" dir="2700000" algn="tl">
+                    <a:srgbClr val="000000">
+                      <a:alpha val="43137"/>
+                    </a:srgbClr>
+                  </a:outerShdw>
+                </a:effectLst>
                 <a:latin typeface="Eras Medium ITC" panose="020B0602030504020804" pitchFamily="34" charset="0"/>
               </a:rPr>
               <a:t>projet</a:t>
             </a:r>
             <a:r>
-              <a:rPr lang="fr-FR" sz="2400" dirty="0">
+              <a:rPr lang="fr-FR" sz="3600" b="1" dirty="0">
+                <a:effectLst>
+                  <a:outerShdw blurRad="38100" dist="38100" dir="2700000" algn="tl">
+                    <a:srgbClr val="000000">
+                      <a:alpha val="43137"/>
+                    </a:srgbClr>
+                  </a:outerShdw>
+                </a:effectLst>
                 <a:latin typeface="Eras Medium ITC" panose="020B0602030504020804" pitchFamily="34" charset="0"/>
               </a:rPr>
               <a:t> </a:t>
@@ -7752,6 +8365,574 @@
           <a:ln w="38100">
             <a:solidFill>
               <a:srgbClr val="A8135A"/>
+            </a:solidFill>
+          </a:ln>
+        </p:spPr>
+        <p:style>
+          <a:lnRef idx="2">
+            <a:schemeClr val="accent1">
+              <a:shade val="50000"/>
+            </a:schemeClr>
+          </a:lnRef>
+          <a:fillRef idx="1">
+            <a:schemeClr val="accent1"/>
+          </a:fillRef>
+          <a:effectRef idx="0">
+            <a:schemeClr val="accent1"/>
+          </a:effectRef>
+          <a:fontRef idx="minor">
+            <a:schemeClr val="lt1"/>
+          </a:fontRef>
+        </p:style>
+        <p:txBody>
+          <a:bodyPr rtlCol="0" anchor="ctr"/>
+          <a:lstStyle/>
+          <a:p>
+            <a:pPr algn="ctr"/>
+            <a:endParaRPr lang="fr-FR"/>
+          </a:p>
+        </p:txBody>
+      </p:sp>
+      <p:sp>
+        <p:nvSpPr>
+          <p:cNvPr id="13" name="Organigramme : Terminateur 12">
+            <a:extLst>
+              <a:ext uri="{FF2B5EF4-FFF2-40B4-BE49-F238E27FC236}">
+                <a16:creationId xmlns:a16="http://schemas.microsoft.com/office/drawing/2014/main" id="{BD04E732-9D59-4E0E-88B9-6D0C040730D3}"/>
+              </a:ext>
+            </a:extLst>
+          </p:cNvPr>
+          <p:cNvSpPr/>
+          <p:nvPr/>
+        </p:nvSpPr>
+        <p:spPr>
+          <a:xfrm>
+            <a:off x="11405115" y="1514475"/>
+            <a:ext cx="358260" cy="85725"/>
+          </a:xfrm>
+          <a:prstGeom prst="flowChartTerminator">
+            <a:avLst/>
+          </a:prstGeom>
+          <a:solidFill>
+            <a:srgbClr val="A8135A"/>
+          </a:solidFill>
+          <a:ln>
+            <a:solidFill>
+              <a:schemeClr val="bg1"/>
+            </a:solidFill>
+          </a:ln>
+        </p:spPr>
+        <p:style>
+          <a:lnRef idx="2">
+            <a:schemeClr val="accent1">
+              <a:shade val="50000"/>
+            </a:schemeClr>
+          </a:lnRef>
+          <a:fillRef idx="1">
+            <a:schemeClr val="accent1"/>
+          </a:fillRef>
+          <a:effectRef idx="0">
+            <a:schemeClr val="accent1"/>
+          </a:effectRef>
+          <a:fontRef idx="minor">
+            <a:schemeClr val="lt1"/>
+          </a:fontRef>
+        </p:style>
+        <p:txBody>
+          <a:bodyPr rtlCol="0" anchor="ctr"/>
+          <a:lstStyle/>
+          <a:p>
+            <a:pPr algn="ctr"/>
+            <a:endParaRPr lang="fr-FR"/>
+          </a:p>
+        </p:txBody>
+      </p:sp>
+      <p:sp>
+        <p:nvSpPr>
+          <p:cNvPr id="16" name="Rectangle 15">
+            <a:extLst>
+              <a:ext uri="{FF2B5EF4-FFF2-40B4-BE49-F238E27FC236}">
+                <a16:creationId xmlns:a16="http://schemas.microsoft.com/office/drawing/2014/main" id="{A8EAB139-4997-4463-A281-14841729ED63}"/>
+              </a:ext>
+            </a:extLst>
+          </p:cNvPr>
+          <p:cNvSpPr/>
+          <p:nvPr/>
+        </p:nvSpPr>
+        <p:spPr>
+          <a:xfrm>
+            <a:off x="11658600" y="753035"/>
+            <a:ext cx="104775" cy="5614778"/>
+          </a:xfrm>
+          <a:prstGeom prst="rect">
+            <a:avLst/>
+          </a:prstGeom>
+          <a:solidFill>
+            <a:schemeClr val="bg1"/>
+          </a:solidFill>
+          <a:ln>
+            <a:solidFill>
+              <a:schemeClr val="bg1"/>
+            </a:solidFill>
+          </a:ln>
+        </p:spPr>
+        <p:style>
+          <a:lnRef idx="2">
+            <a:schemeClr val="accent1">
+              <a:shade val="50000"/>
+            </a:schemeClr>
+          </a:lnRef>
+          <a:fillRef idx="1">
+            <a:schemeClr val="accent1"/>
+          </a:fillRef>
+          <a:effectRef idx="0">
+            <a:schemeClr val="accent1"/>
+          </a:effectRef>
+          <a:fontRef idx="minor">
+            <a:schemeClr val="lt1"/>
+          </a:fontRef>
+        </p:style>
+        <p:txBody>
+          <a:bodyPr rtlCol="0" anchor="ctr"/>
+          <a:lstStyle/>
+          <a:p>
+            <a:pPr algn="ctr"/>
+            <a:endParaRPr lang="fr-FR"/>
+          </a:p>
+        </p:txBody>
+      </p:sp>
+      <p:sp>
+        <p:nvSpPr>
+          <p:cNvPr id="17" name="Ellipse 16">
+            <a:extLst>
+              <a:ext uri="{FF2B5EF4-FFF2-40B4-BE49-F238E27FC236}">
+                <a16:creationId xmlns:a16="http://schemas.microsoft.com/office/drawing/2014/main" id="{6CA63D0D-C5B8-4412-9643-A0CABE3950B9}"/>
+              </a:ext>
+            </a:extLst>
+          </p:cNvPr>
+          <p:cNvSpPr/>
+          <p:nvPr/>
+        </p:nvSpPr>
+        <p:spPr>
+          <a:xfrm>
+            <a:off x="11428928" y="3201193"/>
+            <a:ext cx="564118" cy="542925"/>
+          </a:xfrm>
+          <a:prstGeom prst="ellipse">
+            <a:avLst/>
+          </a:prstGeom>
+          <a:solidFill>
+            <a:schemeClr val="bg1"/>
+          </a:solidFill>
+          <a:ln>
+            <a:solidFill>
+              <a:schemeClr val="bg1"/>
+            </a:solidFill>
+          </a:ln>
+        </p:spPr>
+        <p:style>
+          <a:lnRef idx="2">
+            <a:schemeClr val="accent1">
+              <a:shade val="50000"/>
+            </a:schemeClr>
+          </a:lnRef>
+          <a:fillRef idx="1">
+            <a:schemeClr val="accent1"/>
+          </a:fillRef>
+          <a:effectRef idx="0">
+            <a:schemeClr val="accent1"/>
+          </a:effectRef>
+          <a:fontRef idx="minor">
+            <a:schemeClr val="lt1"/>
+          </a:fontRef>
+        </p:style>
+        <p:txBody>
+          <a:bodyPr rtlCol="0" anchor="ctr"/>
+          <a:lstStyle/>
+          <a:p>
+            <a:pPr algn="ctr"/>
+            <a:endParaRPr lang="fr-FR"/>
+          </a:p>
+        </p:txBody>
+      </p:sp>
+      <p:sp>
+        <p:nvSpPr>
+          <p:cNvPr id="18" name="Ellipse 17">
+            <a:extLst>
+              <a:ext uri="{FF2B5EF4-FFF2-40B4-BE49-F238E27FC236}">
+                <a16:creationId xmlns:a16="http://schemas.microsoft.com/office/drawing/2014/main" id="{F71BEADB-ED74-4ED8-9E74-2E67991321C0}"/>
+              </a:ext>
+            </a:extLst>
+          </p:cNvPr>
+          <p:cNvSpPr/>
+          <p:nvPr/>
+        </p:nvSpPr>
+        <p:spPr>
+          <a:xfrm>
+            <a:off x="11428928" y="5851700"/>
+            <a:ext cx="564118" cy="542925"/>
+          </a:xfrm>
+          <a:prstGeom prst="ellipse">
+            <a:avLst/>
+          </a:prstGeom>
+          <a:solidFill>
+            <a:schemeClr val="bg1"/>
+          </a:solidFill>
+          <a:ln>
+            <a:solidFill>
+              <a:schemeClr val="bg1"/>
+            </a:solidFill>
+          </a:ln>
+        </p:spPr>
+        <p:style>
+          <a:lnRef idx="2">
+            <a:schemeClr val="accent1">
+              <a:shade val="50000"/>
+            </a:schemeClr>
+          </a:lnRef>
+          <a:fillRef idx="1">
+            <a:schemeClr val="accent1"/>
+          </a:fillRef>
+          <a:effectRef idx="0">
+            <a:schemeClr val="accent1"/>
+          </a:effectRef>
+          <a:fontRef idx="minor">
+            <a:schemeClr val="lt1"/>
+          </a:fontRef>
+        </p:style>
+        <p:txBody>
+          <a:bodyPr rtlCol="0" anchor="ctr"/>
+          <a:lstStyle/>
+          <a:p>
+            <a:pPr algn="ctr"/>
+            <a:endParaRPr lang="fr-FR"/>
+          </a:p>
+        </p:txBody>
+      </p:sp>
+      <p:sp>
+        <p:nvSpPr>
+          <p:cNvPr id="19" name="Organigramme : Terminateur 18">
+            <a:extLst>
+              <a:ext uri="{FF2B5EF4-FFF2-40B4-BE49-F238E27FC236}">
+                <a16:creationId xmlns:a16="http://schemas.microsoft.com/office/drawing/2014/main" id="{A4F27711-FCF3-4F92-B360-21B84657CE74}"/>
+              </a:ext>
+            </a:extLst>
+          </p:cNvPr>
+          <p:cNvSpPr/>
+          <p:nvPr/>
+        </p:nvSpPr>
+        <p:spPr>
+          <a:xfrm>
+            <a:off x="11405114" y="2347824"/>
+            <a:ext cx="358259" cy="85725"/>
+          </a:xfrm>
+          <a:prstGeom prst="flowChartTerminator">
+            <a:avLst/>
+          </a:prstGeom>
+          <a:solidFill>
+            <a:srgbClr val="A8135A"/>
+          </a:solidFill>
+          <a:ln>
+            <a:solidFill>
+              <a:schemeClr val="bg1"/>
+            </a:solidFill>
+          </a:ln>
+        </p:spPr>
+        <p:style>
+          <a:lnRef idx="2">
+            <a:schemeClr val="accent1">
+              <a:shade val="50000"/>
+            </a:schemeClr>
+          </a:lnRef>
+          <a:fillRef idx="1">
+            <a:schemeClr val="accent1"/>
+          </a:fillRef>
+          <a:effectRef idx="0">
+            <a:schemeClr val="accent1"/>
+          </a:effectRef>
+          <a:fontRef idx="minor">
+            <a:schemeClr val="lt1"/>
+          </a:fontRef>
+        </p:style>
+        <p:txBody>
+          <a:bodyPr rtlCol="0" anchor="ctr"/>
+          <a:lstStyle/>
+          <a:p>
+            <a:pPr algn="ctr"/>
+            <a:endParaRPr lang="fr-FR"/>
+          </a:p>
+        </p:txBody>
+      </p:sp>
+      <p:sp>
+        <p:nvSpPr>
+          <p:cNvPr id="20" name="ZoneTexte 19">
+            <a:extLst>
+              <a:ext uri="{FF2B5EF4-FFF2-40B4-BE49-F238E27FC236}">
+                <a16:creationId xmlns:a16="http://schemas.microsoft.com/office/drawing/2014/main" id="{A6832C53-0E86-4FBF-878E-F26A48AE1E57}"/>
+              </a:ext>
+            </a:extLst>
+          </p:cNvPr>
+          <p:cNvSpPr txBox="1"/>
+          <p:nvPr/>
+        </p:nvSpPr>
+        <p:spPr>
+          <a:xfrm>
+            <a:off x="10299143" y="558449"/>
+            <a:ext cx="1129785" cy="461665"/>
+          </a:xfrm>
+          <a:prstGeom prst="rect">
+            <a:avLst/>
+          </a:prstGeom>
+          <a:noFill/>
+        </p:spPr>
+        <p:txBody>
+          <a:bodyPr wrap="square" rtlCol="0">
+            <a:spAutoFit/>
+          </a:bodyPr>
+          <a:lstStyle/>
+          <a:p>
+            <a:pPr algn="r"/>
+            <a:r>
+              <a:rPr lang="fr-FR" sz="1200" dirty="0">
+                <a:latin typeface="Eras Medium ITC" panose="020B0602030504020804" pitchFamily="34" charset="0"/>
+              </a:rPr>
+              <a:t>Présentation du projet</a:t>
+            </a:r>
+          </a:p>
+        </p:txBody>
+      </p:sp>
+      <p:sp>
+        <p:nvSpPr>
+          <p:cNvPr id="21" name="ZoneTexte 20">
+            <a:extLst>
+              <a:ext uri="{FF2B5EF4-FFF2-40B4-BE49-F238E27FC236}">
+                <a16:creationId xmlns:a16="http://schemas.microsoft.com/office/drawing/2014/main" id="{ABA959CB-543D-4A88-B616-2865860E7A5E}"/>
+              </a:ext>
+            </a:extLst>
+          </p:cNvPr>
+          <p:cNvSpPr txBox="1"/>
+          <p:nvPr/>
+        </p:nvSpPr>
+        <p:spPr>
+          <a:xfrm>
+            <a:off x="10275329" y="1418837"/>
+            <a:ext cx="1129785" cy="276999"/>
+          </a:xfrm>
+          <a:prstGeom prst="rect">
+            <a:avLst/>
+          </a:prstGeom>
+          <a:noFill/>
+        </p:spPr>
+        <p:txBody>
+          <a:bodyPr wrap="square" rtlCol="0">
+            <a:spAutoFit/>
+          </a:bodyPr>
+          <a:lstStyle/>
+          <a:p>
+            <a:pPr algn="r"/>
+            <a:r>
+              <a:rPr lang="fr-FR" sz="1200" dirty="0">
+                <a:latin typeface="Eras Medium ITC" panose="020B0602030504020804" pitchFamily="34" charset="0"/>
+              </a:rPr>
+              <a:t>Générale</a:t>
+            </a:r>
+          </a:p>
+        </p:txBody>
+      </p:sp>
+      <p:sp>
+        <p:nvSpPr>
+          <p:cNvPr id="22" name="ZoneTexte 21">
+            <a:extLst>
+              <a:ext uri="{FF2B5EF4-FFF2-40B4-BE49-F238E27FC236}">
+                <a16:creationId xmlns:a16="http://schemas.microsoft.com/office/drawing/2014/main" id="{326F30F6-A35A-42C7-AA70-74A85B153CC8}"/>
+              </a:ext>
+            </a:extLst>
+          </p:cNvPr>
+          <p:cNvSpPr txBox="1"/>
+          <p:nvPr/>
+        </p:nvSpPr>
+        <p:spPr>
+          <a:xfrm>
+            <a:off x="10310812" y="2252186"/>
+            <a:ext cx="1129785" cy="276999"/>
+          </a:xfrm>
+          <a:prstGeom prst="rect">
+            <a:avLst/>
+          </a:prstGeom>
+          <a:noFill/>
+        </p:spPr>
+        <p:txBody>
+          <a:bodyPr wrap="square" rtlCol="0">
+            <a:spAutoFit/>
+          </a:bodyPr>
+          <a:lstStyle/>
+          <a:p>
+            <a:pPr algn="r"/>
+            <a:r>
+              <a:rPr lang="fr-FR" sz="1200" dirty="0">
+                <a:latin typeface="Eras Medium ITC" panose="020B0602030504020804" pitchFamily="34" charset="0"/>
+              </a:rPr>
+              <a:t>Personnalisée</a:t>
+            </a:r>
+          </a:p>
+        </p:txBody>
+      </p:sp>
+      <p:sp>
+        <p:nvSpPr>
+          <p:cNvPr id="23" name="ZoneTexte 22">
+            <a:extLst>
+              <a:ext uri="{FF2B5EF4-FFF2-40B4-BE49-F238E27FC236}">
+                <a16:creationId xmlns:a16="http://schemas.microsoft.com/office/drawing/2014/main" id="{B076E136-B447-406E-A818-517BC90AC2C1}"/>
+              </a:ext>
+            </a:extLst>
+          </p:cNvPr>
+          <p:cNvSpPr txBox="1"/>
+          <p:nvPr/>
+        </p:nvSpPr>
+        <p:spPr>
+          <a:xfrm>
+            <a:off x="10113406" y="3241822"/>
+            <a:ext cx="1315522" cy="461665"/>
+          </a:xfrm>
+          <a:prstGeom prst="rect">
+            <a:avLst/>
+          </a:prstGeom>
+          <a:noFill/>
+        </p:spPr>
+        <p:txBody>
+          <a:bodyPr wrap="square" rtlCol="0">
+            <a:spAutoFit/>
+          </a:bodyPr>
+          <a:lstStyle/>
+          <a:p>
+            <a:pPr algn="r"/>
+            <a:r>
+              <a:rPr lang="fr-FR" sz="1200" dirty="0">
+                <a:latin typeface="Eras Medium ITC" panose="020B0602030504020804" pitchFamily="34" charset="0"/>
+              </a:rPr>
+              <a:t>Diagramme de cas d’utilisation</a:t>
+            </a:r>
+          </a:p>
+        </p:txBody>
+      </p:sp>
+      <p:sp>
+        <p:nvSpPr>
+          <p:cNvPr id="24" name="ZoneTexte 23">
+            <a:extLst>
+              <a:ext uri="{FF2B5EF4-FFF2-40B4-BE49-F238E27FC236}">
+                <a16:creationId xmlns:a16="http://schemas.microsoft.com/office/drawing/2014/main" id="{6466A31C-01C9-49B6-A75C-E87F0CBD3473}"/>
+              </a:ext>
+            </a:extLst>
+          </p:cNvPr>
+          <p:cNvSpPr txBox="1"/>
+          <p:nvPr/>
+        </p:nvSpPr>
+        <p:spPr>
+          <a:xfrm>
+            <a:off x="10299143" y="5892329"/>
+            <a:ext cx="1129785" cy="461665"/>
+          </a:xfrm>
+          <a:prstGeom prst="rect">
+            <a:avLst/>
+          </a:prstGeom>
+          <a:noFill/>
+        </p:spPr>
+        <p:txBody>
+          <a:bodyPr wrap="square" rtlCol="0">
+            <a:spAutoFit/>
+          </a:bodyPr>
+          <a:lstStyle/>
+          <a:p>
+            <a:pPr algn="r"/>
+            <a:r>
+              <a:rPr lang="fr-FR" sz="1200" dirty="0">
+                <a:latin typeface="Eras Medium ITC" panose="020B0602030504020804" pitchFamily="34" charset="0"/>
+              </a:rPr>
+              <a:t>Les tâches personnelles</a:t>
+            </a:r>
+          </a:p>
+        </p:txBody>
+      </p:sp>
+      <p:sp>
+        <p:nvSpPr>
+          <p:cNvPr id="25" name="Rectangle 24">
+            <a:extLst>
+              <a:ext uri="{FF2B5EF4-FFF2-40B4-BE49-F238E27FC236}">
+                <a16:creationId xmlns:a16="http://schemas.microsoft.com/office/drawing/2014/main" id="{7FEC09BE-7523-4397-B1E5-12E42CCE64F6}"/>
+              </a:ext>
+            </a:extLst>
+          </p:cNvPr>
+          <p:cNvSpPr/>
+          <p:nvPr/>
+        </p:nvSpPr>
+        <p:spPr>
+          <a:xfrm>
+            <a:off x="11658600" y="955383"/>
+            <a:ext cx="104775" cy="1478166"/>
+          </a:xfrm>
+          <a:prstGeom prst="rect">
+            <a:avLst/>
+          </a:prstGeom>
+          <a:solidFill>
+            <a:srgbClr val="A8135A"/>
+          </a:solidFill>
+          <a:ln>
+            <a:solidFill>
+              <a:schemeClr val="bg1"/>
+            </a:solidFill>
+          </a:ln>
+        </p:spPr>
+        <p:style>
+          <a:lnRef idx="2">
+            <a:schemeClr val="accent1">
+              <a:shade val="50000"/>
+            </a:schemeClr>
+          </a:lnRef>
+          <a:fillRef idx="1">
+            <a:schemeClr val="accent1"/>
+          </a:fillRef>
+          <a:effectRef idx="0">
+            <a:schemeClr val="accent1"/>
+          </a:effectRef>
+          <a:fontRef idx="minor">
+            <a:schemeClr val="lt1"/>
+          </a:fontRef>
+        </p:style>
+        <p:txBody>
+          <a:bodyPr rtlCol="0" anchor="ctr"/>
+          <a:lstStyle/>
+          <a:p>
+            <a:pPr algn="ctr"/>
+            <a:endParaRPr lang="fr-FR"/>
+          </a:p>
+        </p:txBody>
+      </p:sp>
+      <p:sp>
+        <p:nvSpPr>
+          <p:cNvPr id="26" name="Ellipse 25">
+            <a:extLst>
+              <a:ext uri="{FF2B5EF4-FFF2-40B4-BE49-F238E27FC236}">
+                <a16:creationId xmlns:a16="http://schemas.microsoft.com/office/drawing/2014/main" id="{981EA778-9AFD-497A-A369-49925984B088}"/>
+              </a:ext>
+            </a:extLst>
+          </p:cNvPr>
+          <p:cNvSpPr/>
+          <p:nvPr/>
+        </p:nvSpPr>
+        <p:spPr>
+          <a:xfrm>
+            <a:off x="11428928" y="550687"/>
+            <a:ext cx="564118" cy="542925"/>
+          </a:xfrm>
+          <a:prstGeom prst="ellipse">
+            <a:avLst/>
+          </a:prstGeom>
+          <a:solidFill>
+            <a:srgbClr val="A8135A"/>
+          </a:solidFill>
+          <a:ln>
+            <a:solidFill>
+              <a:schemeClr val="bg1"/>
             </a:solidFill>
           </a:ln>
         </p:spPr>
@@ -7881,8 +9062,8 @@
         </p:nvSpPr>
         <p:spPr>
           <a:xfrm>
-            <a:off x="143436" y="987497"/>
-            <a:ext cx="2716996" cy="830997"/>
+            <a:off x="2587752" y="143435"/>
+            <a:ext cx="6437376" cy="646331"/>
           </a:xfrm>
           <a:prstGeom prst="rect">
             <a:avLst/>
@@ -7895,11 +9076,48 @@
           </a:bodyPr>
           <a:lstStyle/>
           <a:p>
-            <a:r>
-              <a:rPr lang="fr-FR" sz="2400" dirty="0">
+            <a:pPr algn="ctr"/>
+            <a:r>
+              <a:rPr lang="fr-FR" sz="3600" b="1" dirty="0">
+                <a:effectLst>
+                  <a:outerShdw blurRad="38100" dist="38100" dir="2700000" algn="tl">
+                    <a:srgbClr val="000000">
+                      <a:alpha val="43137"/>
+                    </a:srgbClr>
+                  </a:outerShdw>
+                </a:effectLst>
                 <a:latin typeface="Eras Medium ITC" panose="020B0602030504020804" pitchFamily="34" charset="0"/>
               </a:rPr>
-              <a:t>Diagramme de cas d’utilisation  </a:t>
+              <a:t>Diagramme de cas </a:t>
+            </a:r>
+            <a:r>
+              <a:rPr lang="fr-FR" sz="3600" b="1" dirty="0">
+                <a:solidFill>
+                  <a:srgbClr val="A31257"/>
+                </a:solidFill>
+                <a:effectLst>
+                  <a:outerShdw blurRad="38100" dist="38100" dir="2700000" algn="tl">
+                    <a:srgbClr val="000000">
+                      <a:alpha val="43137"/>
+                    </a:srgbClr>
+                  </a:outerShdw>
+                </a:effectLst>
+                <a:latin typeface="Eras Medium ITC" panose="020B0602030504020804" pitchFamily="34" charset="0"/>
+              </a:rPr>
+              <a:t>d’utilisation</a:t>
+            </a:r>
+            <a:r>
+              <a:rPr lang="fr-FR" sz="3600" b="1" dirty="0">
+                <a:effectLst>
+                  <a:outerShdw blurRad="38100" dist="38100" dir="2700000" algn="tl">
+                    <a:srgbClr val="000000">
+                      <a:alpha val="43137"/>
+                    </a:srgbClr>
+                  </a:outerShdw>
+                </a:effectLst>
+                <a:latin typeface="Eras Medium ITC" panose="020B0602030504020804" pitchFamily="34" charset="0"/>
+              </a:rPr>
+              <a:t>  </a:t>
             </a:r>
           </a:p>
         </p:txBody>
@@ -7925,18 +9143,1984 @@
         </p:blipFill>
         <p:spPr>
           <a:xfrm>
-            <a:off x="2860432" y="143436"/>
-            <a:ext cx="5814645" cy="6550442"/>
+            <a:off x="2796424" y="1022694"/>
+            <a:ext cx="4798345" cy="5405538"/>
           </a:xfrm>
           <a:prstGeom prst="rect">
             <a:avLst/>
           </a:prstGeom>
         </p:spPr>
       </p:pic>
+      <p:sp>
+        <p:nvSpPr>
+          <p:cNvPr id="6" name="Organigramme : Terminateur 5">
+            <a:extLst>
+              <a:ext uri="{FF2B5EF4-FFF2-40B4-BE49-F238E27FC236}">
+                <a16:creationId xmlns:a16="http://schemas.microsoft.com/office/drawing/2014/main" id="{D0388349-375C-432D-95E5-4335229F72C4}"/>
+              </a:ext>
+            </a:extLst>
+          </p:cNvPr>
+          <p:cNvSpPr/>
+          <p:nvPr/>
+        </p:nvSpPr>
+        <p:spPr>
+          <a:xfrm>
+            <a:off x="11405115" y="1514475"/>
+            <a:ext cx="358260" cy="85725"/>
+          </a:xfrm>
+          <a:prstGeom prst="flowChartTerminator">
+            <a:avLst/>
+          </a:prstGeom>
+          <a:solidFill>
+            <a:srgbClr val="A8135A"/>
+          </a:solidFill>
+          <a:ln>
+            <a:solidFill>
+              <a:schemeClr val="bg1"/>
+            </a:solidFill>
+          </a:ln>
+        </p:spPr>
+        <p:style>
+          <a:lnRef idx="2">
+            <a:schemeClr val="accent1">
+              <a:shade val="50000"/>
+            </a:schemeClr>
+          </a:lnRef>
+          <a:fillRef idx="1">
+            <a:schemeClr val="accent1"/>
+          </a:fillRef>
+          <a:effectRef idx="0">
+            <a:schemeClr val="accent1"/>
+          </a:effectRef>
+          <a:fontRef idx="minor">
+            <a:schemeClr val="lt1"/>
+          </a:fontRef>
+        </p:style>
+        <p:txBody>
+          <a:bodyPr rtlCol="0" anchor="ctr"/>
+          <a:lstStyle/>
+          <a:p>
+            <a:pPr algn="ctr"/>
+            <a:endParaRPr lang="fr-FR"/>
+          </a:p>
+        </p:txBody>
+      </p:sp>
+      <p:sp>
+        <p:nvSpPr>
+          <p:cNvPr id="7" name="Rectangle 6">
+            <a:extLst>
+              <a:ext uri="{FF2B5EF4-FFF2-40B4-BE49-F238E27FC236}">
+                <a16:creationId xmlns:a16="http://schemas.microsoft.com/office/drawing/2014/main" id="{7965C92B-62A3-4F91-80E9-84A7357D8ED7}"/>
+              </a:ext>
+            </a:extLst>
+          </p:cNvPr>
+          <p:cNvSpPr/>
+          <p:nvPr/>
+        </p:nvSpPr>
+        <p:spPr>
+          <a:xfrm>
+            <a:off x="11658600" y="753035"/>
+            <a:ext cx="104775" cy="5614778"/>
+          </a:xfrm>
+          <a:prstGeom prst="rect">
+            <a:avLst/>
+          </a:prstGeom>
+          <a:solidFill>
+            <a:schemeClr val="bg1"/>
+          </a:solidFill>
+          <a:ln>
+            <a:solidFill>
+              <a:schemeClr val="bg1"/>
+            </a:solidFill>
+          </a:ln>
+        </p:spPr>
+        <p:style>
+          <a:lnRef idx="2">
+            <a:schemeClr val="accent1">
+              <a:shade val="50000"/>
+            </a:schemeClr>
+          </a:lnRef>
+          <a:fillRef idx="1">
+            <a:schemeClr val="accent1"/>
+          </a:fillRef>
+          <a:effectRef idx="0">
+            <a:schemeClr val="accent1"/>
+          </a:effectRef>
+          <a:fontRef idx="minor">
+            <a:schemeClr val="lt1"/>
+          </a:fontRef>
+        </p:style>
+        <p:txBody>
+          <a:bodyPr rtlCol="0" anchor="ctr"/>
+          <a:lstStyle/>
+          <a:p>
+            <a:pPr algn="ctr"/>
+            <a:endParaRPr lang="fr-FR"/>
+          </a:p>
+        </p:txBody>
+      </p:sp>
+      <p:sp>
+        <p:nvSpPr>
+          <p:cNvPr id="9" name="Ellipse 8">
+            <a:extLst>
+              <a:ext uri="{FF2B5EF4-FFF2-40B4-BE49-F238E27FC236}">
+                <a16:creationId xmlns:a16="http://schemas.microsoft.com/office/drawing/2014/main" id="{76D06B21-1630-4698-BFB5-5F24222D7239}"/>
+              </a:ext>
+            </a:extLst>
+          </p:cNvPr>
+          <p:cNvSpPr/>
+          <p:nvPr/>
+        </p:nvSpPr>
+        <p:spPr>
+          <a:xfrm>
+            <a:off x="11428928" y="5851700"/>
+            <a:ext cx="564118" cy="542925"/>
+          </a:xfrm>
+          <a:prstGeom prst="ellipse">
+            <a:avLst/>
+          </a:prstGeom>
+          <a:solidFill>
+            <a:schemeClr val="bg1"/>
+          </a:solidFill>
+          <a:ln>
+            <a:solidFill>
+              <a:schemeClr val="bg1"/>
+            </a:solidFill>
+          </a:ln>
+        </p:spPr>
+        <p:style>
+          <a:lnRef idx="2">
+            <a:schemeClr val="accent1">
+              <a:shade val="50000"/>
+            </a:schemeClr>
+          </a:lnRef>
+          <a:fillRef idx="1">
+            <a:schemeClr val="accent1"/>
+          </a:fillRef>
+          <a:effectRef idx="0">
+            <a:schemeClr val="accent1"/>
+          </a:effectRef>
+          <a:fontRef idx="minor">
+            <a:schemeClr val="lt1"/>
+          </a:fontRef>
+        </p:style>
+        <p:txBody>
+          <a:bodyPr rtlCol="0" anchor="ctr"/>
+          <a:lstStyle/>
+          <a:p>
+            <a:pPr algn="ctr"/>
+            <a:endParaRPr lang="fr-FR"/>
+          </a:p>
+        </p:txBody>
+      </p:sp>
+      <p:sp>
+        <p:nvSpPr>
+          <p:cNvPr id="10" name="Organigramme : Terminateur 9">
+            <a:extLst>
+              <a:ext uri="{FF2B5EF4-FFF2-40B4-BE49-F238E27FC236}">
+                <a16:creationId xmlns:a16="http://schemas.microsoft.com/office/drawing/2014/main" id="{CB8C87E6-B87B-4E15-81CC-6DBA23DB12CA}"/>
+              </a:ext>
+            </a:extLst>
+          </p:cNvPr>
+          <p:cNvSpPr/>
+          <p:nvPr/>
+        </p:nvSpPr>
+        <p:spPr>
+          <a:xfrm>
+            <a:off x="11405114" y="2347824"/>
+            <a:ext cx="358259" cy="85725"/>
+          </a:xfrm>
+          <a:prstGeom prst="flowChartTerminator">
+            <a:avLst/>
+          </a:prstGeom>
+          <a:solidFill>
+            <a:srgbClr val="A8135A"/>
+          </a:solidFill>
+          <a:ln>
+            <a:solidFill>
+              <a:schemeClr val="bg1"/>
+            </a:solidFill>
+          </a:ln>
+        </p:spPr>
+        <p:style>
+          <a:lnRef idx="2">
+            <a:schemeClr val="accent1">
+              <a:shade val="50000"/>
+            </a:schemeClr>
+          </a:lnRef>
+          <a:fillRef idx="1">
+            <a:schemeClr val="accent1"/>
+          </a:fillRef>
+          <a:effectRef idx="0">
+            <a:schemeClr val="accent1"/>
+          </a:effectRef>
+          <a:fontRef idx="minor">
+            <a:schemeClr val="lt1"/>
+          </a:fontRef>
+        </p:style>
+        <p:txBody>
+          <a:bodyPr rtlCol="0" anchor="ctr"/>
+          <a:lstStyle/>
+          <a:p>
+            <a:pPr algn="ctr"/>
+            <a:endParaRPr lang="fr-FR"/>
+          </a:p>
+        </p:txBody>
+      </p:sp>
+      <p:sp>
+        <p:nvSpPr>
+          <p:cNvPr id="11" name="ZoneTexte 10">
+            <a:extLst>
+              <a:ext uri="{FF2B5EF4-FFF2-40B4-BE49-F238E27FC236}">
+                <a16:creationId xmlns:a16="http://schemas.microsoft.com/office/drawing/2014/main" id="{470680A5-31CA-4A5F-A91F-7E3BEF289E7E}"/>
+              </a:ext>
+            </a:extLst>
+          </p:cNvPr>
+          <p:cNvSpPr txBox="1"/>
+          <p:nvPr/>
+        </p:nvSpPr>
+        <p:spPr>
+          <a:xfrm>
+            <a:off x="10299143" y="558449"/>
+            <a:ext cx="1129785" cy="461665"/>
+          </a:xfrm>
+          <a:prstGeom prst="rect">
+            <a:avLst/>
+          </a:prstGeom>
+          <a:noFill/>
+        </p:spPr>
+        <p:txBody>
+          <a:bodyPr wrap="square" rtlCol="0">
+            <a:spAutoFit/>
+          </a:bodyPr>
+          <a:lstStyle/>
+          <a:p>
+            <a:pPr algn="r"/>
+            <a:r>
+              <a:rPr lang="fr-FR" sz="1200" dirty="0">
+                <a:latin typeface="Eras Medium ITC" panose="020B0602030504020804" pitchFamily="34" charset="0"/>
+              </a:rPr>
+              <a:t>Présentation du projet</a:t>
+            </a:r>
+          </a:p>
+        </p:txBody>
+      </p:sp>
+      <p:sp>
+        <p:nvSpPr>
+          <p:cNvPr id="12" name="ZoneTexte 11">
+            <a:extLst>
+              <a:ext uri="{FF2B5EF4-FFF2-40B4-BE49-F238E27FC236}">
+                <a16:creationId xmlns:a16="http://schemas.microsoft.com/office/drawing/2014/main" id="{118F324A-9355-4439-8D28-46B0B893CC58}"/>
+              </a:ext>
+            </a:extLst>
+          </p:cNvPr>
+          <p:cNvSpPr txBox="1"/>
+          <p:nvPr/>
+        </p:nvSpPr>
+        <p:spPr>
+          <a:xfrm>
+            <a:off x="10275329" y="1418837"/>
+            <a:ext cx="1129785" cy="276999"/>
+          </a:xfrm>
+          <a:prstGeom prst="rect">
+            <a:avLst/>
+          </a:prstGeom>
+          <a:noFill/>
+        </p:spPr>
+        <p:txBody>
+          <a:bodyPr wrap="square" rtlCol="0">
+            <a:spAutoFit/>
+          </a:bodyPr>
+          <a:lstStyle/>
+          <a:p>
+            <a:pPr algn="r"/>
+            <a:r>
+              <a:rPr lang="fr-FR" sz="1200" dirty="0">
+                <a:latin typeface="Eras Medium ITC" panose="020B0602030504020804" pitchFamily="34" charset="0"/>
+              </a:rPr>
+              <a:t>Générale</a:t>
+            </a:r>
+          </a:p>
+        </p:txBody>
+      </p:sp>
+      <p:sp>
+        <p:nvSpPr>
+          <p:cNvPr id="13" name="ZoneTexte 12">
+            <a:extLst>
+              <a:ext uri="{FF2B5EF4-FFF2-40B4-BE49-F238E27FC236}">
+                <a16:creationId xmlns:a16="http://schemas.microsoft.com/office/drawing/2014/main" id="{B0B65B09-BAE9-45E1-8DDD-BE198E82EA10}"/>
+              </a:ext>
+            </a:extLst>
+          </p:cNvPr>
+          <p:cNvSpPr txBox="1"/>
+          <p:nvPr/>
+        </p:nvSpPr>
+        <p:spPr>
+          <a:xfrm>
+            <a:off x="10310812" y="2252186"/>
+            <a:ext cx="1129785" cy="276999"/>
+          </a:xfrm>
+          <a:prstGeom prst="rect">
+            <a:avLst/>
+          </a:prstGeom>
+          <a:noFill/>
+        </p:spPr>
+        <p:txBody>
+          <a:bodyPr wrap="square" rtlCol="0">
+            <a:spAutoFit/>
+          </a:bodyPr>
+          <a:lstStyle/>
+          <a:p>
+            <a:pPr algn="r"/>
+            <a:r>
+              <a:rPr lang="fr-FR" sz="1200" dirty="0">
+                <a:latin typeface="Eras Medium ITC" panose="020B0602030504020804" pitchFamily="34" charset="0"/>
+              </a:rPr>
+              <a:t>Personnalisée</a:t>
+            </a:r>
+          </a:p>
+        </p:txBody>
+      </p:sp>
+      <p:sp>
+        <p:nvSpPr>
+          <p:cNvPr id="14" name="ZoneTexte 13">
+            <a:extLst>
+              <a:ext uri="{FF2B5EF4-FFF2-40B4-BE49-F238E27FC236}">
+                <a16:creationId xmlns:a16="http://schemas.microsoft.com/office/drawing/2014/main" id="{B5E860DF-2164-46BA-A256-EAAC919881DC}"/>
+              </a:ext>
+            </a:extLst>
+          </p:cNvPr>
+          <p:cNvSpPr txBox="1"/>
+          <p:nvPr/>
+        </p:nvSpPr>
+        <p:spPr>
+          <a:xfrm>
+            <a:off x="10113406" y="3241822"/>
+            <a:ext cx="1315522" cy="461665"/>
+          </a:xfrm>
+          <a:prstGeom prst="rect">
+            <a:avLst/>
+          </a:prstGeom>
+          <a:noFill/>
+        </p:spPr>
+        <p:txBody>
+          <a:bodyPr wrap="square" rtlCol="0">
+            <a:spAutoFit/>
+          </a:bodyPr>
+          <a:lstStyle/>
+          <a:p>
+            <a:pPr algn="r"/>
+            <a:r>
+              <a:rPr lang="fr-FR" sz="1200" dirty="0">
+                <a:latin typeface="Eras Medium ITC" panose="020B0602030504020804" pitchFamily="34" charset="0"/>
+              </a:rPr>
+              <a:t>Diagramme de cas d’utilisation</a:t>
+            </a:r>
+          </a:p>
+        </p:txBody>
+      </p:sp>
+      <p:sp>
+        <p:nvSpPr>
+          <p:cNvPr id="15" name="ZoneTexte 14">
+            <a:extLst>
+              <a:ext uri="{FF2B5EF4-FFF2-40B4-BE49-F238E27FC236}">
+                <a16:creationId xmlns:a16="http://schemas.microsoft.com/office/drawing/2014/main" id="{0E549171-6603-40D1-AACC-954D9ECD3358}"/>
+              </a:ext>
+            </a:extLst>
+          </p:cNvPr>
+          <p:cNvSpPr txBox="1"/>
+          <p:nvPr/>
+        </p:nvSpPr>
+        <p:spPr>
+          <a:xfrm>
+            <a:off x="10299143" y="5892329"/>
+            <a:ext cx="1129785" cy="461665"/>
+          </a:xfrm>
+          <a:prstGeom prst="rect">
+            <a:avLst/>
+          </a:prstGeom>
+          <a:noFill/>
+        </p:spPr>
+        <p:txBody>
+          <a:bodyPr wrap="square" rtlCol="0">
+            <a:spAutoFit/>
+          </a:bodyPr>
+          <a:lstStyle/>
+          <a:p>
+            <a:pPr algn="r"/>
+            <a:r>
+              <a:rPr lang="fr-FR" sz="1200" dirty="0">
+                <a:latin typeface="Eras Medium ITC" panose="020B0602030504020804" pitchFamily="34" charset="0"/>
+              </a:rPr>
+              <a:t>Les tâches personnelles</a:t>
+            </a:r>
+          </a:p>
+        </p:txBody>
+      </p:sp>
+      <p:sp>
+        <p:nvSpPr>
+          <p:cNvPr id="16" name="Rectangle 15">
+            <a:extLst>
+              <a:ext uri="{FF2B5EF4-FFF2-40B4-BE49-F238E27FC236}">
+                <a16:creationId xmlns:a16="http://schemas.microsoft.com/office/drawing/2014/main" id="{1D13FD37-1228-4A08-9F72-D32CBA322FEC}"/>
+              </a:ext>
+            </a:extLst>
+          </p:cNvPr>
+          <p:cNvSpPr/>
+          <p:nvPr/>
+        </p:nvSpPr>
+        <p:spPr>
+          <a:xfrm>
+            <a:off x="11658600" y="955383"/>
+            <a:ext cx="104775" cy="2748104"/>
+          </a:xfrm>
+          <a:prstGeom prst="rect">
+            <a:avLst/>
+          </a:prstGeom>
+          <a:solidFill>
+            <a:srgbClr val="A8135A"/>
+          </a:solidFill>
+          <a:ln>
+            <a:solidFill>
+              <a:schemeClr val="bg1"/>
+            </a:solidFill>
+          </a:ln>
+        </p:spPr>
+        <p:style>
+          <a:lnRef idx="2">
+            <a:schemeClr val="accent1">
+              <a:shade val="50000"/>
+            </a:schemeClr>
+          </a:lnRef>
+          <a:fillRef idx="1">
+            <a:schemeClr val="accent1"/>
+          </a:fillRef>
+          <a:effectRef idx="0">
+            <a:schemeClr val="accent1"/>
+          </a:effectRef>
+          <a:fontRef idx="minor">
+            <a:schemeClr val="lt1"/>
+          </a:fontRef>
+        </p:style>
+        <p:txBody>
+          <a:bodyPr rtlCol="0" anchor="ctr"/>
+          <a:lstStyle/>
+          <a:p>
+            <a:pPr algn="ctr"/>
+            <a:endParaRPr lang="fr-FR"/>
+          </a:p>
+        </p:txBody>
+      </p:sp>
+      <p:sp>
+        <p:nvSpPr>
+          <p:cNvPr id="17" name="Ellipse 16">
+            <a:extLst>
+              <a:ext uri="{FF2B5EF4-FFF2-40B4-BE49-F238E27FC236}">
+                <a16:creationId xmlns:a16="http://schemas.microsoft.com/office/drawing/2014/main" id="{9F704096-5C9D-41FD-B6A4-68CA21735651}"/>
+              </a:ext>
+            </a:extLst>
+          </p:cNvPr>
+          <p:cNvSpPr/>
+          <p:nvPr/>
+        </p:nvSpPr>
+        <p:spPr>
+          <a:xfrm>
+            <a:off x="11428928" y="550687"/>
+            <a:ext cx="564118" cy="542925"/>
+          </a:xfrm>
+          <a:prstGeom prst="ellipse">
+            <a:avLst/>
+          </a:prstGeom>
+          <a:solidFill>
+            <a:srgbClr val="A8135A"/>
+          </a:solidFill>
+          <a:ln>
+            <a:solidFill>
+              <a:schemeClr val="bg1"/>
+            </a:solidFill>
+          </a:ln>
+        </p:spPr>
+        <p:style>
+          <a:lnRef idx="2">
+            <a:schemeClr val="accent1">
+              <a:shade val="50000"/>
+            </a:schemeClr>
+          </a:lnRef>
+          <a:fillRef idx="1">
+            <a:schemeClr val="accent1"/>
+          </a:fillRef>
+          <a:effectRef idx="0">
+            <a:schemeClr val="accent1"/>
+          </a:effectRef>
+          <a:fontRef idx="minor">
+            <a:schemeClr val="lt1"/>
+          </a:fontRef>
+        </p:style>
+        <p:txBody>
+          <a:bodyPr rtlCol="0" anchor="ctr"/>
+          <a:lstStyle/>
+          <a:p>
+            <a:pPr algn="ctr"/>
+            <a:endParaRPr lang="fr-FR"/>
+          </a:p>
+        </p:txBody>
+      </p:sp>
+      <p:sp>
+        <p:nvSpPr>
+          <p:cNvPr id="8" name="Ellipse 7">
+            <a:extLst>
+              <a:ext uri="{FF2B5EF4-FFF2-40B4-BE49-F238E27FC236}">
+                <a16:creationId xmlns:a16="http://schemas.microsoft.com/office/drawing/2014/main" id="{527A32BE-E971-4F22-BE27-E8B13A47BF8B}"/>
+              </a:ext>
+            </a:extLst>
+          </p:cNvPr>
+          <p:cNvSpPr/>
+          <p:nvPr/>
+        </p:nvSpPr>
+        <p:spPr>
+          <a:xfrm>
+            <a:off x="11428928" y="3201193"/>
+            <a:ext cx="564118" cy="542925"/>
+          </a:xfrm>
+          <a:prstGeom prst="ellipse">
+            <a:avLst/>
+          </a:prstGeom>
+          <a:solidFill>
+            <a:srgbClr val="A8135A"/>
+          </a:solidFill>
+          <a:ln>
+            <a:solidFill>
+              <a:schemeClr val="bg1"/>
+            </a:solidFill>
+          </a:ln>
+        </p:spPr>
+        <p:style>
+          <a:lnRef idx="2">
+            <a:schemeClr val="accent1">
+              <a:shade val="50000"/>
+            </a:schemeClr>
+          </a:lnRef>
+          <a:fillRef idx="1">
+            <a:schemeClr val="accent1"/>
+          </a:fillRef>
+          <a:effectRef idx="0">
+            <a:schemeClr val="accent1"/>
+          </a:effectRef>
+          <a:fontRef idx="minor">
+            <a:schemeClr val="lt1"/>
+          </a:fontRef>
+        </p:style>
+        <p:txBody>
+          <a:bodyPr rtlCol="0" anchor="ctr"/>
+          <a:lstStyle/>
+          <a:p>
+            <a:pPr algn="ctr"/>
+            <a:endParaRPr lang="fr-FR"/>
+          </a:p>
+        </p:txBody>
+      </p:sp>
     </p:spTree>
     <p:extLst>
       <p:ext uri="{BB962C8B-B14F-4D97-AF65-F5344CB8AC3E}">
         <p14:creationId xmlns:p14="http://schemas.microsoft.com/office/powerpoint/2010/main" val="1377170629"/>
+      </p:ext>
+    </p:extLst>
+  </p:cSld>
+  <p:clrMapOvr>
+    <a:masterClrMapping/>
+  </p:clrMapOvr>
+  <mc:AlternateContent xmlns:mc="http://schemas.openxmlformats.org/markup-compatibility/2006" xmlns:p159="http://schemas.microsoft.com/office/powerpoint/2015/09/main">
+    <mc:Choice Requires="p159">
+      <p:transition xmlns:p14="http://schemas.microsoft.com/office/powerpoint/2010/main" spd="slow" p14:dur="2000">
+        <p159:morph option="byObject"/>
+      </p:transition>
+    </mc:Choice>
+    <mc:Fallback xmlns="">
+      <p:transition spd="slow">
+        <p:fade/>
+      </p:transition>
+    </mc:Fallback>
+  </mc:AlternateContent>
+</p:sld>
+</file>
+
+<file path=ppt/slides/slide6.xml><?xml version="1.0" encoding="utf-8"?>
+<p:sld xmlns:a="http://schemas.openxmlformats.org/drawingml/2006/main" xmlns:r="http://schemas.openxmlformats.org/officeDocument/2006/relationships" xmlns:p="http://schemas.openxmlformats.org/presentationml/2006/main">
+  <p:cSld>
+    <p:spTree>
+      <p:nvGrpSpPr>
+        <p:cNvPr id="1" name=""/>
+        <p:cNvGrpSpPr/>
+        <p:nvPr/>
+      </p:nvGrpSpPr>
+      <p:grpSpPr>
+        <a:xfrm>
+          <a:off x="0" y="0"/>
+          <a:ext cx="0" cy="0"/>
+          <a:chOff x="0" y="0"/>
+          <a:chExt cx="0" cy="0"/>
+        </a:xfrm>
+      </p:grpSpPr>
+      <p:pic>
+        <p:nvPicPr>
+          <p:cNvPr id="1026" name="Picture 2" descr="Image associée">
+            <a:extLst>
+              <a:ext uri="{FF2B5EF4-FFF2-40B4-BE49-F238E27FC236}">
+                <a16:creationId xmlns:a16="http://schemas.microsoft.com/office/drawing/2014/main" id="{C816F3D8-CC4C-46B3-A21E-58AE9AD30454}"/>
+              </a:ext>
+            </a:extLst>
+          </p:cNvPr>
+          <p:cNvPicPr>
+            <a:picLocks noChangeAspect="1" noChangeArrowheads="1"/>
+          </p:cNvPicPr>
+          <p:nvPr/>
+        </p:nvPicPr>
+        <p:blipFill rotWithShape="1">
+          <a:blip r:embed="rId2">
+            <a:extLst>
+              <a:ext uri="{28A0092B-C50C-407E-A947-70E740481C1C}">
+                <a14:useLocalDpi xmlns:a14="http://schemas.microsoft.com/office/drawing/2010/main" val="0"/>
+              </a:ext>
+            </a:extLst>
+          </a:blip>
+          <a:srcRect l="18677" r="15441"/>
+          <a:stretch/>
+        </p:blipFill>
+        <p:spPr bwMode="auto">
+          <a:xfrm>
+            <a:off x="143436" y="143435"/>
+            <a:ext cx="2269635" cy="609600"/>
+          </a:xfrm>
+          <a:prstGeom prst="rect">
+            <a:avLst/>
+          </a:prstGeom>
+          <a:noFill/>
+          <a:extLst>
+            <a:ext uri="{909E8E84-426E-40DD-AFC4-6F175D3DCCD1}">
+              <a14:hiddenFill xmlns:a14="http://schemas.microsoft.com/office/drawing/2010/main">
+                <a:solidFill>
+                  <a:srgbClr val="FFFFFF"/>
+                </a:solidFill>
+              </a14:hiddenFill>
+            </a:ext>
+          </a:extLst>
+        </p:spPr>
+      </p:pic>
+      <p:sp>
+        <p:nvSpPr>
+          <p:cNvPr id="2" name="ZoneTexte 1">
+            <a:extLst>
+              <a:ext uri="{FF2B5EF4-FFF2-40B4-BE49-F238E27FC236}">
+                <a16:creationId xmlns:a16="http://schemas.microsoft.com/office/drawing/2014/main" id="{144597CC-5B36-42C7-952E-C2CE1E34CACD}"/>
+              </a:ext>
+            </a:extLst>
+          </p:cNvPr>
+          <p:cNvSpPr txBox="1"/>
+          <p:nvPr/>
+        </p:nvSpPr>
+        <p:spPr>
+          <a:xfrm>
+            <a:off x="2978076" y="143435"/>
+            <a:ext cx="5050356" cy="646331"/>
+          </a:xfrm>
+          <a:prstGeom prst="rect">
+            <a:avLst/>
+          </a:prstGeom>
+          <a:noFill/>
+        </p:spPr>
+        <p:txBody>
+          <a:bodyPr wrap="square" rtlCol="0">
+            <a:spAutoFit/>
+          </a:bodyPr>
+          <a:lstStyle/>
+          <a:p>
+            <a:pPr algn="ctr"/>
+            <a:r>
+              <a:rPr lang="fr-FR" sz="3600" b="1" dirty="0">
+                <a:effectLst>
+                  <a:outerShdw blurRad="38100" dist="38100" dir="2700000" algn="tl">
+                    <a:srgbClr val="000000">
+                      <a:alpha val="43137"/>
+                    </a:srgbClr>
+                  </a:outerShdw>
+                </a:effectLst>
+                <a:latin typeface="Eras Medium ITC" panose="020B0602030504020804" pitchFamily="34" charset="0"/>
+              </a:rPr>
+              <a:t>Les taches </a:t>
+            </a:r>
+            <a:r>
+              <a:rPr lang="fr-FR" sz="3600" b="1" dirty="0">
+                <a:solidFill>
+                  <a:srgbClr val="A31257"/>
+                </a:solidFill>
+                <a:effectLst>
+                  <a:outerShdw blurRad="38100" dist="38100" dir="2700000" algn="tl">
+                    <a:srgbClr val="000000">
+                      <a:alpha val="43137"/>
+                    </a:srgbClr>
+                  </a:outerShdw>
+                </a:effectLst>
+                <a:latin typeface="Eras Medium ITC" panose="020B0602030504020804" pitchFamily="34" charset="0"/>
+              </a:rPr>
+              <a:t>personnelles</a:t>
+            </a:r>
+          </a:p>
+        </p:txBody>
+      </p:sp>
+      <p:pic>
+        <p:nvPicPr>
+          <p:cNvPr id="4" name="Image 3">
+            <a:extLst>
+              <a:ext uri="{FF2B5EF4-FFF2-40B4-BE49-F238E27FC236}">
+                <a16:creationId xmlns:a16="http://schemas.microsoft.com/office/drawing/2014/main" id="{52A3773F-0B46-4F0C-ABD6-9D77B22C5094}"/>
+              </a:ext>
+            </a:extLst>
+          </p:cNvPr>
+          <p:cNvPicPr>
+            <a:picLocks noChangeAspect="1"/>
+          </p:cNvPicPr>
+          <p:nvPr/>
+        </p:nvPicPr>
+        <p:blipFill rotWithShape="1">
+          <a:blip r:embed="rId3"/>
+          <a:srcRect l="19591" t="135" r="19449"/>
+          <a:stretch/>
+        </p:blipFill>
+        <p:spPr>
+          <a:xfrm rot="5400000">
+            <a:off x="623347" y="1198413"/>
+            <a:ext cx="609598" cy="998645"/>
+          </a:xfrm>
+          <a:prstGeom prst="rect">
+            <a:avLst/>
+          </a:prstGeom>
+        </p:spPr>
+      </p:pic>
+      <p:pic>
+        <p:nvPicPr>
+          <p:cNvPr id="7" name="Image 6">
+            <a:extLst>
+              <a:ext uri="{FF2B5EF4-FFF2-40B4-BE49-F238E27FC236}">
+                <a16:creationId xmlns:a16="http://schemas.microsoft.com/office/drawing/2014/main" id="{2253739D-B40F-4C08-ADC8-23799E945FEE}"/>
+              </a:ext>
+            </a:extLst>
+          </p:cNvPr>
+          <p:cNvPicPr>
+            <a:picLocks noChangeAspect="1"/>
+          </p:cNvPicPr>
+          <p:nvPr/>
+        </p:nvPicPr>
+        <p:blipFill rotWithShape="1">
+          <a:blip r:embed="rId3"/>
+          <a:srcRect l="19591" t="135" r="19449"/>
+          <a:stretch/>
+        </p:blipFill>
+        <p:spPr>
+          <a:xfrm rot="5400000">
+            <a:off x="623347" y="1838314"/>
+            <a:ext cx="609598" cy="998645"/>
+          </a:xfrm>
+          <a:prstGeom prst="rect">
+            <a:avLst/>
+          </a:prstGeom>
+        </p:spPr>
+      </p:pic>
+      <p:pic>
+        <p:nvPicPr>
+          <p:cNvPr id="8" name="Image 7">
+            <a:extLst>
+              <a:ext uri="{FF2B5EF4-FFF2-40B4-BE49-F238E27FC236}">
+                <a16:creationId xmlns:a16="http://schemas.microsoft.com/office/drawing/2014/main" id="{72242C57-324F-4383-BAF6-D1CEC6A2C74D}"/>
+              </a:ext>
+            </a:extLst>
+          </p:cNvPr>
+          <p:cNvPicPr>
+            <a:picLocks noChangeAspect="1"/>
+          </p:cNvPicPr>
+          <p:nvPr/>
+        </p:nvPicPr>
+        <p:blipFill rotWithShape="1">
+          <a:blip r:embed="rId3"/>
+          <a:srcRect l="19591" t="135" r="19449"/>
+          <a:stretch/>
+        </p:blipFill>
+        <p:spPr>
+          <a:xfrm rot="5400000">
+            <a:off x="623346" y="2478215"/>
+            <a:ext cx="609598" cy="998645"/>
+          </a:xfrm>
+          <a:prstGeom prst="rect">
+            <a:avLst/>
+          </a:prstGeom>
+        </p:spPr>
+      </p:pic>
+      <p:pic>
+        <p:nvPicPr>
+          <p:cNvPr id="9" name="Image 8">
+            <a:extLst>
+              <a:ext uri="{FF2B5EF4-FFF2-40B4-BE49-F238E27FC236}">
+                <a16:creationId xmlns:a16="http://schemas.microsoft.com/office/drawing/2014/main" id="{22F0C5C6-D65A-441F-AC35-0134EE9F35FA}"/>
+              </a:ext>
+            </a:extLst>
+          </p:cNvPr>
+          <p:cNvPicPr>
+            <a:picLocks noChangeAspect="1"/>
+          </p:cNvPicPr>
+          <p:nvPr/>
+        </p:nvPicPr>
+        <p:blipFill rotWithShape="1">
+          <a:blip r:embed="rId3"/>
+          <a:srcRect l="19591" t="135" r="19449"/>
+          <a:stretch/>
+        </p:blipFill>
+        <p:spPr>
+          <a:xfrm rot="5400000">
+            <a:off x="623345" y="3111841"/>
+            <a:ext cx="609598" cy="998645"/>
+          </a:xfrm>
+          <a:prstGeom prst="rect">
+            <a:avLst/>
+          </a:prstGeom>
+        </p:spPr>
+      </p:pic>
+      <p:pic>
+        <p:nvPicPr>
+          <p:cNvPr id="10" name="Image 9">
+            <a:extLst>
+              <a:ext uri="{FF2B5EF4-FFF2-40B4-BE49-F238E27FC236}">
+                <a16:creationId xmlns:a16="http://schemas.microsoft.com/office/drawing/2014/main" id="{128B33D0-466A-460A-8803-9D6F303E0D1C}"/>
+              </a:ext>
+            </a:extLst>
+          </p:cNvPr>
+          <p:cNvPicPr>
+            <a:picLocks noChangeAspect="1"/>
+          </p:cNvPicPr>
+          <p:nvPr/>
+        </p:nvPicPr>
+        <p:blipFill rotWithShape="1">
+          <a:blip r:embed="rId4"/>
+          <a:srcRect l="17999" t="1808" r="17297" b="3344"/>
+          <a:stretch/>
+        </p:blipFill>
+        <p:spPr>
+          <a:xfrm>
+            <a:off x="2178305" y="1221616"/>
+            <a:ext cx="1938528" cy="2841640"/>
+          </a:xfrm>
+          <a:prstGeom prst="rect">
+            <a:avLst/>
+          </a:prstGeom>
+        </p:spPr>
+      </p:pic>
+      <p:pic>
+        <p:nvPicPr>
+          <p:cNvPr id="12" name="Image 11">
+            <a:extLst>
+              <a:ext uri="{FF2B5EF4-FFF2-40B4-BE49-F238E27FC236}">
+                <a16:creationId xmlns:a16="http://schemas.microsoft.com/office/drawing/2014/main" id="{CFB0D773-6C65-4FE2-8E8C-CD8DA37A2910}"/>
+              </a:ext>
+            </a:extLst>
+          </p:cNvPr>
+          <p:cNvPicPr>
+            <a:picLocks noChangeAspect="1"/>
+          </p:cNvPicPr>
+          <p:nvPr/>
+        </p:nvPicPr>
+        <p:blipFill rotWithShape="1">
+          <a:blip r:embed="rId5"/>
+          <a:srcRect l="5769" t="10484" r="36077" b="6657"/>
+          <a:stretch/>
+        </p:blipFill>
+        <p:spPr>
+          <a:xfrm rot="16200000">
+            <a:off x="570873" y="4003864"/>
+            <a:ext cx="833033" cy="880155"/>
+          </a:xfrm>
+          <a:prstGeom prst="rect">
+            <a:avLst/>
+          </a:prstGeom>
+        </p:spPr>
+      </p:pic>
+      <p:pic>
+        <p:nvPicPr>
+          <p:cNvPr id="13" name="Image 12">
+            <a:extLst>
+              <a:ext uri="{FF2B5EF4-FFF2-40B4-BE49-F238E27FC236}">
+                <a16:creationId xmlns:a16="http://schemas.microsoft.com/office/drawing/2014/main" id="{D58727BC-476F-402D-9289-047C84991782}"/>
+              </a:ext>
+            </a:extLst>
+          </p:cNvPr>
+          <p:cNvPicPr>
+            <a:picLocks noChangeAspect="1"/>
+          </p:cNvPicPr>
+          <p:nvPr/>
+        </p:nvPicPr>
+        <p:blipFill rotWithShape="1">
+          <a:blip r:embed="rId6"/>
+          <a:srcRect l="2640" t="20681" r="56389" b="26689"/>
+          <a:stretch/>
+        </p:blipFill>
+        <p:spPr>
+          <a:xfrm>
+            <a:off x="2178305" y="4944765"/>
+            <a:ext cx="697994" cy="599619"/>
+          </a:xfrm>
+          <a:prstGeom prst="rect">
+            <a:avLst/>
+          </a:prstGeom>
+        </p:spPr>
+      </p:pic>
+      <p:pic>
+        <p:nvPicPr>
+          <p:cNvPr id="17" name="Image 16">
+            <a:extLst>
+              <a:ext uri="{FF2B5EF4-FFF2-40B4-BE49-F238E27FC236}">
+                <a16:creationId xmlns:a16="http://schemas.microsoft.com/office/drawing/2014/main" id="{6599FC6C-13F6-40C1-834C-582002516774}"/>
+              </a:ext>
+            </a:extLst>
+          </p:cNvPr>
+          <p:cNvPicPr>
+            <a:picLocks noChangeAspect="1"/>
+          </p:cNvPicPr>
+          <p:nvPr/>
+        </p:nvPicPr>
+        <p:blipFill rotWithShape="1">
+          <a:blip r:embed="rId7"/>
+          <a:srcRect l="38736" t="2828" r="38919" b="2828"/>
+          <a:stretch/>
+        </p:blipFill>
+        <p:spPr>
+          <a:xfrm flipH="1">
+            <a:off x="3440269" y="4168885"/>
+            <a:ext cx="575980" cy="2431915"/>
+          </a:xfrm>
+          <a:prstGeom prst="rect">
+            <a:avLst/>
+          </a:prstGeom>
+        </p:spPr>
+      </p:pic>
+      <p:cxnSp>
+        <p:nvCxnSpPr>
+          <p:cNvPr id="19" name="Connecteur droit 18">
+            <a:extLst>
+              <a:ext uri="{FF2B5EF4-FFF2-40B4-BE49-F238E27FC236}">
+                <a16:creationId xmlns:a16="http://schemas.microsoft.com/office/drawing/2014/main" id="{3F65DC3F-E7E6-44A7-AFA0-7973BEEA491D}"/>
+              </a:ext>
+            </a:extLst>
+          </p:cNvPr>
+          <p:cNvCxnSpPr/>
+          <p:nvPr/>
+        </p:nvCxnSpPr>
+        <p:spPr>
+          <a:xfrm>
+            <a:off x="1427467" y="1549400"/>
+            <a:ext cx="0" cy="2235200"/>
+          </a:xfrm>
+          <a:prstGeom prst="line">
+            <a:avLst/>
+          </a:prstGeom>
+          <a:ln w="28575"/>
+        </p:spPr>
+        <p:style>
+          <a:lnRef idx="1">
+            <a:schemeClr val="dk1"/>
+          </a:lnRef>
+          <a:fillRef idx="0">
+            <a:schemeClr val="dk1"/>
+          </a:fillRef>
+          <a:effectRef idx="0">
+            <a:schemeClr val="dk1"/>
+          </a:effectRef>
+          <a:fontRef idx="minor">
+            <a:schemeClr val="tx1"/>
+          </a:fontRef>
+        </p:style>
+      </p:cxnSp>
+      <p:cxnSp>
+        <p:nvCxnSpPr>
+          <p:cNvPr id="21" name="Connecteur droit 20">
+            <a:extLst>
+              <a:ext uri="{FF2B5EF4-FFF2-40B4-BE49-F238E27FC236}">
+                <a16:creationId xmlns:a16="http://schemas.microsoft.com/office/drawing/2014/main" id="{ADA80FD2-A0A2-4452-A3C3-47B111B15986}"/>
+              </a:ext>
+            </a:extLst>
+          </p:cNvPr>
+          <p:cNvCxnSpPr/>
+          <p:nvPr/>
+        </p:nvCxnSpPr>
+        <p:spPr>
+          <a:xfrm>
+            <a:off x="1427467" y="2245360"/>
+            <a:ext cx="820433" cy="0"/>
+          </a:xfrm>
+          <a:prstGeom prst="line">
+            <a:avLst/>
+          </a:prstGeom>
+          <a:ln w="28575"/>
+        </p:spPr>
+        <p:style>
+          <a:lnRef idx="1">
+            <a:schemeClr val="dk1"/>
+          </a:lnRef>
+          <a:fillRef idx="0">
+            <a:schemeClr val="dk1"/>
+          </a:fillRef>
+          <a:effectRef idx="0">
+            <a:schemeClr val="dk1"/>
+          </a:effectRef>
+          <a:fontRef idx="minor">
+            <a:schemeClr val="tx1"/>
+          </a:fontRef>
+        </p:style>
+      </p:cxnSp>
+      <p:sp>
+        <p:nvSpPr>
+          <p:cNvPr id="22" name="ZoneTexte 21">
+            <a:extLst>
+              <a:ext uri="{FF2B5EF4-FFF2-40B4-BE49-F238E27FC236}">
+                <a16:creationId xmlns:a16="http://schemas.microsoft.com/office/drawing/2014/main" id="{C6188061-68A2-48BC-91C2-EEE5DB6532F0}"/>
+              </a:ext>
+            </a:extLst>
+          </p:cNvPr>
+          <p:cNvSpPr txBox="1"/>
+          <p:nvPr/>
+        </p:nvSpPr>
+        <p:spPr>
+          <a:xfrm>
+            <a:off x="1480309" y="2002535"/>
+            <a:ext cx="697994" cy="276999"/>
+          </a:xfrm>
+          <a:prstGeom prst="rect">
+            <a:avLst/>
+          </a:prstGeom>
+          <a:noFill/>
+        </p:spPr>
+        <p:txBody>
+          <a:bodyPr wrap="square" rtlCol="0">
+            <a:spAutoFit/>
+          </a:bodyPr>
+          <a:lstStyle/>
+          <a:p>
+            <a:r>
+              <a:rPr lang="fr-FR" sz="1200" dirty="0">
+                <a:latin typeface="Eras Medium ITC" panose="020B0602030504020804" pitchFamily="34" charset="0"/>
+              </a:rPr>
+              <a:t>Bus SPI</a:t>
+            </a:r>
+          </a:p>
+        </p:txBody>
+      </p:sp>
+      <p:cxnSp>
+        <p:nvCxnSpPr>
+          <p:cNvPr id="24" name="Connecteur droit 23">
+            <a:extLst>
+              <a:ext uri="{FF2B5EF4-FFF2-40B4-BE49-F238E27FC236}">
+                <a16:creationId xmlns:a16="http://schemas.microsoft.com/office/drawing/2014/main" id="{641391CF-F274-42C9-BDDE-0BBA69063EEF}"/>
+              </a:ext>
+            </a:extLst>
+          </p:cNvPr>
+          <p:cNvCxnSpPr/>
+          <p:nvPr/>
+        </p:nvCxnSpPr>
+        <p:spPr>
+          <a:xfrm>
+            <a:off x="1341120" y="4063256"/>
+            <a:ext cx="0" cy="797202"/>
+          </a:xfrm>
+          <a:prstGeom prst="line">
+            <a:avLst/>
+          </a:prstGeom>
+          <a:ln w="28575"/>
+        </p:spPr>
+        <p:style>
+          <a:lnRef idx="1">
+            <a:schemeClr val="dk1"/>
+          </a:lnRef>
+          <a:fillRef idx="0">
+            <a:schemeClr val="dk1"/>
+          </a:fillRef>
+          <a:effectRef idx="0">
+            <a:schemeClr val="dk1"/>
+          </a:effectRef>
+          <a:fontRef idx="minor">
+            <a:schemeClr val="tx1"/>
+          </a:fontRef>
+        </p:style>
+      </p:cxnSp>
+      <p:cxnSp>
+        <p:nvCxnSpPr>
+          <p:cNvPr id="28" name="Connecteur : en angle 27">
+            <a:extLst>
+              <a:ext uri="{FF2B5EF4-FFF2-40B4-BE49-F238E27FC236}">
+                <a16:creationId xmlns:a16="http://schemas.microsoft.com/office/drawing/2014/main" id="{DE3EFDDE-81A1-4319-A26E-49FC5E66F31C}"/>
+              </a:ext>
+            </a:extLst>
+          </p:cNvPr>
+          <p:cNvCxnSpPr>
+            <a:cxnSpLocks/>
+          </p:cNvCxnSpPr>
+          <p:nvPr/>
+        </p:nvCxnSpPr>
+        <p:spPr>
+          <a:xfrm flipV="1">
+            <a:off x="1341121" y="3151685"/>
+            <a:ext cx="906778" cy="903132"/>
+          </a:xfrm>
+          <a:prstGeom prst="bentConnector3">
+            <a:avLst>
+              <a:gd name="adj1" fmla="val 23109"/>
+            </a:avLst>
+          </a:prstGeom>
+          <a:ln w="28575"/>
+        </p:spPr>
+        <p:style>
+          <a:lnRef idx="1">
+            <a:schemeClr val="dk1"/>
+          </a:lnRef>
+          <a:fillRef idx="0">
+            <a:schemeClr val="dk1"/>
+          </a:fillRef>
+          <a:effectRef idx="0">
+            <a:schemeClr val="dk1"/>
+          </a:effectRef>
+          <a:fontRef idx="minor">
+            <a:schemeClr val="tx1"/>
+          </a:fontRef>
+        </p:style>
+      </p:cxnSp>
+      <p:cxnSp>
+        <p:nvCxnSpPr>
+          <p:cNvPr id="1031" name="Connecteur : en angle 1030">
+            <a:extLst>
+              <a:ext uri="{FF2B5EF4-FFF2-40B4-BE49-F238E27FC236}">
+                <a16:creationId xmlns:a16="http://schemas.microsoft.com/office/drawing/2014/main" id="{52483542-AA3C-4C68-892B-18AFC070ECA1}"/>
+              </a:ext>
+            </a:extLst>
+          </p:cNvPr>
+          <p:cNvCxnSpPr>
+            <a:cxnSpLocks/>
+            <a:stCxn id="13" idx="1"/>
+          </p:cNvCxnSpPr>
+          <p:nvPr/>
+        </p:nvCxnSpPr>
+        <p:spPr>
+          <a:xfrm rot="10800000" flipH="1">
+            <a:off x="2178304" y="3529035"/>
+            <a:ext cx="69595" cy="1715541"/>
+          </a:xfrm>
+          <a:prstGeom prst="bentConnector4">
+            <a:avLst>
+              <a:gd name="adj1" fmla="val -328472"/>
+              <a:gd name="adj2" fmla="val 100046"/>
+            </a:avLst>
+          </a:prstGeom>
+          <a:ln w="28575">
+            <a:solidFill>
+              <a:schemeClr val="tx1"/>
+            </a:solidFill>
+          </a:ln>
+        </p:spPr>
+        <p:style>
+          <a:lnRef idx="1">
+            <a:schemeClr val="accent1"/>
+          </a:lnRef>
+          <a:fillRef idx="0">
+            <a:schemeClr val="accent1"/>
+          </a:fillRef>
+          <a:effectRef idx="0">
+            <a:schemeClr val="accent1"/>
+          </a:effectRef>
+          <a:fontRef idx="minor">
+            <a:schemeClr val="tx1"/>
+          </a:fontRef>
+        </p:style>
+      </p:cxnSp>
+      <p:cxnSp>
+        <p:nvCxnSpPr>
+          <p:cNvPr id="1040" name="Connecteur : en angle 1039">
+            <a:extLst>
+              <a:ext uri="{FF2B5EF4-FFF2-40B4-BE49-F238E27FC236}">
+                <a16:creationId xmlns:a16="http://schemas.microsoft.com/office/drawing/2014/main" id="{27F38A90-E307-4F17-9487-F38B02E01566}"/>
+              </a:ext>
+            </a:extLst>
+          </p:cNvPr>
+          <p:cNvCxnSpPr/>
+          <p:nvPr/>
+        </p:nvCxnSpPr>
+        <p:spPr>
+          <a:xfrm>
+            <a:off x="2876299" y="5128260"/>
+            <a:ext cx="563970" cy="116316"/>
+          </a:xfrm>
+          <a:prstGeom prst="bentConnector3">
+            <a:avLst/>
+          </a:prstGeom>
+          <a:ln w="28575"/>
+        </p:spPr>
+        <p:style>
+          <a:lnRef idx="1">
+            <a:schemeClr val="dk1"/>
+          </a:lnRef>
+          <a:fillRef idx="0">
+            <a:schemeClr val="dk1"/>
+          </a:fillRef>
+          <a:effectRef idx="0">
+            <a:schemeClr val="dk1"/>
+          </a:effectRef>
+          <a:fontRef idx="minor">
+            <a:schemeClr val="tx1"/>
+          </a:fontRef>
+        </p:style>
+      </p:cxnSp>
+      <p:cxnSp>
+        <p:nvCxnSpPr>
+          <p:cNvPr id="1042" name="Connecteur : en angle 1041">
+            <a:extLst>
+              <a:ext uri="{FF2B5EF4-FFF2-40B4-BE49-F238E27FC236}">
+                <a16:creationId xmlns:a16="http://schemas.microsoft.com/office/drawing/2014/main" id="{77CE3063-A4FD-4CED-B0E9-FE27C8031719}"/>
+              </a:ext>
+            </a:extLst>
+          </p:cNvPr>
+          <p:cNvCxnSpPr>
+            <a:stCxn id="13" idx="3"/>
+          </p:cNvCxnSpPr>
+          <p:nvPr/>
+        </p:nvCxnSpPr>
+        <p:spPr>
+          <a:xfrm>
+            <a:off x="2876299" y="5244575"/>
+            <a:ext cx="563970" cy="299809"/>
+          </a:xfrm>
+          <a:prstGeom prst="bentConnector3">
+            <a:avLst>
+              <a:gd name="adj1" fmla="val 33786"/>
+            </a:avLst>
+          </a:prstGeom>
+          <a:ln w="28575">
+            <a:solidFill>
+              <a:srgbClr val="FF0000"/>
+            </a:solidFill>
+          </a:ln>
+        </p:spPr>
+        <p:style>
+          <a:lnRef idx="1">
+            <a:schemeClr val="accent1"/>
+          </a:lnRef>
+          <a:fillRef idx="0">
+            <a:schemeClr val="accent1"/>
+          </a:fillRef>
+          <a:effectRef idx="0">
+            <a:schemeClr val="accent1"/>
+          </a:effectRef>
+          <a:fontRef idx="minor">
+            <a:schemeClr val="tx1"/>
+          </a:fontRef>
+        </p:style>
+      </p:cxnSp>
+      <p:sp>
+        <p:nvSpPr>
+          <p:cNvPr id="1046" name="ZoneTexte 1045">
+            <a:extLst>
+              <a:ext uri="{FF2B5EF4-FFF2-40B4-BE49-F238E27FC236}">
+                <a16:creationId xmlns:a16="http://schemas.microsoft.com/office/drawing/2014/main" id="{83ABE0C0-1BA8-4A18-A9B6-78200A87DFBE}"/>
+              </a:ext>
+            </a:extLst>
+          </p:cNvPr>
+          <p:cNvSpPr txBox="1"/>
+          <p:nvPr/>
+        </p:nvSpPr>
+        <p:spPr>
+          <a:xfrm rot="5400000">
+            <a:off x="1106023" y="3579933"/>
+            <a:ext cx="1133494" cy="276999"/>
+          </a:xfrm>
+          <a:prstGeom prst="rect">
+            <a:avLst/>
+          </a:prstGeom>
+          <a:noFill/>
+        </p:spPr>
+        <p:txBody>
+          <a:bodyPr wrap="square" rtlCol="0">
+            <a:spAutoFit/>
+          </a:bodyPr>
+          <a:lstStyle/>
+          <a:p>
+            <a:r>
+              <a:rPr lang="fr-FR" sz="1200" dirty="0" err="1">
+                <a:latin typeface="Eras Medium ITC" panose="020B0602030504020804" pitchFamily="34" charset="0"/>
+              </a:rPr>
+              <a:t>Breadboard</a:t>
+            </a:r>
+            <a:r>
+              <a:rPr lang="fr-FR" sz="1200" dirty="0">
+                <a:latin typeface="Eras Medium ITC" panose="020B0602030504020804" pitchFamily="34" charset="0"/>
+              </a:rPr>
+              <a:t> ?</a:t>
+            </a:r>
+          </a:p>
+        </p:txBody>
+      </p:sp>
+      <p:sp>
+        <p:nvSpPr>
+          <p:cNvPr id="1051" name="ZoneTexte 1050">
+            <a:extLst>
+              <a:ext uri="{FF2B5EF4-FFF2-40B4-BE49-F238E27FC236}">
+                <a16:creationId xmlns:a16="http://schemas.microsoft.com/office/drawing/2014/main" id="{397A12A9-89CA-4DC8-9076-E3B431765B25}"/>
+              </a:ext>
+            </a:extLst>
+          </p:cNvPr>
+          <p:cNvSpPr txBox="1"/>
+          <p:nvPr/>
+        </p:nvSpPr>
+        <p:spPr>
+          <a:xfrm>
+            <a:off x="4801617" y="2140848"/>
+            <a:ext cx="3799332" cy="2585323"/>
+          </a:xfrm>
+          <a:prstGeom prst="rect">
+            <a:avLst/>
+          </a:prstGeom>
+          <a:noFill/>
+        </p:spPr>
+        <p:txBody>
+          <a:bodyPr wrap="square" rtlCol="0">
+            <a:spAutoFit/>
+          </a:bodyPr>
+          <a:lstStyle/>
+          <a:p>
+            <a:pPr marL="285750" indent="-285750">
+              <a:buFont typeface="Arial" panose="020B0604020202020204" pitchFamily="34" charset="0"/>
+              <a:buChar char="•"/>
+            </a:pPr>
+            <a:r>
+              <a:rPr lang="fr-FR" dirty="0">
+                <a:latin typeface="Eras Medium ITC" panose="020B0602030504020804" pitchFamily="34" charset="0"/>
+              </a:rPr>
+              <a:t>Pouvoir lire l’UID </a:t>
+            </a:r>
+            <a:r>
+              <a:rPr lang="fr-FR" i="1" dirty="0">
+                <a:latin typeface="Eras Medium ITC" panose="020B0602030504020804" pitchFamily="34" charset="0"/>
+              </a:rPr>
+              <a:t>(user Identifier)</a:t>
+            </a:r>
+            <a:r>
+              <a:rPr lang="fr-FR" dirty="0">
+                <a:latin typeface="Eras Medium ITC" panose="020B0602030504020804" pitchFamily="34" charset="0"/>
+              </a:rPr>
+              <a:t> du tag RFID.</a:t>
+            </a:r>
+          </a:p>
+          <a:p>
+            <a:pPr marL="285750" indent="-285750">
+              <a:buFont typeface="Arial" panose="020B0604020202020204" pitchFamily="34" charset="0"/>
+              <a:buChar char="•"/>
+            </a:pPr>
+            <a:r>
+              <a:rPr lang="fr-FR" dirty="0">
+                <a:latin typeface="Eras Medium ITC" panose="020B0602030504020804" pitchFamily="34" charset="0"/>
+              </a:rPr>
+              <a:t>Allumé une LED correspondante si UID correct.</a:t>
+            </a:r>
+          </a:p>
+          <a:p>
+            <a:pPr marL="285750" indent="-285750">
+              <a:buFont typeface="Arial" panose="020B0604020202020204" pitchFamily="34" charset="0"/>
+              <a:buChar char="•"/>
+            </a:pPr>
+            <a:r>
+              <a:rPr lang="fr-FR" dirty="0">
+                <a:latin typeface="Eras Medium ITC" panose="020B0602030504020804" pitchFamily="34" charset="0"/>
+              </a:rPr>
+              <a:t>Si 4 UID corrects, ouvrir la gâche électrique.</a:t>
+            </a:r>
+          </a:p>
+          <a:p>
+            <a:pPr marL="285750" indent="-285750">
+              <a:buFont typeface="Arial" panose="020B0604020202020204" pitchFamily="34" charset="0"/>
+              <a:buChar char="•"/>
+            </a:pPr>
+            <a:r>
+              <a:rPr lang="fr-FR" dirty="0">
+                <a:latin typeface="Eras Medium ITC" panose="020B0602030504020804" pitchFamily="34" charset="0"/>
+              </a:rPr>
+              <a:t>Si 4 UID corrects, envoyer l’ordre de fin partie à l’application de supervision.</a:t>
+            </a:r>
+          </a:p>
+        </p:txBody>
+      </p:sp>
+      <p:sp>
+        <p:nvSpPr>
+          <p:cNvPr id="66" name="Organigramme : Terminateur 65">
+            <a:extLst>
+              <a:ext uri="{FF2B5EF4-FFF2-40B4-BE49-F238E27FC236}">
+                <a16:creationId xmlns:a16="http://schemas.microsoft.com/office/drawing/2014/main" id="{254EA6FE-0793-43F8-A6EF-C57FE9C097D1}"/>
+              </a:ext>
+            </a:extLst>
+          </p:cNvPr>
+          <p:cNvSpPr/>
+          <p:nvPr/>
+        </p:nvSpPr>
+        <p:spPr>
+          <a:xfrm>
+            <a:off x="11405115" y="1514475"/>
+            <a:ext cx="358260" cy="85725"/>
+          </a:xfrm>
+          <a:prstGeom prst="flowChartTerminator">
+            <a:avLst/>
+          </a:prstGeom>
+          <a:solidFill>
+            <a:srgbClr val="A8135A"/>
+          </a:solidFill>
+          <a:ln>
+            <a:solidFill>
+              <a:schemeClr val="bg1"/>
+            </a:solidFill>
+          </a:ln>
+        </p:spPr>
+        <p:style>
+          <a:lnRef idx="2">
+            <a:schemeClr val="accent1">
+              <a:shade val="50000"/>
+            </a:schemeClr>
+          </a:lnRef>
+          <a:fillRef idx="1">
+            <a:schemeClr val="accent1"/>
+          </a:fillRef>
+          <a:effectRef idx="0">
+            <a:schemeClr val="accent1"/>
+          </a:effectRef>
+          <a:fontRef idx="minor">
+            <a:schemeClr val="lt1"/>
+          </a:fontRef>
+        </p:style>
+        <p:txBody>
+          <a:bodyPr rtlCol="0" anchor="ctr"/>
+          <a:lstStyle/>
+          <a:p>
+            <a:pPr algn="ctr"/>
+            <a:endParaRPr lang="fr-FR"/>
+          </a:p>
+        </p:txBody>
+      </p:sp>
+      <p:sp>
+        <p:nvSpPr>
+          <p:cNvPr id="67" name="Rectangle 66">
+            <a:extLst>
+              <a:ext uri="{FF2B5EF4-FFF2-40B4-BE49-F238E27FC236}">
+                <a16:creationId xmlns:a16="http://schemas.microsoft.com/office/drawing/2014/main" id="{B546CC9D-0B23-4DC2-A585-FC047988E5BF}"/>
+              </a:ext>
+            </a:extLst>
+          </p:cNvPr>
+          <p:cNvSpPr/>
+          <p:nvPr/>
+        </p:nvSpPr>
+        <p:spPr>
+          <a:xfrm>
+            <a:off x="11658600" y="753035"/>
+            <a:ext cx="104775" cy="5614778"/>
+          </a:xfrm>
+          <a:prstGeom prst="rect">
+            <a:avLst/>
+          </a:prstGeom>
+          <a:solidFill>
+            <a:schemeClr val="bg1"/>
+          </a:solidFill>
+          <a:ln>
+            <a:solidFill>
+              <a:schemeClr val="bg1"/>
+            </a:solidFill>
+          </a:ln>
+        </p:spPr>
+        <p:style>
+          <a:lnRef idx="2">
+            <a:schemeClr val="accent1">
+              <a:shade val="50000"/>
+            </a:schemeClr>
+          </a:lnRef>
+          <a:fillRef idx="1">
+            <a:schemeClr val="accent1"/>
+          </a:fillRef>
+          <a:effectRef idx="0">
+            <a:schemeClr val="accent1"/>
+          </a:effectRef>
+          <a:fontRef idx="minor">
+            <a:schemeClr val="lt1"/>
+          </a:fontRef>
+        </p:style>
+        <p:txBody>
+          <a:bodyPr rtlCol="0" anchor="ctr"/>
+          <a:lstStyle/>
+          <a:p>
+            <a:pPr algn="ctr"/>
+            <a:endParaRPr lang="fr-FR"/>
+          </a:p>
+        </p:txBody>
+      </p:sp>
+      <p:sp>
+        <p:nvSpPr>
+          <p:cNvPr id="69" name="Organigramme : Terminateur 68">
+            <a:extLst>
+              <a:ext uri="{FF2B5EF4-FFF2-40B4-BE49-F238E27FC236}">
+                <a16:creationId xmlns:a16="http://schemas.microsoft.com/office/drawing/2014/main" id="{124C1D79-E642-45B3-9846-BB42704D5EB0}"/>
+              </a:ext>
+            </a:extLst>
+          </p:cNvPr>
+          <p:cNvSpPr/>
+          <p:nvPr/>
+        </p:nvSpPr>
+        <p:spPr>
+          <a:xfrm>
+            <a:off x="11405115" y="2347824"/>
+            <a:ext cx="354070" cy="85725"/>
+          </a:xfrm>
+          <a:prstGeom prst="flowChartTerminator">
+            <a:avLst/>
+          </a:prstGeom>
+          <a:solidFill>
+            <a:srgbClr val="A8135A"/>
+          </a:solidFill>
+          <a:ln>
+            <a:solidFill>
+              <a:schemeClr val="bg1"/>
+            </a:solidFill>
+          </a:ln>
+        </p:spPr>
+        <p:style>
+          <a:lnRef idx="2">
+            <a:schemeClr val="accent1">
+              <a:shade val="50000"/>
+            </a:schemeClr>
+          </a:lnRef>
+          <a:fillRef idx="1">
+            <a:schemeClr val="accent1"/>
+          </a:fillRef>
+          <a:effectRef idx="0">
+            <a:schemeClr val="accent1"/>
+          </a:effectRef>
+          <a:fontRef idx="minor">
+            <a:schemeClr val="lt1"/>
+          </a:fontRef>
+        </p:style>
+        <p:txBody>
+          <a:bodyPr rtlCol="0" anchor="ctr"/>
+          <a:lstStyle/>
+          <a:p>
+            <a:pPr algn="ctr"/>
+            <a:endParaRPr lang="fr-FR"/>
+          </a:p>
+        </p:txBody>
+      </p:sp>
+      <p:sp>
+        <p:nvSpPr>
+          <p:cNvPr id="70" name="ZoneTexte 69">
+            <a:extLst>
+              <a:ext uri="{FF2B5EF4-FFF2-40B4-BE49-F238E27FC236}">
+                <a16:creationId xmlns:a16="http://schemas.microsoft.com/office/drawing/2014/main" id="{6222E75F-AC81-46DA-8FDE-242D5ACD2C56}"/>
+              </a:ext>
+            </a:extLst>
+          </p:cNvPr>
+          <p:cNvSpPr txBox="1"/>
+          <p:nvPr/>
+        </p:nvSpPr>
+        <p:spPr>
+          <a:xfrm>
+            <a:off x="10299143" y="558449"/>
+            <a:ext cx="1129785" cy="461665"/>
+          </a:xfrm>
+          <a:prstGeom prst="rect">
+            <a:avLst/>
+          </a:prstGeom>
+          <a:noFill/>
+        </p:spPr>
+        <p:txBody>
+          <a:bodyPr wrap="square" rtlCol="0">
+            <a:spAutoFit/>
+          </a:bodyPr>
+          <a:lstStyle/>
+          <a:p>
+            <a:pPr algn="r"/>
+            <a:r>
+              <a:rPr lang="fr-FR" sz="1200" dirty="0">
+                <a:latin typeface="Eras Medium ITC" panose="020B0602030504020804" pitchFamily="34" charset="0"/>
+              </a:rPr>
+              <a:t>Présentation du projet</a:t>
+            </a:r>
+          </a:p>
+        </p:txBody>
+      </p:sp>
+      <p:sp>
+        <p:nvSpPr>
+          <p:cNvPr id="71" name="ZoneTexte 70">
+            <a:extLst>
+              <a:ext uri="{FF2B5EF4-FFF2-40B4-BE49-F238E27FC236}">
+                <a16:creationId xmlns:a16="http://schemas.microsoft.com/office/drawing/2014/main" id="{950C6692-1B85-40F8-AAEF-074F4042308E}"/>
+              </a:ext>
+            </a:extLst>
+          </p:cNvPr>
+          <p:cNvSpPr txBox="1"/>
+          <p:nvPr/>
+        </p:nvSpPr>
+        <p:spPr>
+          <a:xfrm>
+            <a:off x="10275329" y="1418837"/>
+            <a:ext cx="1129785" cy="276999"/>
+          </a:xfrm>
+          <a:prstGeom prst="rect">
+            <a:avLst/>
+          </a:prstGeom>
+          <a:noFill/>
+        </p:spPr>
+        <p:txBody>
+          <a:bodyPr wrap="square" rtlCol="0">
+            <a:spAutoFit/>
+          </a:bodyPr>
+          <a:lstStyle/>
+          <a:p>
+            <a:pPr algn="r"/>
+            <a:r>
+              <a:rPr lang="fr-FR" sz="1200" dirty="0">
+                <a:latin typeface="Eras Medium ITC" panose="020B0602030504020804" pitchFamily="34" charset="0"/>
+              </a:rPr>
+              <a:t>Générale</a:t>
+            </a:r>
+          </a:p>
+        </p:txBody>
+      </p:sp>
+      <p:sp>
+        <p:nvSpPr>
+          <p:cNvPr id="72" name="ZoneTexte 71">
+            <a:extLst>
+              <a:ext uri="{FF2B5EF4-FFF2-40B4-BE49-F238E27FC236}">
+                <a16:creationId xmlns:a16="http://schemas.microsoft.com/office/drawing/2014/main" id="{D7471EB2-F490-45C4-A8A7-F03A12E6FA5F}"/>
+              </a:ext>
+            </a:extLst>
+          </p:cNvPr>
+          <p:cNvSpPr txBox="1"/>
+          <p:nvPr/>
+        </p:nvSpPr>
+        <p:spPr>
+          <a:xfrm>
+            <a:off x="10310812" y="2252186"/>
+            <a:ext cx="1129785" cy="276999"/>
+          </a:xfrm>
+          <a:prstGeom prst="rect">
+            <a:avLst/>
+          </a:prstGeom>
+          <a:noFill/>
+        </p:spPr>
+        <p:txBody>
+          <a:bodyPr wrap="square" rtlCol="0">
+            <a:spAutoFit/>
+          </a:bodyPr>
+          <a:lstStyle/>
+          <a:p>
+            <a:pPr algn="r"/>
+            <a:r>
+              <a:rPr lang="fr-FR" sz="1200" dirty="0">
+                <a:latin typeface="Eras Medium ITC" panose="020B0602030504020804" pitchFamily="34" charset="0"/>
+              </a:rPr>
+              <a:t>Personnalisée</a:t>
+            </a:r>
+          </a:p>
+        </p:txBody>
+      </p:sp>
+      <p:sp>
+        <p:nvSpPr>
+          <p:cNvPr id="73" name="ZoneTexte 72">
+            <a:extLst>
+              <a:ext uri="{FF2B5EF4-FFF2-40B4-BE49-F238E27FC236}">
+                <a16:creationId xmlns:a16="http://schemas.microsoft.com/office/drawing/2014/main" id="{29798AB1-F89C-436F-9660-3AC67FFE4A78}"/>
+              </a:ext>
+            </a:extLst>
+          </p:cNvPr>
+          <p:cNvSpPr txBox="1"/>
+          <p:nvPr/>
+        </p:nvSpPr>
+        <p:spPr>
+          <a:xfrm>
+            <a:off x="10113406" y="3241822"/>
+            <a:ext cx="1315522" cy="461665"/>
+          </a:xfrm>
+          <a:prstGeom prst="rect">
+            <a:avLst/>
+          </a:prstGeom>
+          <a:noFill/>
+        </p:spPr>
+        <p:txBody>
+          <a:bodyPr wrap="square" rtlCol="0">
+            <a:spAutoFit/>
+          </a:bodyPr>
+          <a:lstStyle/>
+          <a:p>
+            <a:pPr algn="r"/>
+            <a:r>
+              <a:rPr lang="fr-FR" sz="1200" dirty="0">
+                <a:latin typeface="Eras Medium ITC" panose="020B0602030504020804" pitchFamily="34" charset="0"/>
+              </a:rPr>
+              <a:t>Diagramme de cas d’utilisation</a:t>
+            </a:r>
+          </a:p>
+        </p:txBody>
+      </p:sp>
+      <p:sp>
+        <p:nvSpPr>
+          <p:cNvPr id="74" name="ZoneTexte 73">
+            <a:extLst>
+              <a:ext uri="{FF2B5EF4-FFF2-40B4-BE49-F238E27FC236}">
+                <a16:creationId xmlns:a16="http://schemas.microsoft.com/office/drawing/2014/main" id="{C90D11FB-9471-4D84-AFB9-47C6DE9F629D}"/>
+              </a:ext>
+            </a:extLst>
+          </p:cNvPr>
+          <p:cNvSpPr txBox="1"/>
+          <p:nvPr/>
+        </p:nvSpPr>
+        <p:spPr>
+          <a:xfrm>
+            <a:off x="10299143" y="5892329"/>
+            <a:ext cx="1129785" cy="461665"/>
+          </a:xfrm>
+          <a:prstGeom prst="rect">
+            <a:avLst/>
+          </a:prstGeom>
+          <a:noFill/>
+        </p:spPr>
+        <p:txBody>
+          <a:bodyPr wrap="square" rtlCol="0">
+            <a:spAutoFit/>
+          </a:bodyPr>
+          <a:lstStyle/>
+          <a:p>
+            <a:pPr algn="r"/>
+            <a:r>
+              <a:rPr lang="fr-FR" sz="1200" dirty="0">
+                <a:latin typeface="Eras Medium ITC" panose="020B0602030504020804" pitchFamily="34" charset="0"/>
+              </a:rPr>
+              <a:t>Les tâches personnelles</a:t>
+            </a:r>
+          </a:p>
+        </p:txBody>
+      </p:sp>
+      <p:sp>
+        <p:nvSpPr>
+          <p:cNvPr id="75" name="Rectangle 74">
+            <a:extLst>
+              <a:ext uri="{FF2B5EF4-FFF2-40B4-BE49-F238E27FC236}">
+                <a16:creationId xmlns:a16="http://schemas.microsoft.com/office/drawing/2014/main" id="{4CD0188C-9535-4AE4-A89F-A84C29CE79E5}"/>
+              </a:ext>
+            </a:extLst>
+          </p:cNvPr>
+          <p:cNvSpPr/>
+          <p:nvPr/>
+        </p:nvSpPr>
+        <p:spPr>
+          <a:xfrm>
+            <a:off x="11658601" y="955383"/>
+            <a:ext cx="100584" cy="5149582"/>
+          </a:xfrm>
+          <a:prstGeom prst="rect">
+            <a:avLst/>
+          </a:prstGeom>
+          <a:solidFill>
+            <a:srgbClr val="A8135A"/>
+          </a:solidFill>
+          <a:ln>
+            <a:solidFill>
+              <a:schemeClr val="bg1"/>
+            </a:solidFill>
+          </a:ln>
+        </p:spPr>
+        <p:style>
+          <a:lnRef idx="2">
+            <a:schemeClr val="accent1">
+              <a:shade val="50000"/>
+            </a:schemeClr>
+          </a:lnRef>
+          <a:fillRef idx="1">
+            <a:schemeClr val="accent1"/>
+          </a:fillRef>
+          <a:effectRef idx="0">
+            <a:schemeClr val="accent1"/>
+          </a:effectRef>
+          <a:fontRef idx="minor">
+            <a:schemeClr val="lt1"/>
+          </a:fontRef>
+        </p:style>
+        <p:txBody>
+          <a:bodyPr rtlCol="0" anchor="ctr"/>
+          <a:lstStyle/>
+          <a:p>
+            <a:pPr algn="ctr"/>
+            <a:endParaRPr lang="fr-FR"/>
+          </a:p>
+        </p:txBody>
+      </p:sp>
+      <p:sp>
+        <p:nvSpPr>
+          <p:cNvPr id="76" name="Ellipse 75">
+            <a:extLst>
+              <a:ext uri="{FF2B5EF4-FFF2-40B4-BE49-F238E27FC236}">
+                <a16:creationId xmlns:a16="http://schemas.microsoft.com/office/drawing/2014/main" id="{4BF0E9CB-01E3-4F38-9743-6AD66043BE89}"/>
+              </a:ext>
+            </a:extLst>
+          </p:cNvPr>
+          <p:cNvSpPr/>
+          <p:nvPr/>
+        </p:nvSpPr>
+        <p:spPr>
+          <a:xfrm>
+            <a:off x="11428928" y="550687"/>
+            <a:ext cx="564118" cy="542925"/>
+          </a:xfrm>
+          <a:prstGeom prst="ellipse">
+            <a:avLst/>
+          </a:prstGeom>
+          <a:solidFill>
+            <a:srgbClr val="A8135A"/>
+          </a:solidFill>
+          <a:ln>
+            <a:solidFill>
+              <a:schemeClr val="bg1"/>
+            </a:solidFill>
+          </a:ln>
+        </p:spPr>
+        <p:style>
+          <a:lnRef idx="2">
+            <a:schemeClr val="accent1">
+              <a:shade val="50000"/>
+            </a:schemeClr>
+          </a:lnRef>
+          <a:fillRef idx="1">
+            <a:schemeClr val="accent1"/>
+          </a:fillRef>
+          <a:effectRef idx="0">
+            <a:schemeClr val="accent1"/>
+          </a:effectRef>
+          <a:fontRef idx="minor">
+            <a:schemeClr val="lt1"/>
+          </a:fontRef>
+        </p:style>
+        <p:txBody>
+          <a:bodyPr rtlCol="0" anchor="ctr"/>
+          <a:lstStyle/>
+          <a:p>
+            <a:pPr algn="ctr"/>
+            <a:endParaRPr lang="fr-FR"/>
+          </a:p>
+        </p:txBody>
+      </p:sp>
+      <p:sp>
+        <p:nvSpPr>
+          <p:cNvPr id="77" name="Ellipse 76">
+            <a:extLst>
+              <a:ext uri="{FF2B5EF4-FFF2-40B4-BE49-F238E27FC236}">
+                <a16:creationId xmlns:a16="http://schemas.microsoft.com/office/drawing/2014/main" id="{ECA15E52-D4D4-4B24-A45A-3D5B033FAD2E}"/>
+              </a:ext>
+            </a:extLst>
+          </p:cNvPr>
+          <p:cNvSpPr/>
+          <p:nvPr/>
+        </p:nvSpPr>
+        <p:spPr>
+          <a:xfrm>
+            <a:off x="11428928" y="3201193"/>
+            <a:ext cx="564118" cy="542925"/>
+          </a:xfrm>
+          <a:prstGeom prst="ellipse">
+            <a:avLst/>
+          </a:prstGeom>
+          <a:solidFill>
+            <a:srgbClr val="A8135A"/>
+          </a:solidFill>
+          <a:ln>
+            <a:solidFill>
+              <a:schemeClr val="bg1"/>
+            </a:solidFill>
+          </a:ln>
+        </p:spPr>
+        <p:style>
+          <a:lnRef idx="2">
+            <a:schemeClr val="accent1">
+              <a:shade val="50000"/>
+            </a:schemeClr>
+          </a:lnRef>
+          <a:fillRef idx="1">
+            <a:schemeClr val="accent1"/>
+          </a:fillRef>
+          <a:effectRef idx="0">
+            <a:schemeClr val="accent1"/>
+          </a:effectRef>
+          <a:fontRef idx="minor">
+            <a:schemeClr val="lt1"/>
+          </a:fontRef>
+        </p:style>
+        <p:txBody>
+          <a:bodyPr rtlCol="0" anchor="ctr"/>
+          <a:lstStyle/>
+          <a:p>
+            <a:pPr algn="ctr"/>
+            <a:endParaRPr lang="fr-FR"/>
+          </a:p>
+        </p:txBody>
+      </p:sp>
+      <p:sp>
+        <p:nvSpPr>
+          <p:cNvPr id="68" name="Ellipse 67">
+            <a:extLst>
+              <a:ext uri="{FF2B5EF4-FFF2-40B4-BE49-F238E27FC236}">
+                <a16:creationId xmlns:a16="http://schemas.microsoft.com/office/drawing/2014/main" id="{A547FBD4-9325-4B4F-BFF4-7848DE6EC1F4}"/>
+              </a:ext>
+            </a:extLst>
+          </p:cNvPr>
+          <p:cNvSpPr/>
+          <p:nvPr/>
+        </p:nvSpPr>
+        <p:spPr>
+          <a:xfrm>
+            <a:off x="11428928" y="5851700"/>
+            <a:ext cx="564118" cy="542925"/>
+          </a:xfrm>
+          <a:prstGeom prst="ellipse">
+            <a:avLst/>
+          </a:prstGeom>
+          <a:solidFill>
+            <a:srgbClr val="A8135A"/>
+          </a:solidFill>
+          <a:ln>
+            <a:solidFill>
+              <a:schemeClr val="bg1"/>
+            </a:solidFill>
+          </a:ln>
+        </p:spPr>
+        <p:style>
+          <a:lnRef idx="2">
+            <a:schemeClr val="accent1">
+              <a:shade val="50000"/>
+            </a:schemeClr>
+          </a:lnRef>
+          <a:fillRef idx="1">
+            <a:schemeClr val="accent1"/>
+          </a:fillRef>
+          <a:effectRef idx="0">
+            <a:schemeClr val="accent1"/>
+          </a:effectRef>
+          <a:fontRef idx="minor">
+            <a:schemeClr val="lt1"/>
+          </a:fontRef>
+        </p:style>
+        <p:txBody>
+          <a:bodyPr rtlCol="0" anchor="ctr"/>
+          <a:lstStyle/>
+          <a:p>
+            <a:pPr algn="ctr"/>
+            <a:endParaRPr lang="fr-FR"/>
+          </a:p>
+        </p:txBody>
+      </p:sp>
+    </p:spTree>
+    <p:extLst>
+      <p:ext uri="{BB962C8B-B14F-4D97-AF65-F5344CB8AC3E}">
+        <p14:creationId xmlns:p14="http://schemas.microsoft.com/office/powerpoint/2010/main" val="772717365"/>
       </p:ext>
     </p:extLst>
   </p:cSld>

--- a/Guillaume/Documents/Revue 1 de projet étudiant 1 Escape Game Téléthon.pptx
+++ b/Guillaume/Documents/Revue 1 de projet étudiant 1 Escape Game Téléthon.pptx
@@ -840,7 +840,7 @@
             <a:fld id="{B61BEF0D-F0BB-DE4B-95CE-6DB70DBA9567}" type="datetimeFigureOut">
               <a:rPr lang="en-US" dirty="0"/>
               <a:pPr/>
-              <a:t>1/28/2020</a:t>
+              <a:t>1/29/2020</a:t>
             </a:fld>
             <a:endParaRPr lang="en-US" dirty="0"/>
           </a:p>
@@ -1088,7 +1088,7 @@
             <a:fld id="{B61BEF0D-F0BB-DE4B-95CE-6DB70DBA9567}" type="datetimeFigureOut">
               <a:rPr lang="en-US" dirty="0"/>
               <a:pPr/>
-              <a:t>1/28/2020</a:t>
+              <a:t>1/29/2020</a:t>
             </a:fld>
             <a:endParaRPr lang="en-US" dirty="0"/>
           </a:p>
@@ -1399,7 +1399,7 @@
             <a:fld id="{B61BEF0D-F0BB-DE4B-95CE-6DB70DBA9567}" type="datetimeFigureOut">
               <a:rPr lang="en-US" dirty="0"/>
               <a:pPr/>
-              <a:t>1/28/2020</a:t>
+              <a:t>1/29/2020</a:t>
             </a:fld>
             <a:endParaRPr lang="en-US" dirty="0"/>
           </a:p>
@@ -1737,7 +1737,7 @@
             <a:fld id="{B61BEF0D-F0BB-DE4B-95CE-6DB70DBA9567}" type="datetimeFigureOut">
               <a:rPr lang="en-US" dirty="0"/>
               <a:pPr/>
-              <a:t>1/28/2020</a:t>
+              <a:t>1/29/2020</a:t>
             </a:fld>
             <a:endParaRPr lang="en-US" dirty="0"/>
           </a:p>
@@ -2048,7 +2048,7 @@
             <a:fld id="{B61BEF0D-F0BB-DE4B-95CE-6DB70DBA9567}" type="datetimeFigureOut">
               <a:rPr lang="en-US" dirty="0"/>
               <a:pPr/>
-              <a:t>1/28/2020</a:t>
+              <a:t>1/29/2020</a:t>
             </a:fld>
             <a:endParaRPr lang="en-US" dirty="0"/>
           </a:p>
@@ -2438,7 +2438,7 @@
             <a:fld id="{B61BEF0D-F0BB-DE4B-95CE-6DB70DBA9567}" type="datetimeFigureOut">
               <a:rPr lang="en-US" dirty="0"/>
               <a:pPr/>
-              <a:t>1/28/2020</a:t>
+              <a:t>1/29/2020</a:t>
             </a:fld>
             <a:endParaRPr lang="en-US" dirty="0"/>
           </a:p>
@@ -2604,7 +2604,7 @@
           <a:p>
             <a:fld id="{55C6B4A9-1611-4792-9094-5F34BCA07E0B}" type="datetimeFigureOut">
               <a:rPr lang="en-US" dirty="0"/>
-              <a:t>1/28/2020</a:t>
+              <a:t>1/29/2020</a:t>
             </a:fld>
             <a:endParaRPr lang="en-US" dirty="0"/>
           </a:p>
@@ -2780,7 +2780,7 @@
             <a:fld id="{B61BEF0D-F0BB-DE4B-95CE-6DB70DBA9567}" type="datetimeFigureOut">
               <a:rPr lang="en-US" dirty="0"/>
               <a:pPr/>
-              <a:t>1/28/2020</a:t>
+              <a:t>1/29/2020</a:t>
             </a:fld>
             <a:endParaRPr lang="en-US" dirty="0"/>
           </a:p>
@@ -2953,7 +2953,7 @@
             <a:fld id="{B61BEF0D-F0BB-DE4B-95CE-6DB70DBA9567}" type="datetimeFigureOut">
               <a:rPr lang="en-US" dirty="0"/>
               <a:pPr/>
-              <a:t>1/28/2020</a:t>
+              <a:t>1/29/2020</a:t>
             </a:fld>
             <a:endParaRPr lang="en-US" dirty="0"/>
           </a:p>
@@ -3197,7 +3197,7 @@
             <a:fld id="{B61BEF0D-F0BB-DE4B-95CE-6DB70DBA9567}" type="datetimeFigureOut">
               <a:rPr lang="en-US" dirty="0"/>
               <a:pPr/>
-              <a:t>1/28/2020</a:t>
+              <a:t>1/29/2020</a:t>
             </a:fld>
             <a:endParaRPr lang="en-US" dirty="0"/>
           </a:p>
@@ -3425,7 +3425,7 @@
           <a:p>
             <a:fld id="{EB712588-04B1-427B-82EE-E8DB90309F08}" type="datetimeFigureOut">
               <a:rPr lang="en-US" dirty="0"/>
-              <a:t>1/28/2020</a:t>
+              <a:t>1/29/2020</a:t>
             </a:fld>
             <a:endParaRPr lang="en-US" dirty="0"/>
           </a:p>
@@ -3795,7 +3795,7 @@
             <a:fld id="{B61BEF0D-F0BB-DE4B-95CE-6DB70DBA9567}" type="datetimeFigureOut">
               <a:rPr lang="en-US" dirty="0"/>
               <a:pPr/>
-              <a:t>1/28/2020</a:t>
+              <a:t>1/29/2020</a:t>
             </a:fld>
             <a:endParaRPr lang="en-US" dirty="0"/>
           </a:p>
@@ -3915,7 +3915,7 @@
             <a:fld id="{B61BEF0D-F0BB-DE4B-95CE-6DB70DBA9567}" type="datetimeFigureOut">
               <a:rPr lang="en-US" dirty="0"/>
               <a:pPr/>
-              <a:t>1/28/2020</a:t>
+              <a:t>1/29/2020</a:t>
             </a:fld>
             <a:endParaRPr lang="en-US" dirty="0"/>
           </a:p>
@@ -4007,7 +4007,7 @@
             <a:fld id="{B61BEF0D-F0BB-DE4B-95CE-6DB70DBA9567}" type="datetimeFigureOut">
               <a:rPr lang="en-US" dirty="0"/>
               <a:pPr/>
-              <a:t>1/28/2020</a:t>
+              <a:t>1/29/2020</a:t>
             </a:fld>
             <a:endParaRPr lang="en-US" dirty="0"/>
           </a:p>
@@ -4258,7 +4258,7 @@
           <a:p>
             <a:fld id="{42A54C80-263E-416B-A8E0-580EDEADCBDC}" type="datetimeFigureOut">
               <a:rPr lang="en-US" dirty="0"/>
-              <a:t>1/28/2020</a:t>
+              <a:t>1/29/2020</a:t>
             </a:fld>
             <a:endParaRPr lang="en-US" dirty="0"/>
           </a:p>
@@ -4517,7 +4517,7 @@
             <a:fld id="{B61BEF0D-F0BB-DE4B-95CE-6DB70DBA9567}" type="datetimeFigureOut">
               <a:rPr lang="en-US" dirty="0"/>
               <a:pPr/>
-              <a:t>1/28/2020</a:t>
+              <a:t>1/29/2020</a:t>
             </a:fld>
             <a:endParaRPr lang="en-US" dirty="0"/>
           </a:p>
@@ -5257,7 +5257,7 @@
             <a:fld id="{B61BEF0D-F0BB-DE4B-95CE-6DB70DBA9567}" type="datetimeFigureOut">
               <a:rPr lang="en-US" dirty="0"/>
               <a:pPr/>
-              <a:t>1/28/2020</a:t>
+              <a:t>1/29/2020</a:t>
             </a:fld>
             <a:endParaRPr lang="en-US" dirty="0"/>
           </a:p>
@@ -6915,6 +6915,60 @@
           <a:chExt cx="0" cy="0"/>
         </a:xfrm>
       </p:grpSpPr>
+      <p:sp>
+        <p:nvSpPr>
+          <p:cNvPr id="19" name="Organigramme : Terminateur 18">
+            <a:extLst>
+              <a:ext uri="{FF2B5EF4-FFF2-40B4-BE49-F238E27FC236}">
+                <a16:creationId xmlns:a16="http://schemas.microsoft.com/office/drawing/2014/main" id="{5D253A42-2BC9-4B63-838B-64DA74795779}"/>
+              </a:ext>
+            </a:extLst>
+          </p:cNvPr>
+          <p:cNvSpPr/>
+          <p:nvPr/>
+        </p:nvSpPr>
+        <p:spPr>
+          <a:xfrm rot="16200000">
+            <a:off x="3509876" y="2995776"/>
+            <a:ext cx="358260" cy="85725"/>
+          </a:xfrm>
+          <a:prstGeom prst="flowChartTerminator">
+            <a:avLst/>
+          </a:prstGeom>
+          <a:solidFill>
+            <a:srgbClr val="A8135A"/>
+          </a:solidFill>
+          <a:ln>
+            <a:solidFill>
+              <a:schemeClr val="tx1"/>
+            </a:solidFill>
+          </a:ln>
+        </p:spPr>
+        <p:style>
+          <a:lnRef idx="2">
+            <a:schemeClr val="accent1">
+              <a:shade val="50000"/>
+            </a:schemeClr>
+          </a:lnRef>
+          <a:fillRef idx="1">
+            <a:schemeClr val="accent1"/>
+          </a:fillRef>
+          <a:effectRef idx="0">
+            <a:schemeClr val="accent1"/>
+          </a:effectRef>
+          <a:fontRef idx="minor">
+            <a:schemeClr val="lt1"/>
+          </a:fontRef>
+        </p:style>
+        <p:txBody>
+          <a:bodyPr rtlCol="0" anchor="ctr"/>
+          <a:lstStyle/>
+          <a:p>
+            <a:pPr algn="ctr"/>
+            <a:endParaRPr lang="fr-FR"/>
+          </a:p>
+        </p:txBody>
+      </p:sp>
       <p:pic>
         <p:nvPicPr>
           <p:cNvPr id="1026" name="Picture 2" descr="Image associée">
@@ -6962,10 +7016,10 @@
       </p:pic>
       <p:sp>
         <p:nvSpPr>
-          <p:cNvPr id="8" name="ZoneTexte 7">
+          <p:cNvPr id="2" name="ZoneTexte 1">
             <a:extLst>
               <a:ext uri="{FF2B5EF4-FFF2-40B4-BE49-F238E27FC236}">
-                <a16:creationId xmlns:a16="http://schemas.microsoft.com/office/drawing/2014/main" id="{FFE0343E-2810-49E5-8238-0B973219F3E5}"/>
+                <a16:creationId xmlns:a16="http://schemas.microsoft.com/office/drawing/2014/main" id="{627BE5B8-84AC-4225-9F08-139CBCB5970E}"/>
               </a:ext>
             </a:extLst>
           </p:cNvPr>
@@ -6974,29 +7028,13 @@
         </p:nvSpPr>
         <p:spPr>
           <a:xfrm>
-            <a:off x="265853" y="2261945"/>
-            <a:ext cx="9151535" cy="4187237"/>
+            <a:off x="3429000" y="143435"/>
+            <a:ext cx="4123944" cy="646331"/>
           </a:xfrm>
           <a:prstGeom prst="rect">
             <a:avLst/>
           </a:prstGeom>
           <a:noFill/>
-          <a:ln>
-            <a:noFill/>
-          </a:ln>
-          <a:effectLst>
-            <a:glow rad="63500">
-              <a:schemeClr val="accent4">
-                <a:satMod val="175000"/>
-                <a:alpha val="40000"/>
-              </a:schemeClr>
-            </a:glow>
-            <a:outerShdw blurRad="50800" dist="38100" dir="5400000" algn="t" rotWithShape="0">
-              <a:prstClr val="black">
-                <a:alpha val="40000"/>
-              </a:prstClr>
-            </a:outerShdw>
-          </a:effectLst>
         </p:spPr>
         <p:txBody>
           <a:bodyPr wrap="square" rtlCol="0">
@@ -7004,114 +7042,537 @@
           </a:bodyPr>
           <a:lstStyle/>
           <a:p>
-            <a:pPr algn="ctr">
-              <a:lnSpc>
-                <a:spcPct val="150000"/>
-              </a:lnSpc>
-            </a:pPr>
-            <a:r>
-              <a:rPr lang="fr-FR" sz="3600" b="1" u="sng" dirty="0">
+            <a:pPr algn="ctr"/>
+            <a:r>
+              <a:rPr lang="fr-FR" sz="3600" b="1" dirty="0">
                 <a:solidFill>
-                  <a:srgbClr val="A41258"/>
+                  <a:srgbClr val="A8135A"/>
                 </a:solidFill>
+                <a:effectLst>
+                  <a:outerShdw blurRad="38100" dist="38100" dir="2700000" algn="tl">
+                    <a:srgbClr val="000000">
+                      <a:alpha val="43137"/>
+                    </a:srgbClr>
+                  </a:outerShdw>
+                </a:effectLst>
                 <a:latin typeface="Eras Medium ITC" panose="020B0602030504020804" pitchFamily="34" charset="0"/>
               </a:rPr>
-              <a:t>ATTENTION !</a:t>
-            </a:r>
-          </a:p>
-          <a:p>
-            <a:pPr algn="ctr">
-              <a:lnSpc>
-                <a:spcPct val="150000"/>
-              </a:lnSpc>
-            </a:pPr>
-            <a:endParaRPr lang="fr-FR" sz="2400" dirty="0">
-              <a:solidFill>
-                <a:srgbClr val="A41258"/>
-              </a:solidFill>
-              <a:latin typeface="Eras Medium ITC" panose="020B0602030504020804" pitchFamily="34" charset="0"/>
-            </a:endParaRPr>
-          </a:p>
-          <a:p>
-            <a:pPr algn="ctr">
-              <a:lnSpc>
-                <a:spcPct val="150000"/>
-              </a:lnSpc>
-            </a:pPr>
-            <a:r>
-              <a:rPr lang="fr-FR" sz="2400" dirty="0">
+              <a:t>Présentation</a:t>
+            </a:r>
+          </a:p>
+        </p:txBody>
+      </p:sp>
+      <p:sp>
+        <p:nvSpPr>
+          <p:cNvPr id="5" name="Organigramme : Terminateur 4">
+            <a:extLst>
+              <a:ext uri="{FF2B5EF4-FFF2-40B4-BE49-F238E27FC236}">
+                <a16:creationId xmlns:a16="http://schemas.microsoft.com/office/drawing/2014/main" id="{437A9015-601A-4828-83DE-453B933E7780}"/>
+              </a:ext>
+            </a:extLst>
+          </p:cNvPr>
+          <p:cNvSpPr/>
+          <p:nvPr/>
+        </p:nvSpPr>
+        <p:spPr>
+          <a:xfrm rot="16200000">
+            <a:off x="2167448" y="2998295"/>
+            <a:ext cx="358260" cy="85725"/>
+          </a:xfrm>
+          <a:prstGeom prst="flowChartTerminator">
+            <a:avLst/>
+          </a:prstGeom>
+          <a:solidFill>
+            <a:srgbClr val="A8135A"/>
+          </a:solidFill>
+          <a:ln>
+            <a:solidFill>
+              <a:schemeClr val="tx1"/>
+            </a:solidFill>
+          </a:ln>
+        </p:spPr>
+        <p:style>
+          <a:lnRef idx="2">
+            <a:schemeClr val="accent1">
+              <a:shade val="50000"/>
+            </a:schemeClr>
+          </a:lnRef>
+          <a:fillRef idx="1">
+            <a:schemeClr val="accent1"/>
+          </a:fillRef>
+          <a:effectRef idx="0">
+            <a:schemeClr val="accent1"/>
+          </a:effectRef>
+          <a:fontRef idx="minor">
+            <a:schemeClr val="lt1"/>
+          </a:fontRef>
+        </p:style>
+        <p:txBody>
+          <a:bodyPr rtlCol="0" anchor="ctr"/>
+          <a:lstStyle/>
+          <a:p>
+            <a:pPr algn="ctr"/>
+            <a:endParaRPr lang="fr-FR"/>
+          </a:p>
+        </p:txBody>
+      </p:sp>
+      <p:sp>
+        <p:nvSpPr>
+          <p:cNvPr id="6" name="Rectangle 5">
+            <a:extLst>
+              <a:ext uri="{FF2B5EF4-FFF2-40B4-BE49-F238E27FC236}">
+                <a16:creationId xmlns:a16="http://schemas.microsoft.com/office/drawing/2014/main" id="{6B5EC109-CC88-4222-B041-826A4D46E519}"/>
+              </a:ext>
+            </a:extLst>
+          </p:cNvPr>
+          <p:cNvSpPr/>
+          <p:nvPr/>
+        </p:nvSpPr>
+        <p:spPr>
+          <a:xfrm rot="16200000">
+            <a:off x="4965761" y="-776125"/>
+            <a:ext cx="93019" cy="7934279"/>
+          </a:xfrm>
+          <a:prstGeom prst="rect">
+            <a:avLst/>
+          </a:prstGeom>
+          <a:solidFill>
+            <a:schemeClr val="bg1"/>
+          </a:solidFill>
+          <a:ln>
+            <a:solidFill>
+              <a:schemeClr val="tx1"/>
+            </a:solidFill>
+          </a:ln>
+        </p:spPr>
+        <p:style>
+          <a:lnRef idx="2">
+            <a:schemeClr val="accent1">
+              <a:shade val="50000"/>
+            </a:schemeClr>
+          </a:lnRef>
+          <a:fillRef idx="1">
+            <a:schemeClr val="accent1"/>
+          </a:fillRef>
+          <a:effectRef idx="0">
+            <a:schemeClr val="accent1"/>
+          </a:effectRef>
+          <a:fontRef idx="minor">
+            <a:schemeClr val="lt1"/>
+          </a:fontRef>
+        </p:style>
+        <p:txBody>
+          <a:bodyPr rtlCol="0" anchor="ctr"/>
+          <a:lstStyle/>
+          <a:p>
+            <a:pPr algn="ctr"/>
+            <a:endParaRPr lang="fr-FR"/>
+          </a:p>
+        </p:txBody>
+      </p:sp>
+      <p:sp>
+        <p:nvSpPr>
+          <p:cNvPr id="9" name="Ellipse 8">
+            <a:extLst>
+              <a:ext uri="{FF2B5EF4-FFF2-40B4-BE49-F238E27FC236}">
+                <a16:creationId xmlns:a16="http://schemas.microsoft.com/office/drawing/2014/main" id="{25AE8A18-1720-44EE-899B-1EC6E4D4F7E3}"/>
+              </a:ext>
+            </a:extLst>
+          </p:cNvPr>
+          <p:cNvSpPr/>
+          <p:nvPr/>
+        </p:nvSpPr>
+        <p:spPr>
+          <a:xfrm>
+            <a:off x="8979410" y="2923850"/>
+            <a:ext cx="564118" cy="542925"/>
+          </a:xfrm>
+          <a:prstGeom prst="ellipse">
+            <a:avLst/>
+          </a:prstGeom>
+          <a:solidFill>
+            <a:srgbClr val="A8135A"/>
+          </a:solidFill>
+          <a:ln>
+            <a:solidFill>
+              <a:schemeClr val="tx1"/>
+            </a:solidFill>
+          </a:ln>
+        </p:spPr>
+        <p:style>
+          <a:lnRef idx="2">
+            <a:schemeClr val="accent1">
+              <a:shade val="50000"/>
+            </a:schemeClr>
+          </a:lnRef>
+          <a:fillRef idx="1">
+            <a:schemeClr val="accent1"/>
+          </a:fillRef>
+          <a:effectRef idx="0">
+            <a:schemeClr val="accent1"/>
+          </a:effectRef>
+          <a:fontRef idx="minor">
+            <a:schemeClr val="lt1"/>
+          </a:fontRef>
+        </p:style>
+        <p:txBody>
+          <a:bodyPr rtlCol="0" anchor="ctr"/>
+          <a:lstStyle/>
+          <a:p>
+            <a:pPr algn="ctr"/>
+            <a:endParaRPr lang="fr-FR"/>
+          </a:p>
+        </p:txBody>
+      </p:sp>
+      <p:sp>
+        <p:nvSpPr>
+          <p:cNvPr id="11" name="ZoneTexte 10">
+            <a:extLst>
+              <a:ext uri="{FF2B5EF4-FFF2-40B4-BE49-F238E27FC236}">
+                <a16:creationId xmlns:a16="http://schemas.microsoft.com/office/drawing/2014/main" id="{F2277190-95A0-4951-BA98-935B2ACCF465}"/>
+              </a:ext>
+            </a:extLst>
+          </p:cNvPr>
+          <p:cNvSpPr txBox="1"/>
+          <p:nvPr/>
+        </p:nvSpPr>
+        <p:spPr>
+          <a:xfrm>
+            <a:off x="198179" y="3523843"/>
+            <a:ext cx="1201996" cy="523220"/>
+          </a:xfrm>
+          <a:prstGeom prst="rect">
+            <a:avLst/>
+          </a:prstGeom>
+          <a:noFill/>
+        </p:spPr>
+        <p:txBody>
+          <a:bodyPr wrap="square" rtlCol="0">
+            <a:spAutoFit/>
+          </a:bodyPr>
+          <a:lstStyle/>
+          <a:p>
+            <a:pPr algn="ctr"/>
+            <a:r>
+              <a:rPr lang="fr-FR" sz="1400" dirty="0">
                 <a:latin typeface="Eras Medium ITC" panose="020B0602030504020804" pitchFamily="34" charset="0"/>
               </a:rPr>
-              <a:t>Trois couleurs primaires à utilisées : Le NOIR (texte), Le </a:t>
-            </a:r>
-            <a:r>
-              <a:rPr lang="fr-FR" sz="2400" dirty="0">
-                <a:solidFill>
-                  <a:srgbClr val="A41258"/>
-                </a:solidFill>
+              <a:t>Présentation du projet</a:t>
+            </a:r>
+          </a:p>
+        </p:txBody>
+      </p:sp>
+      <p:sp>
+        <p:nvSpPr>
+          <p:cNvPr id="12" name="ZoneTexte 11">
+            <a:extLst>
+              <a:ext uri="{FF2B5EF4-FFF2-40B4-BE49-F238E27FC236}">
+                <a16:creationId xmlns:a16="http://schemas.microsoft.com/office/drawing/2014/main" id="{2CA454F7-4295-4C93-AF97-92BBC345CACF}"/>
+              </a:ext>
+            </a:extLst>
+          </p:cNvPr>
+          <p:cNvSpPr txBox="1"/>
+          <p:nvPr/>
+        </p:nvSpPr>
+        <p:spPr>
+          <a:xfrm>
+            <a:off x="1781685" y="2521978"/>
+            <a:ext cx="1129785" cy="307777"/>
+          </a:xfrm>
+          <a:prstGeom prst="rect">
+            <a:avLst/>
+          </a:prstGeom>
+          <a:noFill/>
+        </p:spPr>
+        <p:txBody>
+          <a:bodyPr wrap="square" rtlCol="0">
+            <a:spAutoFit/>
+          </a:bodyPr>
+          <a:lstStyle/>
+          <a:p>
+            <a:pPr algn="ctr"/>
+            <a:r>
+              <a:rPr lang="fr-FR" sz="1400" dirty="0">
                 <a:latin typeface="Eras Medium ITC" panose="020B0602030504020804" pitchFamily="34" charset="0"/>
               </a:rPr>
-              <a:t>violet (Texte à ressortir)</a:t>
-            </a:r>
-            <a:r>
-              <a:rPr lang="fr-FR" sz="2400" dirty="0">
+              <a:t>Générale</a:t>
+            </a:r>
+          </a:p>
+        </p:txBody>
+      </p:sp>
+      <p:sp>
+        <p:nvSpPr>
+          <p:cNvPr id="13" name="ZoneTexte 12">
+            <a:extLst>
+              <a:ext uri="{FF2B5EF4-FFF2-40B4-BE49-F238E27FC236}">
+                <a16:creationId xmlns:a16="http://schemas.microsoft.com/office/drawing/2014/main" id="{F8DC4FB4-80B1-4169-B9F9-DB1A6A3D6341}"/>
+              </a:ext>
+            </a:extLst>
+          </p:cNvPr>
+          <p:cNvSpPr txBox="1"/>
+          <p:nvPr/>
+        </p:nvSpPr>
+        <p:spPr>
+          <a:xfrm>
+            <a:off x="3031245" y="2524528"/>
+            <a:ext cx="1315521" cy="307777"/>
+          </a:xfrm>
+          <a:prstGeom prst="rect">
+            <a:avLst/>
+          </a:prstGeom>
+          <a:noFill/>
+        </p:spPr>
+        <p:txBody>
+          <a:bodyPr wrap="square" rtlCol="0">
+            <a:spAutoFit/>
+          </a:bodyPr>
+          <a:lstStyle/>
+          <a:p>
+            <a:pPr algn="r"/>
+            <a:r>
+              <a:rPr lang="fr-FR" sz="1400" dirty="0">
                 <a:latin typeface="Eras Medium ITC" panose="020B0602030504020804" pitchFamily="34" charset="0"/>
               </a:rPr>
-              <a:t>, le </a:t>
-            </a:r>
-            <a:r>
-              <a:rPr lang="fr-FR" sz="2400" dirty="0">
-                <a:solidFill>
-                  <a:srgbClr val="FF9900"/>
-                </a:solidFill>
+              <a:t>Personnalisée</a:t>
+            </a:r>
+          </a:p>
+        </p:txBody>
+      </p:sp>
+      <p:sp>
+        <p:nvSpPr>
+          <p:cNvPr id="14" name="ZoneTexte 13">
+            <a:extLst>
+              <a:ext uri="{FF2B5EF4-FFF2-40B4-BE49-F238E27FC236}">
+                <a16:creationId xmlns:a16="http://schemas.microsoft.com/office/drawing/2014/main" id="{AD1C86FF-B937-4109-8FBE-AB1B063D6EC5}"/>
+              </a:ext>
+            </a:extLst>
+          </p:cNvPr>
+          <p:cNvSpPr txBox="1"/>
+          <p:nvPr/>
+        </p:nvSpPr>
+        <p:spPr>
+          <a:xfrm>
+            <a:off x="4354508" y="3523843"/>
+            <a:ext cx="1315522" cy="738664"/>
+          </a:xfrm>
+          <a:prstGeom prst="rect">
+            <a:avLst/>
+          </a:prstGeom>
+          <a:noFill/>
+        </p:spPr>
+        <p:txBody>
+          <a:bodyPr wrap="square" rtlCol="0">
+            <a:spAutoFit/>
+          </a:bodyPr>
+          <a:lstStyle/>
+          <a:p>
+            <a:pPr algn="ctr"/>
+            <a:r>
+              <a:rPr lang="fr-FR" sz="1400" dirty="0">
                 <a:latin typeface="Eras Medium ITC" panose="020B0602030504020804" pitchFamily="34" charset="0"/>
               </a:rPr>
-              <a:t>Orange clair(…)</a:t>
-            </a:r>
-          </a:p>
-          <a:p>
-            <a:pPr algn="ctr">
-              <a:lnSpc>
-                <a:spcPct val="150000"/>
-              </a:lnSpc>
-            </a:pPr>
-            <a:endParaRPr lang="fr-FR" sz="2400" dirty="0">
-              <a:solidFill>
-                <a:srgbClr val="FF9900"/>
-              </a:solidFill>
-              <a:latin typeface="Eras Medium ITC" panose="020B0602030504020804" pitchFamily="34" charset="0"/>
-            </a:endParaRPr>
-          </a:p>
-          <a:p>
-            <a:pPr algn="ctr">
-              <a:lnSpc>
-                <a:spcPct val="150000"/>
-              </a:lnSpc>
-            </a:pPr>
-            <a:r>
-              <a:rPr lang="fr-FR" sz="2400" dirty="0">
+              <a:t>Diagramme de cas d’utilisation</a:t>
+            </a:r>
+          </a:p>
+        </p:txBody>
+      </p:sp>
+      <p:sp>
+        <p:nvSpPr>
+          <p:cNvPr id="15" name="ZoneTexte 14">
+            <a:extLst>
+              <a:ext uri="{FF2B5EF4-FFF2-40B4-BE49-F238E27FC236}">
+                <a16:creationId xmlns:a16="http://schemas.microsoft.com/office/drawing/2014/main" id="{236EE9CE-F923-4C6B-AEC6-6895EF152EB5}"/>
+              </a:ext>
+            </a:extLst>
+          </p:cNvPr>
+          <p:cNvSpPr txBox="1"/>
+          <p:nvPr/>
+        </p:nvSpPr>
+        <p:spPr>
+          <a:xfrm>
+            <a:off x="8696574" y="3523841"/>
+            <a:ext cx="1188567" cy="523220"/>
+          </a:xfrm>
+          <a:prstGeom prst="rect">
+            <a:avLst/>
+          </a:prstGeom>
+          <a:noFill/>
+        </p:spPr>
+        <p:txBody>
+          <a:bodyPr wrap="square" rtlCol="0">
+            <a:spAutoFit/>
+          </a:bodyPr>
+          <a:lstStyle/>
+          <a:p>
+            <a:pPr algn="ctr"/>
+            <a:r>
+              <a:rPr lang="fr-FR" sz="1400" dirty="0">
                 <a:latin typeface="Eras Medium ITC" panose="020B0602030504020804" pitchFamily="34" charset="0"/>
               </a:rPr>
-              <a:t>Police d’écriture principale : </a:t>
-            </a:r>
-            <a:r>
-              <a:rPr lang="fr-FR" sz="2400" dirty="0">
-                <a:solidFill>
-                  <a:srgbClr val="A41258"/>
-                </a:solidFill>
-                <a:latin typeface="Eras Medium ITC" panose="020B0602030504020804" pitchFamily="34" charset="0"/>
-              </a:rPr>
-              <a:t>ERAS MEDIUM ITC</a:t>
-            </a:r>
-            <a:r>
-              <a:rPr lang="fr-FR" sz="2400" dirty="0">
-                <a:latin typeface="Eras Medium ITC" panose="020B0602030504020804" pitchFamily="34" charset="0"/>
-              </a:rPr>
-              <a:t> (éviter d’autres polices trop différentes !)</a:t>
-            </a:r>
-            <a:endParaRPr lang="fr-FR" sz="1600" dirty="0">
-              <a:latin typeface="Eras Medium ITC" panose="020B0602030504020804" pitchFamily="34" charset="0"/>
-            </a:endParaRPr>
+              <a:t>Les tâches personnelles</a:t>
+            </a:r>
+          </a:p>
+        </p:txBody>
+      </p:sp>
+      <p:sp>
+        <p:nvSpPr>
+          <p:cNvPr id="16" name="Rectangle 15">
+            <a:extLst>
+              <a:ext uri="{FF2B5EF4-FFF2-40B4-BE49-F238E27FC236}">
+                <a16:creationId xmlns:a16="http://schemas.microsoft.com/office/drawing/2014/main" id="{80CC746A-9CCF-4246-A2D7-F86976CFF2DD}"/>
+              </a:ext>
+            </a:extLst>
+          </p:cNvPr>
+          <p:cNvSpPr/>
+          <p:nvPr/>
+        </p:nvSpPr>
+        <p:spPr>
+          <a:xfrm rot="16200000">
+            <a:off x="4957332" y="-789181"/>
+            <a:ext cx="85348" cy="7958807"/>
+          </a:xfrm>
+          <a:prstGeom prst="rect">
+            <a:avLst/>
+          </a:prstGeom>
+          <a:solidFill>
+            <a:srgbClr val="A8135A"/>
+          </a:solidFill>
+          <a:ln>
+            <a:solidFill>
+              <a:schemeClr val="tx1"/>
+            </a:solidFill>
+          </a:ln>
+        </p:spPr>
+        <p:style>
+          <a:lnRef idx="2">
+            <a:schemeClr val="accent1">
+              <a:shade val="50000"/>
+            </a:schemeClr>
+          </a:lnRef>
+          <a:fillRef idx="1">
+            <a:schemeClr val="accent1"/>
+          </a:fillRef>
+          <a:effectRef idx="0">
+            <a:schemeClr val="accent1"/>
+          </a:effectRef>
+          <a:fontRef idx="minor">
+            <a:schemeClr val="lt1"/>
+          </a:fontRef>
+        </p:style>
+        <p:txBody>
+          <a:bodyPr rtlCol="0" anchor="ctr"/>
+          <a:lstStyle/>
+          <a:p>
+            <a:pPr algn="ctr"/>
+            <a:endParaRPr lang="fr-FR"/>
+          </a:p>
+        </p:txBody>
+      </p:sp>
+      <p:sp>
+        <p:nvSpPr>
+          <p:cNvPr id="17" name="Ellipse 16">
+            <a:extLst>
+              <a:ext uri="{FF2B5EF4-FFF2-40B4-BE49-F238E27FC236}">
+                <a16:creationId xmlns:a16="http://schemas.microsoft.com/office/drawing/2014/main" id="{828578AA-6535-4848-B64E-4585B54C5CF1}"/>
+              </a:ext>
+            </a:extLst>
+          </p:cNvPr>
+          <p:cNvSpPr/>
+          <p:nvPr/>
+        </p:nvSpPr>
+        <p:spPr>
+          <a:xfrm>
+            <a:off x="481013" y="2929729"/>
+            <a:ext cx="564118" cy="542925"/>
+          </a:xfrm>
+          <a:prstGeom prst="ellipse">
+            <a:avLst/>
+          </a:prstGeom>
+          <a:solidFill>
+            <a:srgbClr val="A8135A"/>
+          </a:solidFill>
+          <a:ln>
+            <a:solidFill>
+              <a:schemeClr val="tx1"/>
+            </a:solidFill>
+          </a:ln>
+        </p:spPr>
+        <p:style>
+          <a:lnRef idx="2">
+            <a:schemeClr val="accent1">
+              <a:shade val="50000"/>
+            </a:schemeClr>
+          </a:lnRef>
+          <a:fillRef idx="1">
+            <a:schemeClr val="accent1"/>
+          </a:fillRef>
+          <a:effectRef idx="0">
+            <a:schemeClr val="accent1"/>
+          </a:effectRef>
+          <a:fontRef idx="minor">
+            <a:schemeClr val="lt1"/>
+          </a:fontRef>
+        </p:style>
+        <p:txBody>
+          <a:bodyPr rtlCol="0" anchor="ctr"/>
+          <a:lstStyle/>
+          <a:p>
+            <a:pPr algn="ctr"/>
+            <a:endParaRPr lang="fr-FR"/>
+          </a:p>
+        </p:txBody>
+      </p:sp>
+      <p:sp>
+        <p:nvSpPr>
+          <p:cNvPr id="7" name="Ellipse 6">
+            <a:extLst>
+              <a:ext uri="{FF2B5EF4-FFF2-40B4-BE49-F238E27FC236}">
+                <a16:creationId xmlns:a16="http://schemas.microsoft.com/office/drawing/2014/main" id="{EEE58136-7DF4-4ADD-8B83-3D9C59641C5C}"/>
+              </a:ext>
+            </a:extLst>
+          </p:cNvPr>
+          <p:cNvSpPr/>
+          <p:nvPr/>
+        </p:nvSpPr>
+        <p:spPr>
+          <a:xfrm>
+            <a:off x="4730211" y="2918761"/>
+            <a:ext cx="564118" cy="542925"/>
+          </a:xfrm>
+          <a:prstGeom prst="ellipse">
+            <a:avLst/>
+          </a:prstGeom>
+          <a:solidFill>
+            <a:srgbClr val="A8135A"/>
+          </a:solidFill>
+          <a:ln>
+            <a:solidFill>
+              <a:schemeClr val="tx1"/>
+            </a:solidFill>
+          </a:ln>
+        </p:spPr>
+        <p:style>
+          <a:lnRef idx="2">
+            <a:schemeClr val="accent1">
+              <a:shade val="50000"/>
+            </a:schemeClr>
+          </a:lnRef>
+          <a:fillRef idx="1">
+            <a:schemeClr val="accent1"/>
+          </a:fillRef>
+          <a:effectRef idx="0">
+            <a:schemeClr val="accent1"/>
+          </a:effectRef>
+          <a:fontRef idx="minor">
+            <a:schemeClr val="lt1"/>
+          </a:fontRef>
+        </p:style>
+        <p:txBody>
+          <a:bodyPr rtlCol="0" anchor="ctr"/>
+          <a:lstStyle/>
+          <a:p>
+            <a:pPr algn="ctr"/>
+            <a:endParaRPr lang="fr-FR"/>
           </a:p>
         </p:txBody>
       </p:sp>
@@ -9572,7 +10033,7 @@
         <p:spPr>
           <a:xfrm>
             <a:off x="11658600" y="955383"/>
-            <a:ext cx="104775" cy="2748104"/>
+            <a:ext cx="104773" cy="2245810"/>
           </a:xfrm>
           <a:prstGeom prst="rect">
             <a:avLst/>
@@ -10916,7 +11377,7 @@
         <p:spPr>
           <a:xfrm>
             <a:off x="11658601" y="955383"/>
-            <a:ext cx="100584" cy="5149582"/>
+            <a:ext cx="100583" cy="4936946"/>
           </a:xfrm>
           <a:prstGeom prst="rect">
             <a:avLst/>

--- a/Guillaume/Documents/Revue 1 de projet étudiant 1 Escape Game Téléthon.pptx
+++ b/Guillaume/Documents/Revue 1 de projet étudiant 1 Escape Game Téléthon.pptx
@@ -840,7 +840,7 @@
             <a:fld id="{B61BEF0D-F0BB-DE4B-95CE-6DB70DBA9567}" type="datetimeFigureOut">
               <a:rPr lang="en-US" dirty="0"/>
               <a:pPr/>
-              <a:t>1/29/2020</a:t>
+              <a:t>1/31/2020</a:t>
             </a:fld>
             <a:endParaRPr lang="en-US" dirty="0"/>
           </a:p>
@@ -1088,7 +1088,7 @@
             <a:fld id="{B61BEF0D-F0BB-DE4B-95CE-6DB70DBA9567}" type="datetimeFigureOut">
               <a:rPr lang="en-US" dirty="0"/>
               <a:pPr/>
-              <a:t>1/29/2020</a:t>
+              <a:t>1/31/2020</a:t>
             </a:fld>
             <a:endParaRPr lang="en-US" dirty="0"/>
           </a:p>
@@ -1399,7 +1399,7 @@
             <a:fld id="{B61BEF0D-F0BB-DE4B-95CE-6DB70DBA9567}" type="datetimeFigureOut">
               <a:rPr lang="en-US" dirty="0"/>
               <a:pPr/>
-              <a:t>1/29/2020</a:t>
+              <a:t>1/31/2020</a:t>
             </a:fld>
             <a:endParaRPr lang="en-US" dirty="0"/>
           </a:p>
@@ -1737,7 +1737,7 @@
             <a:fld id="{B61BEF0D-F0BB-DE4B-95CE-6DB70DBA9567}" type="datetimeFigureOut">
               <a:rPr lang="en-US" dirty="0"/>
               <a:pPr/>
-              <a:t>1/29/2020</a:t>
+              <a:t>1/31/2020</a:t>
             </a:fld>
             <a:endParaRPr lang="en-US" dirty="0"/>
           </a:p>
@@ -2048,7 +2048,7 @@
             <a:fld id="{B61BEF0D-F0BB-DE4B-95CE-6DB70DBA9567}" type="datetimeFigureOut">
               <a:rPr lang="en-US" dirty="0"/>
               <a:pPr/>
-              <a:t>1/29/2020</a:t>
+              <a:t>1/31/2020</a:t>
             </a:fld>
             <a:endParaRPr lang="en-US" dirty="0"/>
           </a:p>
@@ -2438,7 +2438,7 @@
             <a:fld id="{B61BEF0D-F0BB-DE4B-95CE-6DB70DBA9567}" type="datetimeFigureOut">
               <a:rPr lang="en-US" dirty="0"/>
               <a:pPr/>
-              <a:t>1/29/2020</a:t>
+              <a:t>1/31/2020</a:t>
             </a:fld>
             <a:endParaRPr lang="en-US" dirty="0"/>
           </a:p>
@@ -2604,7 +2604,7 @@
           <a:p>
             <a:fld id="{55C6B4A9-1611-4792-9094-5F34BCA07E0B}" type="datetimeFigureOut">
               <a:rPr lang="en-US" dirty="0"/>
-              <a:t>1/29/2020</a:t>
+              <a:t>1/31/2020</a:t>
             </a:fld>
             <a:endParaRPr lang="en-US" dirty="0"/>
           </a:p>
@@ -2780,7 +2780,7 @@
             <a:fld id="{B61BEF0D-F0BB-DE4B-95CE-6DB70DBA9567}" type="datetimeFigureOut">
               <a:rPr lang="en-US" dirty="0"/>
               <a:pPr/>
-              <a:t>1/29/2020</a:t>
+              <a:t>1/31/2020</a:t>
             </a:fld>
             <a:endParaRPr lang="en-US" dirty="0"/>
           </a:p>
@@ -2953,7 +2953,7 @@
             <a:fld id="{B61BEF0D-F0BB-DE4B-95CE-6DB70DBA9567}" type="datetimeFigureOut">
               <a:rPr lang="en-US" dirty="0"/>
               <a:pPr/>
-              <a:t>1/29/2020</a:t>
+              <a:t>1/31/2020</a:t>
             </a:fld>
             <a:endParaRPr lang="en-US" dirty="0"/>
           </a:p>
@@ -3197,7 +3197,7 @@
             <a:fld id="{B61BEF0D-F0BB-DE4B-95CE-6DB70DBA9567}" type="datetimeFigureOut">
               <a:rPr lang="en-US" dirty="0"/>
               <a:pPr/>
-              <a:t>1/29/2020</a:t>
+              <a:t>1/31/2020</a:t>
             </a:fld>
             <a:endParaRPr lang="en-US" dirty="0"/>
           </a:p>
@@ -3425,7 +3425,7 @@
           <a:p>
             <a:fld id="{EB712588-04B1-427B-82EE-E8DB90309F08}" type="datetimeFigureOut">
               <a:rPr lang="en-US" dirty="0"/>
-              <a:t>1/29/2020</a:t>
+              <a:t>1/31/2020</a:t>
             </a:fld>
             <a:endParaRPr lang="en-US" dirty="0"/>
           </a:p>
@@ -3795,7 +3795,7 @@
             <a:fld id="{B61BEF0D-F0BB-DE4B-95CE-6DB70DBA9567}" type="datetimeFigureOut">
               <a:rPr lang="en-US" dirty="0"/>
               <a:pPr/>
-              <a:t>1/29/2020</a:t>
+              <a:t>1/31/2020</a:t>
             </a:fld>
             <a:endParaRPr lang="en-US" dirty="0"/>
           </a:p>
@@ -3915,7 +3915,7 @@
             <a:fld id="{B61BEF0D-F0BB-DE4B-95CE-6DB70DBA9567}" type="datetimeFigureOut">
               <a:rPr lang="en-US" dirty="0"/>
               <a:pPr/>
-              <a:t>1/29/2020</a:t>
+              <a:t>1/31/2020</a:t>
             </a:fld>
             <a:endParaRPr lang="en-US" dirty="0"/>
           </a:p>
@@ -4007,7 +4007,7 @@
             <a:fld id="{B61BEF0D-F0BB-DE4B-95CE-6DB70DBA9567}" type="datetimeFigureOut">
               <a:rPr lang="en-US" dirty="0"/>
               <a:pPr/>
-              <a:t>1/29/2020</a:t>
+              <a:t>1/31/2020</a:t>
             </a:fld>
             <a:endParaRPr lang="en-US" dirty="0"/>
           </a:p>
@@ -4258,7 +4258,7 @@
           <a:p>
             <a:fld id="{42A54C80-263E-416B-A8E0-580EDEADCBDC}" type="datetimeFigureOut">
               <a:rPr lang="en-US" dirty="0"/>
-              <a:t>1/29/2020</a:t>
+              <a:t>1/31/2020</a:t>
             </a:fld>
             <a:endParaRPr lang="en-US" dirty="0"/>
           </a:p>
@@ -4517,7 +4517,7 @@
             <a:fld id="{B61BEF0D-F0BB-DE4B-95CE-6DB70DBA9567}" type="datetimeFigureOut">
               <a:rPr lang="en-US" dirty="0"/>
               <a:pPr/>
-              <a:t>1/29/2020</a:t>
+              <a:t>1/31/2020</a:t>
             </a:fld>
             <a:endParaRPr lang="en-US" dirty="0"/>
           </a:p>
@@ -5257,7 +5257,7 @@
             <a:fld id="{B61BEF0D-F0BB-DE4B-95CE-6DB70DBA9567}" type="datetimeFigureOut">
               <a:rPr lang="en-US" dirty="0"/>
               <a:pPr/>
-              <a:t>1/29/2020</a:t>
+              <a:t>1/31/2020</a:t>
             </a:fld>
             <a:endParaRPr lang="en-US" dirty="0"/>
           </a:p>
@@ -10912,12 +10912,9 @@
               </a:rPr>
               <a:t>Breadboard</a:t>
             </a:r>
-            <a:r>
-              <a:rPr lang="fr-FR" sz="1200" dirty="0">
-                <a:latin typeface="Eras Medium ITC" panose="020B0602030504020804" pitchFamily="34" charset="0"/>
-              </a:rPr>
-              <a:t> ?</a:t>
-            </a:r>
+            <a:endParaRPr lang="fr-FR" sz="1200" dirty="0">
+              <a:latin typeface="Eras Medium ITC" panose="020B0602030504020804" pitchFamily="34" charset="0"/>
+            </a:endParaRPr>
           </a:p>
         </p:txBody>
       </p:sp>
@@ -10936,7 +10933,7 @@
         <p:spPr>
           <a:xfrm>
             <a:off x="4801617" y="2140848"/>
-            <a:ext cx="3799332" cy="2585323"/>
+            <a:ext cx="3799332" cy="2862322"/>
           </a:xfrm>
           <a:prstGeom prst="rect">
             <a:avLst/>
@@ -10969,7 +10966,7 @@
               <a:rPr lang="fr-FR" dirty="0">
                 <a:latin typeface="Eras Medium ITC" panose="020B0602030504020804" pitchFamily="34" charset="0"/>
               </a:rPr>
-              <a:t> du tag RFID.</a:t>
+              <a:t> du tag RFID à travers un contreplaqué de 3mm.</a:t>
             </a:r>
           </a:p>
           <a:p>
@@ -10981,7 +10978,7 @@
               <a:rPr lang="fr-FR" dirty="0">
                 <a:latin typeface="Eras Medium ITC" panose="020B0602030504020804" pitchFamily="34" charset="0"/>
               </a:rPr>
-              <a:t>Allumé une LED correspondante si UID correct.</a:t>
+              <a:t>Allumé une LED correspondante dans la seconde si UID correct.</a:t>
             </a:r>
           </a:p>
           <a:p>
@@ -11575,6 +11572,212 @@
           <a:p>
             <a:pPr algn="ctr"/>
             <a:endParaRPr lang="fr-FR"/>
+          </a:p>
+        </p:txBody>
+      </p:sp>
+      <p:sp>
+        <p:nvSpPr>
+          <p:cNvPr id="3" name="ZoneTexte 2">
+            <a:extLst>
+              <a:ext uri="{FF2B5EF4-FFF2-40B4-BE49-F238E27FC236}">
+                <a16:creationId xmlns:a16="http://schemas.microsoft.com/office/drawing/2014/main" id="{00D7386F-E94D-45FF-A283-4C1ED4399519}"/>
+              </a:ext>
+            </a:extLst>
+          </p:cNvPr>
+          <p:cNvSpPr txBox="1"/>
+          <p:nvPr/>
+        </p:nvSpPr>
+        <p:spPr>
+          <a:xfrm rot="16200000">
+            <a:off x="-228577" y="1701209"/>
+            <a:ext cx="1101953" cy="276999"/>
+          </a:xfrm>
+          <a:prstGeom prst="rect">
+            <a:avLst/>
+          </a:prstGeom>
+          <a:noFill/>
+        </p:spPr>
+        <p:txBody>
+          <a:bodyPr wrap="square" rtlCol="0">
+            <a:spAutoFit/>
+          </a:bodyPr>
+          <a:lstStyle/>
+          <a:p>
+            <a:r>
+              <a:rPr lang="fr-FR" sz="1200" dirty="0">
+                <a:solidFill>
+                  <a:srgbClr val="A51258"/>
+                </a:solidFill>
+                <a:latin typeface="Eras Medium ITC" panose="020B0602030504020804" pitchFamily="34" charset="0"/>
+              </a:rPr>
+              <a:t>Lecteurs RFID</a:t>
+            </a:r>
+          </a:p>
+        </p:txBody>
+      </p:sp>
+      <p:sp>
+        <p:nvSpPr>
+          <p:cNvPr id="35" name="ZoneTexte 34">
+            <a:extLst>
+              <a:ext uri="{FF2B5EF4-FFF2-40B4-BE49-F238E27FC236}">
+                <a16:creationId xmlns:a16="http://schemas.microsoft.com/office/drawing/2014/main" id="{ADBF2216-A499-43EF-9993-11473044FB59}"/>
+              </a:ext>
+            </a:extLst>
+          </p:cNvPr>
+          <p:cNvSpPr txBox="1"/>
+          <p:nvPr/>
+        </p:nvSpPr>
+        <p:spPr>
+          <a:xfrm rot="5400000">
+            <a:off x="3505041" y="1498466"/>
+            <a:ext cx="1233703" cy="276999"/>
+          </a:xfrm>
+          <a:prstGeom prst="rect">
+            <a:avLst/>
+          </a:prstGeom>
+          <a:noFill/>
+        </p:spPr>
+        <p:txBody>
+          <a:bodyPr wrap="square" rtlCol="0">
+            <a:spAutoFit/>
+          </a:bodyPr>
+          <a:lstStyle/>
+          <a:p>
+            <a:r>
+              <a:rPr lang="fr-FR" sz="1200" dirty="0">
+                <a:solidFill>
+                  <a:srgbClr val="A51258"/>
+                </a:solidFill>
+                <a:latin typeface="Eras Medium ITC" panose="020B0602030504020804" pitchFamily="34" charset="0"/>
+              </a:rPr>
+              <a:t>Raspberry Pi3 B</a:t>
+            </a:r>
+          </a:p>
+        </p:txBody>
+      </p:sp>
+      <p:sp>
+        <p:nvSpPr>
+          <p:cNvPr id="36" name="ZoneTexte 35">
+            <a:extLst>
+              <a:ext uri="{FF2B5EF4-FFF2-40B4-BE49-F238E27FC236}">
+                <a16:creationId xmlns:a16="http://schemas.microsoft.com/office/drawing/2014/main" id="{F28B23E9-5E23-4379-858B-7862B5D38254}"/>
+              </a:ext>
+            </a:extLst>
+          </p:cNvPr>
+          <p:cNvSpPr txBox="1"/>
+          <p:nvPr/>
+        </p:nvSpPr>
+        <p:spPr>
+          <a:xfrm rot="16200000">
+            <a:off x="145848" y="4289333"/>
+            <a:ext cx="517545" cy="276999"/>
+          </a:xfrm>
+          <a:prstGeom prst="rect">
+            <a:avLst/>
+          </a:prstGeom>
+          <a:noFill/>
+        </p:spPr>
+        <p:txBody>
+          <a:bodyPr wrap="square" rtlCol="0">
+            <a:spAutoFit/>
+          </a:bodyPr>
+          <a:lstStyle/>
+          <a:p>
+            <a:r>
+              <a:rPr lang="fr-FR" sz="1200" dirty="0" err="1">
+                <a:solidFill>
+                  <a:srgbClr val="A51258"/>
+                </a:solidFill>
+                <a:latin typeface="Eras Medium ITC" panose="020B0602030504020804" pitchFamily="34" charset="0"/>
+              </a:rPr>
+              <a:t>LEDs</a:t>
+            </a:r>
+            <a:endParaRPr lang="fr-FR" sz="1200" dirty="0">
+              <a:solidFill>
+                <a:srgbClr val="A51258"/>
+              </a:solidFill>
+              <a:latin typeface="Eras Medium ITC" panose="020B0602030504020804" pitchFamily="34" charset="0"/>
+            </a:endParaRPr>
+          </a:p>
+        </p:txBody>
+      </p:sp>
+      <p:sp>
+        <p:nvSpPr>
+          <p:cNvPr id="37" name="ZoneTexte 36">
+            <a:extLst>
+              <a:ext uri="{FF2B5EF4-FFF2-40B4-BE49-F238E27FC236}">
+                <a16:creationId xmlns:a16="http://schemas.microsoft.com/office/drawing/2014/main" id="{244E7422-49AD-43D1-9870-684CD863C96C}"/>
+              </a:ext>
+            </a:extLst>
+          </p:cNvPr>
+          <p:cNvSpPr txBox="1"/>
+          <p:nvPr/>
+        </p:nvSpPr>
+        <p:spPr>
+          <a:xfrm rot="5400000">
+            <a:off x="3175701" y="5194496"/>
+            <a:ext cx="1892381" cy="276999"/>
+          </a:xfrm>
+          <a:prstGeom prst="rect">
+            <a:avLst/>
+          </a:prstGeom>
+          <a:noFill/>
+        </p:spPr>
+        <p:txBody>
+          <a:bodyPr wrap="square" rtlCol="0">
+            <a:spAutoFit/>
+          </a:bodyPr>
+          <a:lstStyle/>
+          <a:p>
+            <a:r>
+              <a:rPr lang="fr-FR" sz="1200" dirty="0">
+                <a:solidFill>
+                  <a:srgbClr val="A51258"/>
+                </a:solidFill>
+                <a:latin typeface="Eras Medium ITC" panose="020B0602030504020804" pitchFamily="34" charset="0"/>
+              </a:rPr>
+              <a:t>Gâche électrique RS PRO </a:t>
+            </a:r>
+          </a:p>
+        </p:txBody>
+      </p:sp>
+      <p:sp>
+        <p:nvSpPr>
+          <p:cNvPr id="38" name="ZoneTexte 37">
+            <a:extLst>
+              <a:ext uri="{FF2B5EF4-FFF2-40B4-BE49-F238E27FC236}">
+                <a16:creationId xmlns:a16="http://schemas.microsoft.com/office/drawing/2014/main" id="{74AE3B06-31BF-4DD2-B03F-DD45F116D0E2}"/>
+              </a:ext>
+            </a:extLst>
+          </p:cNvPr>
+          <p:cNvSpPr txBox="1"/>
+          <p:nvPr/>
+        </p:nvSpPr>
+        <p:spPr>
+          <a:xfrm>
+            <a:off x="1740124" y="5544384"/>
+            <a:ext cx="1470474" cy="276999"/>
+          </a:xfrm>
+          <a:prstGeom prst="rect">
+            <a:avLst/>
+          </a:prstGeom>
+          <a:noFill/>
+        </p:spPr>
+        <p:txBody>
+          <a:bodyPr wrap="square" rtlCol="0">
+            <a:spAutoFit/>
+          </a:bodyPr>
+          <a:lstStyle/>
+          <a:p>
+            <a:r>
+              <a:rPr lang="fr-FR" sz="1200" dirty="0">
+                <a:solidFill>
+                  <a:srgbClr val="A51258"/>
+                </a:solidFill>
+                <a:latin typeface="Eras Medium ITC" panose="020B0602030504020804" pitchFamily="34" charset="0"/>
+              </a:rPr>
+              <a:t>Module relais 12V </a:t>
+            </a:r>
           </a:p>
         </p:txBody>
       </p:sp>

--- a/Guillaume/Documents/Revue 1 de projet étudiant 1 Escape Game Téléthon.pptx
+++ b/Guillaume/Documents/Revue 1 de projet étudiant 1 Escape Game Téléthon.pptx
@@ -8566,8 +8566,8 @@
         </p:nvCxnSpPr>
         <p:spPr>
           <a:xfrm flipH="1">
-            <a:off x="3294185" y="4384431"/>
-            <a:ext cx="542020" cy="879231"/>
+            <a:off x="3392424" y="4384431"/>
+            <a:ext cx="443781" cy="786597"/>
           </a:xfrm>
           <a:prstGeom prst="straightConnector1">
             <a:avLst/>
@@ -9419,6 +9419,98 @@
           <a:p>
             <a:pPr algn="ctr"/>
             <a:endParaRPr lang="fr-FR"/>
+          </a:p>
+        </p:txBody>
+      </p:sp>
+      <p:sp>
+        <p:nvSpPr>
+          <p:cNvPr id="3" name="Rectangle 2">
+            <a:extLst>
+              <a:ext uri="{FF2B5EF4-FFF2-40B4-BE49-F238E27FC236}">
+                <a16:creationId xmlns:a16="http://schemas.microsoft.com/office/drawing/2014/main" id="{828AF603-9628-4F8C-9562-EAD5B3128255}"/>
+              </a:ext>
+            </a:extLst>
+          </p:cNvPr>
+          <p:cNvSpPr/>
+          <p:nvPr/>
+        </p:nvSpPr>
+        <p:spPr>
+          <a:xfrm>
+            <a:off x="2340864" y="5185912"/>
+            <a:ext cx="1462059" cy="1050296"/>
+          </a:xfrm>
+          <a:prstGeom prst="rect">
+            <a:avLst/>
+          </a:prstGeom>
+          <a:noFill/>
+          <a:ln w="38100">
+            <a:solidFill>
+              <a:srgbClr val="A51258"/>
+            </a:solidFill>
+          </a:ln>
+        </p:spPr>
+        <p:style>
+          <a:lnRef idx="2">
+            <a:schemeClr val="accent1">
+              <a:shade val="50000"/>
+            </a:schemeClr>
+          </a:lnRef>
+          <a:fillRef idx="1">
+            <a:schemeClr val="accent1"/>
+          </a:fillRef>
+          <a:effectRef idx="0">
+            <a:schemeClr val="accent1"/>
+          </a:effectRef>
+          <a:fontRef idx="minor">
+            <a:schemeClr val="lt1"/>
+          </a:fontRef>
+        </p:style>
+        <p:txBody>
+          <a:bodyPr rtlCol="0" anchor="ctr"/>
+          <a:lstStyle/>
+          <a:p>
+            <a:pPr algn="ctr"/>
+            <a:endParaRPr lang="fr-FR"/>
+          </a:p>
+        </p:txBody>
+      </p:sp>
+      <p:sp>
+        <p:nvSpPr>
+          <p:cNvPr id="27" name="ZoneTexte 26">
+            <a:extLst>
+              <a:ext uri="{FF2B5EF4-FFF2-40B4-BE49-F238E27FC236}">
+                <a16:creationId xmlns:a16="http://schemas.microsoft.com/office/drawing/2014/main" id="{C4A860E1-2CEA-4F2D-B219-2475CC72715B}"/>
+              </a:ext>
+            </a:extLst>
+          </p:cNvPr>
+          <p:cNvSpPr txBox="1"/>
+          <p:nvPr/>
+        </p:nvSpPr>
+        <p:spPr>
+          <a:xfrm>
+            <a:off x="3757657" y="5482368"/>
+            <a:ext cx="3859323" cy="369332"/>
+          </a:xfrm>
+          <a:prstGeom prst="rect">
+            <a:avLst/>
+          </a:prstGeom>
+          <a:noFill/>
+        </p:spPr>
+        <p:txBody>
+          <a:bodyPr wrap="square" rtlCol="0">
+            <a:spAutoFit/>
+          </a:bodyPr>
+          <a:lstStyle/>
+          <a:p>
+            <a:r>
+              <a:rPr lang="fr-FR" dirty="0">
+                <a:solidFill>
+                  <a:srgbClr val="A31257"/>
+                </a:solidFill>
+                <a:latin typeface="Eras Medium ITC" panose="020B0602030504020804" pitchFamily="34" charset="0"/>
+              </a:rPr>
+              <a:t>Détecter l’ordre de fin de partie </a:t>
+            </a:r>
           </a:p>
         </p:txBody>
       </p:sp>
@@ -10932,8 +11024,8 @@
         </p:nvSpPr>
         <p:spPr>
           <a:xfrm>
-            <a:off x="4801617" y="2140848"/>
-            <a:ext cx="3799332" cy="2862322"/>
+            <a:off x="4867669" y="1549400"/>
+            <a:ext cx="3799332" cy="3416320"/>
           </a:xfrm>
           <a:prstGeom prst="rect">
             <a:avLst/>
@@ -11003,6 +11095,18 @@
                 <a:latin typeface="Eras Medium ITC" panose="020B0602030504020804" pitchFamily="34" charset="0"/>
               </a:rPr>
               <a:t>Si 4 UID corrects, envoyer l’ordre de fin partie à l’application de supervision.</a:t>
+            </a:r>
+          </a:p>
+          <a:p>
+            <a:pPr marL="285750" indent="-285750">
+              <a:buFont typeface="Arial" panose="020B0604020202020204" pitchFamily="34" charset="0"/>
+              <a:buChar char="•"/>
+            </a:pPr>
+            <a:r>
+              <a:rPr lang="fr-FR" dirty="0">
+                <a:latin typeface="Eras Medium ITC" panose="020B0602030504020804" pitchFamily="34" charset="0"/>
+              </a:rPr>
+              <a:t>Détecté l’ordre de fin de partie dans l’application de supervision.</a:t>
             </a:r>
           </a:p>
         </p:txBody>

--- a/Guillaume/Documents/Revue 1 de projet étudiant 1 Escape Game Téléthon.pptx
+++ b/Guillaume/Documents/Revue 1 de projet étudiant 1 Escape Game Téléthon.pptx
@@ -5,7 +5,7 @@
     <p:sldMasterId id="2147483648" r:id="rId1"/>
   </p:sldMasterIdLst>
   <p:sldIdLst>
-    <p:sldId id="256" r:id="rId2"/>
+    <p:sldId id="264" r:id="rId2"/>
     <p:sldId id="257" r:id="rId3"/>
     <p:sldId id="263" r:id="rId4"/>
     <p:sldId id="261" r:id="rId5"/>
@@ -840,7 +840,7 @@
             <a:fld id="{B61BEF0D-F0BB-DE4B-95CE-6DB70DBA9567}" type="datetimeFigureOut">
               <a:rPr lang="en-US" dirty="0"/>
               <a:pPr/>
-              <a:t>1/31/2020</a:t>
+              <a:t>2/4/2020</a:t>
             </a:fld>
             <a:endParaRPr lang="en-US" dirty="0"/>
           </a:p>
@@ -1088,7 +1088,7 @@
             <a:fld id="{B61BEF0D-F0BB-DE4B-95CE-6DB70DBA9567}" type="datetimeFigureOut">
               <a:rPr lang="en-US" dirty="0"/>
               <a:pPr/>
-              <a:t>1/31/2020</a:t>
+              <a:t>2/4/2020</a:t>
             </a:fld>
             <a:endParaRPr lang="en-US" dirty="0"/>
           </a:p>
@@ -1399,7 +1399,7 @@
             <a:fld id="{B61BEF0D-F0BB-DE4B-95CE-6DB70DBA9567}" type="datetimeFigureOut">
               <a:rPr lang="en-US" dirty="0"/>
               <a:pPr/>
-              <a:t>1/31/2020</a:t>
+              <a:t>2/4/2020</a:t>
             </a:fld>
             <a:endParaRPr lang="en-US" dirty="0"/>
           </a:p>
@@ -1737,7 +1737,7 @@
             <a:fld id="{B61BEF0D-F0BB-DE4B-95CE-6DB70DBA9567}" type="datetimeFigureOut">
               <a:rPr lang="en-US" dirty="0"/>
               <a:pPr/>
-              <a:t>1/31/2020</a:t>
+              <a:t>2/4/2020</a:t>
             </a:fld>
             <a:endParaRPr lang="en-US" dirty="0"/>
           </a:p>
@@ -2048,7 +2048,7 @@
             <a:fld id="{B61BEF0D-F0BB-DE4B-95CE-6DB70DBA9567}" type="datetimeFigureOut">
               <a:rPr lang="en-US" dirty="0"/>
               <a:pPr/>
-              <a:t>1/31/2020</a:t>
+              <a:t>2/4/2020</a:t>
             </a:fld>
             <a:endParaRPr lang="en-US" dirty="0"/>
           </a:p>
@@ -2438,7 +2438,7 @@
             <a:fld id="{B61BEF0D-F0BB-DE4B-95CE-6DB70DBA9567}" type="datetimeFigureOut">
               <a:rPr lang="en-US" dirty="0"/>
               <a:pPr/>
-              <a:t>1/31/2020</a:t>
+              <a:t>2/4/2020</a:t>
             </a:fld>
             <a:endParaRPr lang="en-US" dirty="0"/>
           </a:p>
@@ -2604,7 +2604,7 @@
           <a:p>
             <a:fld id="{55C6B4A9-1611-4792-9094-5F34BCA07E0B}" type="datetimeFigureOut">
               <a:rPr lang="en-US" dirty="0"/>
-              <a:t>1/31/2020</a:t>
+              <a:t>2/4/2020</a:t>
             </a:fld>
             <a:endParaRPr lang="en-US" dirty="0"/>
           </a:p>
@@ -2780,7 +2780,7 @@
             <a:fld id="{B61BEF0D-F0BB-DE4B-95CE-6DB70DBA9567}" type="datetimeFigureOut">
               <a:rPr lang="en-US" dirty="0"/>
               <a:pPr/>
-              <a:t>1/31/2020</a:t>
+              <a:t>2/4/2020</a:t>
             </a:fld>
             <a:endParaRPr lang="en-US" dirty="0"/>
           </a:p>
@@ -2953,7 +2953,7 @@
             <a:fld id="{B61BEF0D-F0BB-DE4B-95CE-6DB70DBA9567}" type="datetimeFigureOut">
               <a:rPr lang="en-US" dirty="0"/>
               <a:pPr/>
-              <a:t>1/31/2020</a:t>
+              <a:t>2/4/2020</a:t>
             </a:fld>
             <a:endParaRPr lang="en-US" dirty="0"/>
           </a:p>
@@ -3197,7 +3197,7 @@
             <a:fld id="{B61BEF0D-F0BB-DE4B-95CE-6DB70DBA9567}" type="datetimeFigureOut">
               <a:rPr lang="en-US" dirty="0"/>
               <a:pPr/>
-              <a:t>1/31/2020</a:t>
+              <a:t>2/4/2020</a:t>
             </a:fld>
             <a:endParaRPr lang="en-US" dirty="0"/>
           </a:p>
@@ -3425,7 +3425,7 @@
           <a:p>
             <a:fld id="{EB712588-04B1-427B-82EE-E8DB90309F08}" type="datetimeFigureOut">
               <a:rPr lang="en-US" dirty="0"/>
-              <a:t>1/31/2020</a:t>
+              <a:t>2/4/2020</a:t>
             </a:fld>
             <a:endParaRPr lang="en-US" dirty="0"/>
           </a:p>
@@ -3795,7 +3795,7 @@
             <a:fld id="{B61BEF0D-F0BB-DE4B-95CE-6DB70DBA9567}" type="datetimeFigureOut">
               <a:rPr lang="en-US" dirty="0"/>
               <a:pPr/>
-              <a:t>1/31/2020</a:t>
+              <a:t>2/4/2020</a:t>
             </a:fld>
             <a:endParaRPr lang="en-US" dirty="0"/>
           </a:p>
@@ -3915,7 +3915,7 @@
             <a:fld id="{B61BEF0D-F0BB-DE4B-95CE-6DB70DBA9567}" type="datetimeFigureOut">
               <a:rPr lang="en-US" dirty="0"/>
               <a:pPr/>
-              <a:t>1/31/2020</a:t>
+              <a:t>2/4/2020</a:t>
             </a:fld>
             <a:endParaRPr lang="en-US" dirty="0"/>
           </a:p>
@@ -4007,7 +4007,7 @@
             <a:fld id="{B61BEF0D-F0BB-DE4B-95CE-6DB70DBA9567}" type="datetimeFigureOut">
               <a:rPr lang="en-US" dirty="0"/>
               <a:pPr/>
-              <a:t>1/31/2020</a:t>
+              <a:t>2/4/2020</a:t>
             </a:fld>
             <a:endParaRPr lang="en-US" dirty="0"/>
           </a:p>
@@ -4258,7 +4258,7 @@
           <a:p>
             <a:fld id="{42A54C80-263E-416B-A8E0-580EDEADCBDC}" type="datetimeFigureOut">
               <a:rPr lang="en-US" dirty="0"/>
-              <a:t>1/31/2020</a:t>
+              <a:t>2/4/2020</a:t>
             </a:fld>
             <a:endParaRPr lang="en-US" dirty="0"/>
           </a:p>
@@ -4517,7 +4517,7 @@
             <a:fld id="{B61BEF0D-F0BB-DE4B-95CE-6DB70DBA9567}" type="datetimeFigureOut">
               <a:rPr lang="en-US" dirty="0"/>
               <a:pPr/>
-              <a:t>1/31/2020</a:t>
+              <a:t>2/4/2020</a:t>
             </a:fld>
             <a:endParaRPr lang="en-US" dirty="0"/>
           </a:p>
@@ -5257,7 +5257,7 @@
             <a:fld id="{B61BEF0D-F0BB-DE4B-95CE-6DB70DBA9567}" type="datetimeFigureOut">
               <a:rPr lang="en-US" dirty="0"/>
               <a:pPr/>
-              <a:t>1/31/2020</a:t>
+              <a:t>2/4/2020</a:t>
             </a:fld>
             <a:endParaRPr lang="en-US" dirty="0"/>
           </a:p>
@@ -6570,28 +6570,88 @@
           </a:bodyPr>
           <a:lstStyle/>
           <a:p>
-            <a:pPr algn="ctr"/>
-            <a:r>
-              <a:rPr lang="fr-FR" sz="4800" b="1" dirty="0">
+            <a:pPr marL="0" marR="0" lvl="0" indent="0" algn="ctr" defTabSz="457200" rtl="0" eaLnBrk="1" fontAlgn="auto" latinLnBrk="0" hangingPunct="1">
+              <a:lnSpc>
+                <a:spcPct val="100000"/>
+              </a:lnSpc>
+              <a:spcBef>
+                <a:spcPts val="0"/>
+              </a:spcBef>
+              <a:spcAft>
+                <a:spcPts val="0"/>
+              </a:spcAft>
+              <a:buClrTx/>
+              <a:buSzTx/>
+              <a:buFontTx/>
+              <a:buNone/>
+              <a:tabLst/>
+              <a:defRPr/>
+            </a:pPr>
+            <a:r>
+              <a:rPr kumimoji="0" lang="fr-FR" sz="4800" b="1" i="0" u="none" strike="noStrike" kern="1200" cap="none" spc="0" normalizeH="0" baseline="0" noProof="0" dirty="0">
+                <a:ln>
+                  <a:noFill/>
+                </a:ln>
+                <a:solidFill>
+                  <a:prstClr val="black"/>
+                </a:solidFill>
+                <a:effectLst/>
+                <a:uLnTx/>
+                <a:uFillTx/>
                 <a:latin typeface="Eras Medium ITC" panose="020B0602030504020804" pitchFamily="34" charset="0"/>
+                <a:ea typeface="+mn-ea"/>
+                <a:cs typeface="+mn-cs"/>
               </a:rPr>
               <a:t>E</a:t>
             </a:r>
             <a:r>
-              <a:rPr lang="fr-FR" sz="4400" b="1" dirty="0">
+              <a:rPr kumimoji="0" lang="fr-FR" sz="4400" b="1" i="0" u="none" strike="noStrike" kern="1200" cap="none" spc="0" normalizeH="0" baseline="0" noProof="0" dirty="0">
+                <a:ln>
+                  <a:noFill/>
+                </a:ln>
+                <a:solidFill>
+                  <a:prstClr val="black"/>
+                </a:solidFill>
+                <a:effectLst/>
+                <a:uLnTx/>
+                <a:uFillTx/>
                 <a:latin typeface="Eras Medium ITC" panose="020B0602030504020804" pitchFamily="34" charset="0"/>
+                <a:ea typeface="+mn-ea"/>
+                <a:cs typeface="+mn-cs"/>
               </a:rPr>
               <a:t>scape </a:t>
             </a:r>
             <a:r>
-              <a:rPr lang="fr-FR" sz="4800" b="1" dirty="0">
+              <a:rPr kumimoji="0" lang="fr-FR" sz="4800" b="1" i="0" u="none" strike="noStrike" kern="1200" cap="none" spc="0" normalizeH="0" baseline="0" noProof="0" dirty="0">
+                <a:ln>
+                  <a:noFill/>
+                </a:ln>
+                <a:solidFill>
+                  <a:prstClr val="black"/>
+                </a:solidFill>
+                <a:effectLst/>
+                <a:uLnTx/>
+                <a:uFillTx/>
                 <a:latin typeface="Eras Medium ITC" panose="020B0602030504020804" pitchFamily="34" charset="0"/>
+                <a:ea typeface="+mn-ea"/>
+                <a:cs typeface="+mn-cs"/>
               </a:rPr>
               <a:t>G</a:t>
             </a:r>
             <a:r>
-              <a:rPr lang="fr-FR" sz="4400" b="1" dirty="0">
+              <a:rPr kumimoji="0" lang="fr-FR" sz="4400" b="1" i="0" u="none" strike="noStrike" kern="1200" cap="none" spc="0" normalizeH="0" baseline="0" noProof="0" dirty="0">
+                <a:ln>
+                  <a:noFill/>
+                </a:ln>
+                <a:solidFill>
+                  <a:prstClr val="black"/>
+                </a:solidFill>
+                <a:effectLst/>
+                <a:uLnTx/>
+                <a:uFillTx/>
                 <a:latin typeface="Eras Medium ITC" panose="020B0602030504020804" pitchFamily="34" charset="0"/>
+                <a:ea typeface="+mn-ea"/>
+                <a:cs typeface="+mn-cs"/>
               </a:rPr>
               <a:t>ame</a:t>
             </a:r>
@@ -6620,13 +6680,13 @@
               </a:ext>
             </a:extLst>
           </a:blip>
-          <a:srcRect l="18677" r="15441"/>
+          <a:srcRect l="18677" r="31483"/>
           <a:stretch/>
         </p:blipFill>
         <p:spPr bwMode="auto">
           <a:xfrm>
             <a:off x="569173" y="2255689"/>
-            <a:ext cx="4130844" cy="1109501"/>
+            <a:ext cx="3125003" cy="1109501"/>
           </a:xfrm>
           <a:prstGeom prst="rect">
             <a:avLst/>
@@ -6692,8 +6752,37 @@
           <a:bodyPr rtlCol="0" anchor="ctr"/>
           <a:lstStyle/>
           <a:p>
-            <a:pPr algn="ctr"/>
-            <a:endParaRPr lang="fr-FR"/>
+            <a:pPr marL="0" marR="0" lvl="0" indent="0" algn="ctr" defTabSz="457200" rtl="0" eaLnBrk="1" fontAlgn="auto" latinLnBrk="0" hangingPunct="1">
+              <a:lnSpc>
+                <a:spcPct val="100000"/>
+              </a:lnSpc>
+              <a:spcBef>
+                <a:spcPts val="0"/>
+              </a:spcBef>
+              <a:spcAft>
+                <a:spcPts val="0"/>
+              </a:spcAft>
+              <a:buClrTx/>
+              <a:buSzTx/>
+              <a:buFontTx/>
+              <a:buNone/>
+              <a:tabLst/>
+              <a:defRPr/>
+            </a:pPr>
+            <a:endParaRPr kumimoji="0" lang="fr-FR" sz="1800" b="0" i="0" u="none" strike="noStrike" kern="1200" cap="none" spc="0" normalizeH="0" baseline="0" noProof="0">
+              <a:ln>
+                <a:noFill/>
+              </a:ln>
+              <a:solidFill>
+                <a:prstClr val="white"/>
+              </a:solidFill>
+              <a:effectLst/>
+              <a:uLnTx/>
+              <a:uFillTx/>
+              <a:latin typeface="Trebuchet MS" panose="020B0603020202020204"/>
+              <a:ea typeface="+mn-ea"/>
+              <a:cs typeface="+mn-cs"/>
+            </a:endParaRPr>
           </a:p>
         </p:txBody>
       </p:sp>
@@ -6741,142 +6830,782 @@
           </a:bodyPr>
           <a:lstStyle/>
           <a:p>
-            <a:pPr algn="ctr">
+            <a:pPr marL="0" marR="0" lvl="0" indent="0" algn="ctr" defTabSz="457200" rtl="0" eaLnBrk="1" fontAlgn="auto" latinLnBrk="0" hangingPunct="1">
               <a:lnSpc>
                 <a:spcPct val="150000"/>
               </a:lnSpc>
+              <a:spcBef>
+                <a:spcPts val="0"/>
+              </a:spcBef>
+              <a:spcAft>
+                <a:spcPts val="0"/>
+              </a:spcAft>
+              <a:buClrTx/>
+              <a:buSzTx/>
+              <a:buFontTx/>
+              <a:buNone/>
+              <a:tabLst/>
+              <a:defRPr/>
             </a:pPr>
             <a:r>
-              <a:rPr lang="fr-FR" sz="2400" dirty="0">
+              <a:rPr kumimoji="0" lang="fr-FR" sz="2400" b="0" i="0" u="none" strike="noStrike" kern="1200" cap="none" spc="0" normalizeH="0" baseline="0" noProof="0" dirty="0">
+                <a:ln>
+                  <a:noFill/>
+                </a:ln>
+                <a:solidFill>
+                  <a:prstClr val="black"/>
+                </a:solidFill>
+                <a:effectLst/>
+                <a:uLnTx/>
+                <a:uFillTx/>
                 <a:latin typeface="Eras Medium ITC" panose="020B0602030504020804" pitchFamily="34" charset="0"/>
+                <a:ea typeface="+mn-ea"/>
+                <a:cs typeface="+mn-cs"/>
               </a:rPr>
               <a:t>Projet d’étude de 2</a:t>
             </a:r>
             <a:r>
-              <a:rPr lang="fr-FR" sz="2400" baseline="30000" dirty="0">
+              <a:rPr kumimoji="0" lang="fr-FR" sz="2400" b="0" i="0" u="none" strike="noStrike" kern="1200" cap="none" spc="0" normalizeH="0" baseline="30000" noProof="0" dirty="0">
+                <a:ln>
+                  <a:noFill/>
+                </a:ln>
+                <a:solidFill>
+                  <a:prstClr val="black"/>
+                </a:solidFill>
+                <a:effectLst/>
+                <a:uLnTx/>
+                <a:uFillTx/>
                 <a:latin typeface="Eras Medium ITC" panose="020B0602030504020804" pitchFamily="34" charset="0"/>
+                <a:ea typeface="+mn-ea"/>
+                <a:cs typeface="+mn-cs"/>
               </a:rPr>
               <a:t>nde</a:t>
             </a:r>
             <a:r>
-              <a:rPr lang="fr-FR" sz="2400" dirty="0">
+              <a:rPr kumimoji="0" lang="fr-FR" sz="2400" b="0" i="0" u="none" strike="noStrike" kern="1200" cap="none" spc="0" normalizeH="0" baseline="0" noProof="0" dirty="0">
+                <a:ln>
+                  <a:noFill/>
+                </a:ln>
+                <a:solidFill>
+                  <a:prstClr val="black"/>
+                </a:solidFill>
+                <a:effectLst/>
+                <a:uLnTx/>
+                <a:uFillTx/>
                 <a:latin typeface="Eras Medium ITC" panose="020B0602030504020804" pitchFamily="34" charset="0"/>
+                <a:ea typeface="+mn-ea"/>
+                <a:cs typeface="+mn-cs"/>
               </a:rPr>
               <a:t> année.</a:t>
             </a:r>
           </a:p>
           <a:p>
-            <a:pPr algn="ctr">
+            <a:pPr marL="0" marR="0" lvl="0" indent="0" algn="ctr" defTabSz="457200" rtl="0" eaLnBrk="1" fontAlgn="auto" latinLnBrk="0" hangingPunct="1">
               <a:lnSpc>
                 <a:spcPct val="150000"/>
               </a:lnSpc>
+              <a:spcBef>
+                <a:spcPts val="0"/>
+              </a:spcBef>
+              <a:spcAft>
+                <a:spcPts val="0"/>
+              </a:spcAft>
+              <a:buClrTx/>
+              <a:buSzTx/>
+              <a:buFontTx/>
+              <a:buNone/>
+              <a:tabLst/>
+              <a:defRPr/>
             </a:pPr>
             <a:r>
-              <a:rPr lang="fr-FR" sz="2800" dirty="0">
+              <a:rPr kumimoji="0" lang="fr-FR" sz="2800" b="0" i="0" u="none" strike="noStrike" kern="1200" cap="none" spc="0" normalizeH="0" baseline="0" noProof="0" dirty="0">
+                <a:ln>
+                  <a:noFill/>
+                </a:ln>
+                <a:solidFill>
+                  <a:prstClr val="black"/>
+                </a:solidFill>
+                <a:effectLst/>
+                <a:uLnTx/>
+                <a:uFillTx/>
                 <a:latin typeface="Eras Medium ITC" panose="020B0602030504020804" pitchFamily="34" charset="0"/>
+                <a:ea typeface="+mn-ea"/>
+                <a:cs typeface="+mn-cs"/>
               </a:rPr>
               <a:t>BTS</a:t>
             </a:r>
             <a:r>
-              <a:rPr lang="fr-FR" sz="2400" dirty="0">
+              <a:rPr kumimoji="0" lang="fr-FR" sz="2400" b="0" i="0" u="none" strike="noStrike" kern="1200" cap="none" spc="0" normalizeH="0" baseline="0" noProof="0" dirty="0">
+                <a:ln>
+                  <a:noFill/>
+                </a:ln>
+                <a:solidFill>
+                  <a:prstClr val="black"/>
+                </a:solidFill>
+                <a:effectLst/>
+                <a:uLnTx/>
+                <a:uFillTx/>
                 <a:latin typeface="Eras Medium ITC" panose="020B0602030504020804" pitchFamily="34" charset="0"/>
+                <a:ea typeface="+mn-ea"/>
+                <a:cs typeface="+mn-cs"/>
               </a:rPr>
               <a:t> </a:t>
             </a:r>
             <a:r>
-              <a:rPr lang="fr-FR" sz="2800" dirty="0">
+              <a:rPr kumimoji="0" lang="fr-FR" sz="2800" b="0" i="0" u="none" strike="noStrike" kern="1200" cap="none" spc="0" normalizeH="0" baseline="0" noProof="0" dirty="0">
+                <a:ln>
+                  <a:noFill/>
+                </a:ln>
+                <a:solidFill>
+                  <a:prstClr val="black"/>
+                </a:solidFill>
+                <a:effectLst/>
+                <a:uLnTx/>
+                <a:uFillTx/>
                 <a:latin typeface="Eras Medium ITC" panose="020B0602030504020804" pitchFamily="34" charset="0"/>
+                <a:ea typeface="+mn-ea"/>
+                <a:cs typeface="+mn-cs"/>
               </a:rPr>
               <a:t>S</a:t>
             </a:r>
             <a:r>
-              <a:rPr lang="fr-FR" sz="2400" dirty="0">
+              <a:rPr kumimoji="0" lang="fr-FR" sz="2400" b="0" i="0" u="none" strike="noStrike" kern="1200" cap="none" spc="0" normalizeH="0" baseline="0" noProof="0" dirty="0">
+                <a:ln>
+                  <a:noFill/>
+                </a:ln>
+                <a:solidFill>
+                  <a:prstClr val="black"/>
+                </a:solidFill>
+                <a:effectLst/>
+                <a:uLnTx/>
+                <a:uFillTx/>
                 <a:latin typeface="Eras Medium ITC" panose="020B0602030504020804" pitchFamily="34" charset="0"/>
+                <a:ea typeface="+mn-ea"/>
+                <a:cs typeface="+mn-cs"/>
               </a:rPr>
               <a:t>ystèmes </a:t>
             </a:r>
             <a:r>
-              <a:rPr lang="fr-FR" sz="2800" dirty="0">
+              <a:rPr kumimoji="0" lang="fr-FR" sz="2800" b="0" i="0" u="none" strike="noStrike" kern="1200" cap="none" spc="0" normalizeH="0" baseline="0" noProof="0" dirty="0">
+                <a:ln>
+                  <a:noFill/>
+                </a:ln>
+                <a:solidFill>
+                  <a:prstClr val="black"/>
+                </a:solidFill>
+                <a:effectLst/>
+                <a:uLnTx/>
+                <a:uFillTx/>
                 <a:latin typeface="Eras Medium ITC" panose="020B0602030504020804" pitchFamily="34" charset="0"/>
+                <a:ea typeface="+mn-ea"/>
+                <a:cs typeface="+mn-cs"/>
               </a:rPr>
               <a:t>N</a:t>
             </a:r>
             <a:r>
-              <a:rPr lang="fr-FR" sz="2400" dirty="0">
+              <a:rPr kumimoji="0" lang="fr-FR" sz="2400" b="0" i="0" u="none" strike="noStrike" kern="1200" cap="none" spc="0" normalizeH="0" baseline="0" noProof="0" dirty="0">
+                <a:ln>
+                  <a:noFill/>
+                </a:ln>
+                <a:solidFill>
+                  <a:prstClr val="black"/>
+                </a:solidFill>
+                <a:effectLst/>
+                <a:uLnTx/>
+                <a:uFillTx/>
                 <a:latin typeface="Eras Medium ITC" panose="020B0602030504020804" pitchFamily="34" charset="0"/>
+                <a:ea typeface="+mn-ea"/>
+                <a:cs typeface="+mn-cs"/>
               </a:rPr>
               <a:t>umériques option </a:t>
             </a:r>
             <a:r>
-              <a:rPr lang="fr-FR" sz="2800" dirty="0">
+              <a:rPr kumimoji="0" lang="fr-FR" sz="2800" b="0" i="0" u="none" strike="noStrike" kern="1200" cap="none" spc="0" normalizeH="0" baseline="0" noProof="0" dirty="0">
+                <a:ln>
+                  <a:noFill/>
+                </a:ln>
+                <a:solidFill>
+                  <a:prstClr val="black"/>
+                </a:solidFill>
+                <a:effectLst/>
+                <a:uLnTx/>
+                <a:uFillTx/>
                 <a:latin typeface="Eras Medium ITC" panose="020B0602030504020804" pitchFamily="34" charset="0"/>
+                <a:ea typeface="+mn-ea"/>
+                <a:cs typeface="+mn-cs"/>
               </a:rPr>
               <a:t>I.R</a:t>
             </a:r>
             <a:r>
-              <a:rPr lang="fr-FR" sz="2400" dirty="0">
+              <a:rPr kumimoji="0" lang="fr-FR" sz="2400" b="0" i="0" u="none" strike="noStrike" kern="1200" cap="none" spc="0" normalizeH="0" baseline="0" noProof="0" dirty="0">
+                <a:ln>
+                  <a:noFill/>
+                </a:ln>
+                <a:solidFill>
+                  <a:prstClr val="black"/>
+                </a:solidFill>
+                <a:effectLst/>
+                <a:uLnTx/>
+                <a:uFillTx/>
                 <a:latin typeface="Eras Medium ITC" panose="020B0602030504020804" pitchFamily="34" charset="0"/>
+                <a:ea typeface="+mn-ea"/>
+                <a:cs typeface="+mn-cs"/>
               </a:rPr>
               <a:t>.</a:t>
             </a:r>
           </a:p>
           <a:p>
-            <a:pPr algn="ctr"/>
-            <a:endParaRPr lang="fr-FR" sz="2400" dirty="0">
+            <a:pPr marL="0" marR="0" lvl="0" indent="0" algn="ctr" defTabSz="457200" rtl="0" eaLnBrk="1" fontAlgn="auto" latinLnBrk="0" hangingPunct="1">
+              <a:lnSpc>
+                <a:spcPct val="100000"/>
+              </a:lnSpc>
+              <a:spcBef>
+                <a:spcPts val="0"/>
+              </a:spcBef>
+              <a:spcAft>
+                <a:spcPts val="0"/>
+              </a:spcAft>
+              <a:buClrTx/>
+              <a:buSzTx/>
+              <a:buFontTx/>
+              <a:buNone/>
+              <a:tabLst/>
+              <a:defRPr/>
+            </a:pPr>
+            <a:endParaRPr kumimoji="0" lang="fr-FR" sz="2400" b="0" i="0" u="none" strike="noStrike" kern="1200" cap="none" spc="0" normalizeH="0" baseline="0" noProof="0" dirty="0">
+              <a:ln>
+                <a:noFill/>
+              </a:ln>
+              <a:solidFill>
+                <a:prstClr val="black"/>
+              </a:solidFill>
+              <a:effectLst/>
+              <a:uLnTx/>
+              <a:uFillTx/>
               <a:latin typeface="Eras Medium ITC" panose="020B0602030504020804" pitchFamily="34" charset="0"/>
+              <a:ea typeface="+mn-ea"/>
+              <a:cs typeface="+mn-cs"/>
             </a:endParaRPr>
           </a:p>
           <a:p>
-            <a:pPr algn="ctr"/>
-            <a:endParaRPr lang="fr-FR" sz="2400" dirty="0">
+            <a:pPr marL="0" marR="0" lvl="0" indent="0" algn="ctr" defTabSz="457200" rtl="0" eaLnBrk="1" fontAlgn="auto" latinLnBrk="0" hangingPunct="1">
+              <a:lnSpc>
+                <a:spcPct val="100000"/>
+              </a:lnSpc>
+              <a:spcBef>
+                <a:spcPts val="0"/>
+              </a:spcBef>
+              <a:spcAft>
+                <a:spcPts val="0"/>
+              </a:spcAft>
+              <a:buClrTx/>
+              <a:buSzTx/>
+              <a:buFontTx/>
+              <a:buNone/>
+              <a:tabLst/>
+              <a:defRPr/>
+            </a:pPr>
+            <a:endParaRPr kumimoji="0" lang="fr-FR" sz="2400" b="0" i="0" u="none" strike="noStrike" kern="1200" cap="none" spc="0" normalizeH="0" baseline="0" noProof="0" dirty="0">
+              <a:ln>
+                <a:noFill/>
+              </a:ln>
+              <a:solidFill>
+                <a:prstClr val="black"/>
+              </a:solidFill>
+              <a:effectLst/>
+              <a:uLnTx/>
+              <a:uFillTx/>
               <a:latin typeface="Eras Medium ITC" panose="020B0602030504020804" pitchFamily="34" charset="0"/>
+              <a:ea typeface="+mn-ea"/>
+              <a:cs typeface="+mn-cs"/>
             </a:endParaRPr>
           </a:p>
           <a:p>
-            <a:pPr algn="ctr"/>
-            <a:endParaRPr lang="fr-FR" sz="2400" dirty="0">
+            <a:pPr marL="0" marR="0" lvl="0" indent="0" algn="ctr" defTabSz="457200" rtl="0" eaLnBrk="1" fontAlgn="auto" latinLnBrk="0" hangingPunct="1">
+              <a:lnSpc>
+                <a:spcPct val="100000"/>
+              </a:lnSpc>
+              <a:spcBef>
+                <a:spcPts val="0"/>
+              </a:spcBef>
+              <a:spcAft>
+                <a:spcPts val="0"/>
+              </a:spcAft>
+              <a:buClrTx/>
+              <a:buSzTx/>
+              <a:buFontTx/>
+              <a:buNone/>
+              <a:tabLst/>
+              <a:defRPr/>
+            </a:pPr>
+            <a:endParaRPr kumimoji="0" lang="fr-FR" sz="2400" b="0" i="0" u="none" strike="noStrike" kern="1200" cap="none" spc="0" normalizeH="0" baseline="0" noProof="0" dirty="0">
+              <a:ln>
+                <a:noFill/>
+              </a:ln>
+              <a:solidFill>
+                <a:prstClr val="black"/>
+              </a:solidFill>
+              <a:effectLst/>
+              <a:uLnTx/>
+              <a:uFillTx/>
               <a:latin typeface="Eras Medium ITC" panose="020B0602030504020804" pitchFamily="34" charset="0"/>
+              <a:ea typeface="+mn-ea"/>
+              <a:cs typeface="+mn-cs"/>
             </a:endParaRPr>
           </a:p>
           <a:p>
-            <a:pPr algn="ctr"/>
-            <a:r>
-              <a:rPr lang="fr-FR" sz="1600" dirty="0">
+            <a:pPr marL="0" marR="0" lvl="0" indent="0" algn="ctr" defTabSz="457200" rtl="0" eaLnBrk="1" fontAlgn="auto" latinLnBrk="0" hangingPunct="1">
+              <a:lnSpc>
+                <a:spcPct val="100000"/>
+              </a:lnSpc>
+              <a:spcBef>
+                <a:spcPts val="0"/>
+              </a:spcBef>
+              <a:spcAft>
+                <a:spcPts val="0"/>
+              </a:spcAft>
+              <a:buClrTx/>
+              <a:buSzTx/>
+              <a:buFontTx/>
+              <a:buNone/>
+              <a:tabLst/>
+              <a:defRPr/>
+            </a:pPr>
+            <a:r>
+              <a:rPr kumimoji="0" lang="fr-FR" sz="1600" b="0" i="0" u="none" strike="noStrike" kern="1200" cap="none" spc="0" normalizeH="0" baseline="0" noProof="0" dirty="0">
+                <a:ln>
+                  <a:noFill/>
+                </a:ln>
+                <a:solidFill>
+                  <a:prstClr val="black"/>
+                </a:solidFill>
+                <a:effectLst/>
+                <a:uLnTx/>
+                <a:uFillTx/>
                 <a:latin typeface="Eras Medium ITC" panose="020B0602030504020804" pitchFamily="34" charset="0"/>
+                <a:ea typeface="+mn-ea"/>
+                <a:cs typeface="+mn-cs"/>
               </a:rPr>
               <a:t>Etudiants :</a:t>
             </a:r>
           </a:p>
           <a:p>
-            <a:pPr algn="ctr"/>
-            <a:r>
-              <a:rPr lang="fr-FR" sz="1600" dirty="0">
+            <a:pPr marL="0" marR="0" lvl="0" indent="0" algn="ctr" defTabSz="457200" rtl="0" eaLnBrk="1" fontAlgn="auto" latinLnBrk="0" hangingPunct="1">
+              <a:lnSpc>
+                <a:spcPct val="100000"/>
+              </a:lnSpc>
+              <a:spcBef>
+                <a:spcPts val="0"/>
+              </a:spcBef>
+              <a:spcAft>
+                <a:spcPts val="0"/>
+              </a:spcAft>
+              <a:buClrTx/>
+              <a:buSzTx/>
+              <a:buFontTx/>
+              <a:buNone/>
+              <a:tabLst/>
+              <a:defRPr/>
+            </a:pPr>
+            <a:r>
+              <a:rPr kumimoji="0" lang="fr-FR" sz="1600" i="0" u="none" strike="noStrike" kern="1200" cap="none" spc="0" normalizeH="0" baseline="0" noProof="0" dirty="0">
+                <a:ln>
+                  <a:noFill/>
+                </a:ln>
+                <a:effectLst/>
+                <a:uLnTx/>
+                <a:uFillTx/>
                 <a:latin typeface="Eras Medium ITC" panose="020B0602030504020804" pitchFamily="34" charset="0"/>
+                <a:ea typeface="+mn-ea"/>
+                <a:cs typeface="+mn-cs"/>
               </a:rPr>
-              <a:t>GUIGAND Nathan -- </a:t>
-            </a:r>
-            <a:r>
-              <a:rPr lang="fr-FR" sz="1600" dirty="0">
+              <a:t>GUIGAND Nathan </a:t>
+            </a:r>
+            <a:r>
+              <a:rPr kumimoji="0" lang="fr-FR" sz="1600" b="0" i="0" u="none" strike="noStrike" kern="1200" cap="none" spc="0" normalizeH="0" baseline="0" noProof="0" dirty="0">
+                <a:ln>
+                  <a:noFill/>
+                </a:ln>
                 <a:solidFill>
-                  <a:srgbClr val="A31257"/>
+                  <a:prstClr val="black"/>
                 </a:solidFill>
+                <a:effectLst/>
+                <a:uLnTx/>
+                <a:uFillTx/>
                 <a:latin typeface="Eras Medium ITC" panose="020B0602030504020804" pitchFamily="34" charset="0"/>
+                <a:ea typeface="+mn-ea"/>
+                <a:cs typeface="+mn-cs"/>
+              </a:rPr>
+              <a:t>-- </a:t>
+            </a:r>
+            <a:r>
+              <a:rPr kumimoji="0" lang="fr-FR" sz="1600" b="1" i="0" u="none" strike="noStrike" kern="1200" cap="none" spc="0" normalizeH="0" baseline="0" noProof="0" dirty="0">
+                <a:ln>
+                  <a:noFill/>
+                </a:ln>
+                <a:solidFill>
+                  <a:srgbClr val="A51258"/>
+                </a:solidFill>
+                <a:effectLst/>
+                <a:uLnTx/>
+                <a:uFillTx/>
+                <a:latin typeface="Eras Medium ITC" panose="020B0602030504020804" pitchFamily="34" charset="0"/>
+                <a:ea typeface="+mn-ea"/>
+                <a:cs typeface="+mn-cs"/>
               </a:rPr>
               <a:t>MONVOISIN Guillaume </a:t>
             </a:r>
             <a:r>
-              <a:rPr lang="fr-FR" sz="1600" dirty="0">
+              <a:rPr kumimoji="0" lang="fr-FR" sz="1600" b="0" i="0" u="none" strike="noStrike" kern="1200" cap="none" spc="0" normalizeH="0" baseline="0" noProof="0" dirty="0">
+                <a:ln>
+                  <a:noFill/>
+                </a:ln>
+                <a:solidFill>
+                  <a:prstClr val="black"/>
+                </a:solidFill>
+                <a:effectLst/>
+                <a:uLnTx/>
+                <a:uFillTx/>
                 <a:latin typeface="Eras Medium ITC" panose="020B0602030504020804" pitchFamily="34" charset="0"/>
+                <a:ea typeface="+mn-ea"/>
+                <a:cs typeface="+mn-cs"/>
               </a:rPr>
               <a:t>-- DOHIN Cyril</a:t>
             </a:r>
           </a:p>
         </p:txBody>
       </p:sp>
+      <p:pic>
+        <p:nvPicPr>
+          <p:cNvPr id="22" name="Image 21">
+            <a:extLst>
+              <a:ext uri="{FF2B5EF4-FFF2-40B4-BE49-F238E27FC236}">
+                <a16:creationId xmlns:a16="http://schemas.microsoft.com/office/drawing/2014/main" id="{AD2868D5-1AC2-4159-BA04-DCF98EFEA321}"/>
+              </a:ext>
+            </a:extLst>
+          </p:cNvPr>
+          <p:cNvPicPr>
+            <a:picLocks noChangeAspect="1"/>
+          </p:cNvPicPr>
+          <p:nvPr/>
+        </p:nvPicPr>
+        <p:blipFill rotWithShape="1">
+          <a:blip r:embed="rId4">
+            <a:extLst>
+              <a:ext uri="{28A0092B-C50C-407E-A947-70E740481C1C}">
+                <a14:useLocalDpi xmlns:a14="http://schemas.microsoft.com/office/drawing/2010/main" val="0"/>
+              </a:ext>
+            </a:extLst>
+          </a:blip>
+          <a:srcRect l="20640" t="31216" r="34055" b="28466"/>
+          <a:stretch/>
+        </p:blipFill>
+        <p:spPr>
+          <a:xfrm>
+            <a:off x="3805604" y="2647523"/>
+            <a:ext cx="786268" cy="717667"/>
+          </a:xfrm>
+          <a:prstGeom prst="rect">
+            <a:avLst/>
+          </a:prstGeom>
+          <a:effectLst/>
+        </p:spPr>
+      </p:pic>
+      <p:pic>
+        <p:nvPicPr>
+          <p:cNvPr id="23" name="Image 22">
+            <a:extLst>
+              <a:ext uri="{FF2B5EF4-FFF2-40B4-BE49-F238E27FC236}">
+                <a16:creationId xmlns:a16="http://schemas.microsoft.com/office/drawing/2014/main" id="{D4CEBD47-F952-46F5-B2DB-1F2B06DD1048}"/>
+              </a:ext>
+            </a:extLst>
+          </p:cNvPr>
+          <p:cNvPicPr>
+            <a:picLocks noChangeAspect="1"/>
+          </p:cNvPicPr>
+          <p:nvPr/>
+        </p:nvPicPr>
+        <p:blipFill rotWithShape="1">
+          <a:blip r:embed="rId4">
+            <a:extLst>
+              <a:ext uri="{28A0092B-C50C-407E-A947-70E740481C1C}">
+                <a14:useLocalDpi xmlns:a14="http://schemas.microsoft.com/office/drawing/2010/main" val="0"/>
+              </a:ext>
+            </a:extLst>
+          </a:blip>
+          <a:srcRect l="43383" t="6720" r="34561" b="68241"/>
+          <a:stretch/>
+        </p:blipFill>
+        <p:spPr>
+          <a:xfrm>
+            <a:off x="4210829" y="2233594"/>
+            <a:ext cx="382781" cy="445693"/>
+          </a:xfrm>
+          <a:prstGeom prst="rect">
+            <a:avLst/>
+          </a:prstGeom>
+          <a:effectLst>
+            <a:outerShdw blurRad="63500" sx="102000" sy="102000" algn="ctr" rotWithShape="0">
+              <a:prstClr val="black">
+                <a:alpha val="40000"/>
+              </a:prstClr>
+            </a:outerShdw>
+          </a:effectLst>
+        </p:spPr>
+      </p:pic>
+      <p:pic>
+        <p:nvPicPr>
+          <p:cNvPr id="24" name="Image 23">
+            <a:extLst>
+              <a:ext uri="{FF2B5EF4-FFF2-40B4-BE49-F238E27FC236}">
+                <a16:creationId xmlns:a16="http://schemas.microsoft.com/office/drawing/2014/main" id="{DE0DDA38-094E-4797-BFF3-6F6099FE5BCD}"/>
+              </a:ext>
+            </a:extLst>
+          </p:cNvPr>
+          <p:cNvPicPr>
+            <a:picLocks noChangeAspect="1"/>
+          </p:cNvPicPr>
+          <p:nvPr/>
+        </p:nvPicPr>
+        <p:blipFill rotWithShape="1">
+          <a:blip r:embed="rId4">
+            <a:extLst>
+              <a:ext uri="{28A0092B-C50C-407E-A947-70E740481C1C}">
+                <a14:useLocalDpi xmlns:a14="http://schemas.microsoft.com/office/drawing/2010/main" val="0"/>
+              </a:ext>
+            </a:extLst>
+          </a:blip>
+          <a:srcRect t="71007" r="66714"/>
+          <a:stretch/>
+        </p:blipFill>
+        <p:spPr>
+          <a:xfrm>
+            <a:off x="3449337" y="3355673"/>
+            <a:ext cx="577677" cy="516076"/>
+          </a:xfrm>
+          <a:prstGeom prst="rect">
+            <a:avLst/>
+          </a:prstGeom>
+          <a:effectLst>
+            <a:outerShdw blurRad="63500" sx="102000" sy="102000" algn="ctr" rotWithShape="0">
+              <a:prstClr val="black">
+                <a:alpha val="40000"/>
+              </a:prstClr>
+            </a:outerShdw>
+          </a:effectLst>
+        </p:spPr>
+      </p:pic>
+      <p:sp>
+        <p:nvSpPr>
+          <p:cNvPr id="25" name="Rectangle 24">
+            <a:extLst>
+              <a:ext uri="{FF2B5EF4-FFF2-40B4-BE49-F238E27FC236}">
+                <a16:creationId xmlns:a16="http://schemas.microsoft.com/office/drawing/2014/main" id="{5E8649C1-22FB-4FFB-8AF4-68C6BC767A45}"/>
+              </a:ext>
+            </a:extLst>
+          </p:cNvPr>
+          <p:cNvSpPr/>
+          <p:nvPr/>
+        </p:nvSpPr>
+        <p:spPr>
+          <a:xfrm>
+            <a:off x="3633177" y="2562598"/>
+            <a:ext cx="448576" cy="198668"/>
+          </a:xfrm>
+          <a:prstGeom prst="rect">
+            <a:avLst/>
+          </a:prstGeom>
+          <a:solidFill>
+            <a:schemeClr val="bg1"/>
+          </a:solidFill>
+          <a:ln>
+            <a:noFill/>
+          </a:ln>
+        </p:spPr>
+        <p:style>
+          <a:lnRef idx="2">
+            <a:schemeClr val="accent1">
+              <a:shade val="50000"/>
+            </a:schemeClr>
+          </a:lnRef>
+          <a:fillRef idx="1">
+            <a:schemeClr val="accent1"/>
+          </a:fillRef>
+          <a:effectRef idx="0">
+            <a:schemeClr val="accent1"/>
+          </a:effectRef>
+          <a:fontRef idx="minor">
+            <a:schemeClr val="lt1"/>
+          </a:fontRef>
+        </p:style>
+        <p:txBody>
+          <a:bodyPr rtlCol="0" anchor="ctr"/>
+          <a:lstStyle/>
+          <a:p>
+            <a:pPr marL="0" marR="0" lvl="0" indent="0" algn="ctr" defTabSz="457200" rtl="0" eaLnBrk="1" fontAlgn="auto" latinLnBrk="0" hangingPunct="1">
+              <a:lnSpc>
+                <a:spcPct val="100000"/>
+              </a:lnSpc>
+              <a:spcBef>
+                <a:spcPts val="0"/>
+              </a:spcBef>
+              <a:spcAft>
+                <a:spcPts val="0"/>
+              </a:spcAft>
+              <a:buClrTx/>
+              <a:buSzTx/>
+              <a:buFontTx/>
+              <a:buNone/>
+              <a:tabLst/>
+              <a:defRPr/>
+            </a:pPr>
+            <a:endParaRPr kumimoji="0" lang="fr-FR" sz="1800" b="0" i="0" u="none" strike="noStrike" kern="1200" cap="none" spc="0" normalizeH="0" baseline="0" noProof="0">
+              <a:ln>
+                <a:noFill/>
+              </a:ln>
+              <a:solidFill>
+                <a:prstClr val="white"/>
+              </a:solidFill>
+              <a:effectLst/>
+              <a:uLnTx/>
+              <a:uFillTx/>
+              <a:latin typeface="Trebuchet MS" panose="020B0603020202020204"/>
+              <a:ea typeface="+mn-ea"/>
+              <a:cs typeface="+mn-cs"/>
+            </a:endParaRPr>
+          </a:p>
+        </p:txBody>
+      </p:sp>
+      <p:pic>
+        <p:nvPicPr>
+          <p:cNvPr id="26" name="Image 25">
+            <a:extLst>
+              <a:ext uri="{FF2B5EF4-FFF2-40B4-BE49-F238E27FC236}">
+                <a16:creationId xmlns:a16="http://schemas.microsoft.com/office/drawing/2014/main" id="{4B1E3971-9CB1-4405-BE52-882B5D29BFEE}"/>
+              </a:ext>
+            </a:extLst>
+          </p:cNvPr>
+          <p:cNvPicPr>
+            <a:picLocks noChangeAspect="1"/>
+          </p:cNvPicPr>
+          <p:nvPr/>
+        </p:nvPicPr>
+        <p:blipFill rotWithShape="1">
+          <a:blip r:embed="rId4">
+            <a:extLst>
+              <a:ext uri="{28A0092B-C50C-407E-A947-70E740481C1C}">
+                <a14:useLocalDpi xmlns:a14="http://schemas.microsoft.com/office/drawing/2010/main" val="0"/>
+              </a:ext>
+            </a:extLst>
+          </a:blip>
+          <a:srcRect r="68347" b="63322"/>
+          <a:stretch/>
+        </p:blipFill>
+        <p:spPr>
+          <a:xfrm>
+            <a:off x="3490218" y="2069291"/>
+            <a:ext cx="549335" cy="652882"/>
+          </a:xfrm>
+          <a:prstGeom prst="rect">
+            <a:avLst/>
+          </a:prstGeom>
+          <a:effectLst>
+            <a:outerShdw blurRad="63500" sx="102000" sy="102000" algn="ctr" rotWithShape="0">
+              <a:prstClr val="black">
+                <a:alpha val="40000"/>
+              </a:prstClr>
+            </a:outerShdw>
+          </a:effectLst>
+        </p:spPr>
+      </p:pic>
+      <p:pic>
+        <p:nvPicPr>
+          <p:cNvPr id="27" name="Image 26">
+            <a:extLst>
+              <a:ext uri="{FF2B5EF4-FFF2-40B4-BE49-F238E27FC236}">
+                <a16:creationId xmlns:a16="http://schemas.microsoft.com/office/drawing/2014/main" id="{747C7E8E-9ABD-45AF-9A37-D6FD26A618D7}"/>
+              </a:ext>
+            </a:extLst>
+          </p:cNvPr>
+          <p:cNvPicPr>
+            <a:picLocks noChangeAspect="1"/>
+          </p:cNvPicPr>
+          <p:nvPr/>
+        </p:nvPicPr>
+        <p:blipFill rotWithShape="1">
+          <a:blip r:embed="rId4">
+            <a:extLst>
+              <a:ext uri="{28A0092B-C50C-407E-A947-70E740481C1C}">
+                <a14:useLocalDpi xmlns:a14="http://schemas.microsoft.com/office/drawing/2010/main" val="0"/>
+              </a:ext>
+            </a:extLst>
+          </a:blip>
+          <a:srcRect l="48950" t="71007" r="29109"/>
+          <a:stretch/>
+        </p:blipFill>
+        <p:spPr>
+          <a:xfrm>
+            <a:off x="4337982" y="3365190"/>
+            <a:ext cx="380786" cy="516075"/>
+          </a:xfrm>
+          <a:prstGeom prst="rect">
+            <a:avLst/>
+          </a:prstGeom>
+          <a:effectLst>
+            <a:outerShdw blurRad="63500" sx="102000" sy="102000" algn="ctr" rotWithShape="0">
+              <a:prstClr val="black">
+                <a:alpha val="40000"/>
+              </a:prstClr>
+            </a:outerShdw>
+          </a:effectLst>
+        </p:spPr>
+      </p:pic>
+      <p:pic>
+        <p:nvPicPr>
+          <p:cNvPr id="28" name="Image 27">
+            <a:extLst>
+              <a:ext uri="{FF2B5EF4-FFF2-40B4-BE49-F238E27FC236}">
+                <a16:creationId xmlns:a16="http://schemas.microsoft.com/office/drawing/2014/main" id="{281930DF-2052-4AB8-AF88-9B70B81CC368}"/>
+              </a:ext>
+            </a:extLst>
+          </p:cNvPr>
+          <p:cNvPicPr>
+            <a:picLocks noChangeAspect="1"/>
+          </p:cNvPicPr>
+          <p:nvPr/>
+        </p:nvPicPr>
+        <p:blipFill rotWithShape="1">
+          <a:blip r:embed="rId4">
+            <a:extLst>
+              <a:ext uri="{28A0092B-C50C-407E-A947-70E740481C1C}">
+                <a14:useLocalDpi xmlns:a14="http://schemas.microsoft.com/office/drawing/2010/main" val="0"/>
+              </a:ext>
+            </a:extLst>
+          </a:blip>
+          <a:srcRect l="64897" t="30741" b="51027"/>
+          <a:stretch/>
+        </p:blipFill>
+        <p:spPr>
+          <a:xfrm>
+            <a:off x="4576917" y="2592215"/>
+            <a:ext cx="609218" cy="324533"/>
+          </a:xfrm>
+          <a:prstGeom prst="rect">
+            <a:avLst/>
+          </a:prstGeom>
+          <a:effectLst>
+            <a:outerShdw blurRad="63500" sx="102000" sy="102000" algn="ctr" rotWithShape="0">
+              <a:prstClr val="black">
+                <a:alpha val="40000"/>
+              </a:prstClr>
+            </a:outerShdw>
+          </a:effectLst>
+        </p:spPr>
+      </p:pic>
     </p:spTree>
     <p:extLst>
       <p:ext uri="{BB962C8B-B14F-4D97-AF65-F5344CB8AC3E}">
-        <p14:creationId xmlns:p14="http://schemas.microsoft.com/office/powerpoint/2010/main" val="3053322506"/>
+        <p14:creationId xmlns:p14="http://schemas.microsoft.com/office/powerpoint/2010/main" val="1365424241"/>
       </p:ext>
     </p:extLst>
   </p:cSld>
@@ -6895,6 +7624,422 @@
       </p:transition>
     </mc:Fallback>
   </mc:AlternateContent>
+  <p:timing>
+    <p:tnLst>
+      <p:par>
+        <p:cTn id="1" dur="indefinite" restart="never" nodeType="tmRoot">
+          <p:childTnLst>
+            <p:seq concurrent="1" nextAc="seek">
+              <p:cTn id="2" dur="indefinite" nodeType="mainSeq">
+                <p:childTnLst>
+                  <p:par>
+                    <p:cTn id="3" fill="hold">
+                      <p:stCondLst>
+                        <p:cond delay="indefinite"/>
+                        <p:cond evt="onBegin" delay="0">
+                          <p:tn val="2"/>
+                        </p:cond>
+                      </p:stCondLst>
+                      <p:childTnLst>
+                        <p:par>
+                          <p:cTn id="4" fill="hold">
+                            <p:stCondLst>
+                              <p:cond delay="0"/>
+                            </p:stCondLst>
+                            <p:childTnLst>
+                              <p:par>
+                                <p:cTn id="5" presetID="2" presetClass="entr" presetSubtype="9" fill="hold" nodeType="withEffect">
+                                  <p:stCondLst>
+                                    <p:cond delay="0"/>
+                                  </p:stCondLst>
+                                  <p:childTnLst>
+                                    <p:set>
+                                      <p:cBhvr>
+                                        <p:cTn id="6" dur="1" fill="hold">
+                                          <p:stCondLst>
+                                            <p:cond delay="0"/>
+                                          </p:stCondLst>
+                                        </p:cTn>
+                                        <p:tgtEl>
+                                          <p:spTgt spid="26"/>
+                                        </p:tgtEl>
+                                        <p:attrNameLst>
+                                          <p:attrName>style.visibility</p:attrName>
+                                        </p:attrNameLst>
+                                      </p:cBhvr>
+                                      <p:to>
+                                        <p:strVal val="visible"/>
+                                      </p:to>
+                                    </p:set>
+                                    <p:anim calcmode="lin" valueType="num">
+                                      <p:cBhvr additive="base">
+                                        <p:cTn id="7" dur="400" fill="hold"/>
+                                        <p:tgtEl>
+                                          <p:spTgt spid="26"/>
+                                        </p:tgtEl>
+                                        <p:attrNameLst>
+                                          <p:attrName>ppt_x</p:attrName>
+                                        </p:attrNameLst>
+                                      </p:cBhvr>
+                                      <p:tavLst>
+                                        <p:tav tm="0">
+                                          <p:val>
+                                            <p:strVal val="0-#ppt_w/2"/>
+                                          </p:val>
+                                        </p:tav>
+                                        <p:tav tm="100000">
+                                          <p:val>
+                                            <p:strVal val="#ppt_x"/>
+                                          </p:val>
+                                        </p:tav>
+                                      </p:tavLst>
+                                    </p:anim>
+                                    <p:anim calcmode="lin" valueType="num">
+                                      <p:cBhvr additive="base">
+                                        <p:cTn id="8" dur="400" fill="hold"/>
+                                        <p:tgtEl>
+                                          <p:spTgt spid="26"/>
+                                        </p:tgtEl>
+                                        <p:attrNameLst>
+                                          <p:attrName>ppt_y</p:attrName>
+                                        </p:attrNameLst>
+                                      </p:cBhvr>
+                                      <p:tavLst>
+                                        <p:tav tm="0">
+                                          <p:val>
+                                            <p:strVal val="0-#ppt_h/2"/>
+                                          </p:val>
+                                        </p:tav>
+                                        <p:tav tm="100000">
+                                          <p:val>
+                                            <p:strVal val="#ppt_y"/>
+                                          </p:val>
+                                        </p:tav>
+                                      </p:tavLst>
+                                    </p:anim>
+                                  </p:childTnLst>
+                                </p:cTn>
+                              </p:par>
+                              <p:par>
+                                <p:cTn id="9" presetID="2" presetClass="entr" presetSubtype="1" fill="hold" nodeType="withEffect">
+                                  <p:stCondLst>
+                                    <p:cond delay="0"/>
+                                  </p:stCondLst>
+                                  <p:childTnLst>
+                                    <p:set>
+                                      <p:cBhvr>
+                                        <p:cTn id="10" dur="1" fill="hold">
+                                          <p:stCondLst>
+                                            <p:cond delay="0"/>
+                                          </p:stCondLst>
+                                        </p:cTn>
+                                        <p:tgtEl>
+                                          <p:spTgt spid="23"/>
+                                        </p:tgtEl>
+                                        <p:attrNameLst>
+                                          <p:attrName>style.visibility</p:attrName>
+                                        </p:attrNameLst>
+                                      </p:cBhvr>
+                                      <p:to>
+                                        <p:strVal val="visible"/>
+                                      </p:to>
+                                    </p:set>
+                                    <p:anim calcmode="lin" valueType="num">
+                                      <p:cBhvr additive="base">
+                                        <p:cTn id="11" dur="400" fill="hold"/>
+                                        <p:tgtEl>
+                                          <p:spTgt spid="23"/>
+                                        </p:tgtEl>
+                                        <p:attrNameLst>
+                                          <p:attrName>ppt_x</p:attrName>
+                                        </p:attrNameLst>
+                                      </p:cBhvr>
+                                      <p:tavLst>
+                                        <p:tav tm="0">
+                                          <p:val>
+                                            <p:strVal val="#ppt_x"/>
+                                          </p:val>
+                                        </p:tav>
+                                        <p:tav tm="100000">
+                                          <p:val>
+                                            <p:strVal val="#ppt_x"/>
+                                          </p:val>
+                                        </p:tav>
+                                      </p:tavLst>
+                                    </p:anim>
+                                    <p:anim calcmode="lin" valueType="num">
+                                      <p:cBhvr additive="base">
+                                        <p:cTn id="12" dur="400" fill="hold"/>
+                                        <p:tgtEl>
+                                          <p:spTgt spid="23"/>
+                                        </p:tgtEl>
+                                        <p:attrNameLst>
+                                          <p:attrName>ppt_y</p:attrName>
+                                        </p:attrNameLst>
+                                      </p:cBhvr>
+                                      <p:tavLst>
+                                        <p:tav tm="0">
+                                          <p:val>
+                                            <p:strVal val="0-#ppt_h/2"/>
+                                          </p:val>
+                                        </p:tav>
+                                        <p:tav tm="100000">
+                                          <p:val>
+                                            <p:strVal val="#ppt_y"/>
+                                          </p:val>
+                                        </p:tav>
+                                      </p:tavLst>
+                                    </p:anim>
+                                  </p:childTnLst>
+                                </p:cTn>
+                              </p:par>
+                              <p:par>
+                                <p:cTn id="13" presetID="2" presetClass="entr" presetSubtype="3" fill="hold" nodeType="withEffect">
+                                  <p:stCondLst>
+                                    <p:cond delay="0"/>
+                                  </p:stCondLst>
+                                  <p:childTnLst>
+                                    <p:set>
+                                      <p:cBhvr>
+                                        <p:cTn id="14" dur="1" fill="hold">
+                                          <p:stCondLst>
+                                            <p:cond delay="0"/>
+                                          </p:stCondLst>
+                                        </p:cTn>
+                                        <p:tgtEl>
+                                          <p:spTgt spid="28"/>
+                                        </p:tgtEl>
+                                        <p:attrNameLst>
+                                          <p:attrName>style.visibility</p:attrName>
+                                        </p:attrNameLst>
+                                      </p:cBhvr>
+                                      <p:to>
+                                        <p:strVal val="visible"/>
+                                      </p:to>
+                                    </p:set>
+                                    <p:anim calcmode="lin" valueType="num">
+                                      <p:cBhvr additive="base">
+                                        <p:cTn id="15" dur="400" fill="hold"/>
+                                        <p:tgtEl>
+                                          <p:spTgt spid="28"/>
+                                        </p:tgtEl>
+                                        <p:attrNameLst>
+                                          <p:attrName>ppt_x</p:attrName>
+                                        </p:attrNameLst>
+                                      </p:cBhvr>
+                                      <p:tavLst>
+                                        <p:tav tm="0">
+                                          <p:val>
+                                            <p:strVal val="1+#ppt_w/2"/>
+                                          </p:val>
+                                        </p:tav>
+                                        <p:tav tm="100000">
+                                          <p:val>
+                                            <p:strVal val="#ppt_x"/>
+                                          </p:val>
+                                        </p:tav>
+                                      </p:tavLst>
+                                    </p:anim>
+                                    <p:anim calcmode="lin" valueType="num">
+                                      <p:cBhvr additive="base">
+                                        <p:cTn id="16" dur="400" fill="hold"/>
+                                        <p:tgtEl>
+                                          <p:spTgt spid="28"/>
+                                        </p:tgtEl>
+                                        <p:attrNameLst>
+                                          <p:attrName>ppt_y</p:attrName>
+                                        </p:attrNameLst>
+                                      </p:cBhvr>
+                                      <p:tavLst>
+                                        <p:tav tm="0">
+                                          <p:val>
+                                            <p:strVal val="0-#ppt_h/2"/>
+                                          </p:val>
+                                        </p:tav>
+                                        <p:tav tm="100000">
+                                          <p:val>
+                                            <p:strVal val="#ppt_y"/>
+                                          </p:val>
+                                        </p:tav>
+                                      </p:tavLst>
+                                    </p:anim>
+                                  </p:childTnLst>
+                                </p:cTn>
+                              </p:par>
+                              <p:par>
+                                <p:cTn id="17" presetID="2" presetClass="entr" presetSubtype="6" fill="hold" nodeType="withEffect">
+                                  <p:stCondLst>
+                                    <p:cond delay="0"/>
+                                  </p:stCondLst>
+                                  <p:childTnLst>
+                                    <p:set>
+                                      <p:cBhvr>
+                                        <p:cTn id="18" dur="1" fill="hold">
+                                          <p:stCondLst>
+                                            <p:cond delay="0"/>
+                                          </p:stCondLst>
+                                        </p:cTn>
+                                        <p:tgtEl>
+                                          <p:spTgt spid="27"/>
+                                        </p:tgtEl>
+                                        <p:attrNameLst>
+                                          <p:attrName>style.visibility</p:attrName>
+                                        </p:attrNameLst>
+                                      </p:cBhvr>
+                                      <p:to>
+                                        <p:strVal val="visible"/>
+                                      </p:to>
+                                    </p:set>
+                                    <p:anim calcmode="lin" valueType="num">
+                                      <p:cBhvr additive="base">
+                                        <p:cTn id="19" dur="400" fill="hold"/>
+                                        <p:tgtEl>
+                                          <p:spTgt spid="27"/>
+                                        </p:tgtEl>
+                                        <p:attrNameLst>
+                                          <p:attrName>ppt_x</p:attrName>
+                                        </p:attrNameLst>
+                                      </p:cBhvr>
+                                      <p:tavLst>
+                                        <p:tav tm="0">
+                                          <p:val>
+                                            <p:strVal val="1+#ppt_w/2"/>
+                                          </p:val>
+                                        </p:tav>
+                                        <p:tav tm="100000">
+                                          <p:val>
+                                            <p:strVal val="#ppt_x"/>
+                                          </p:val>
+                                        </p:tav>
+                                      </p:tavLst>
+                                    </p:anim>
+                                    <p:anim calcmode="lin" valueType="num">
+                                      <p:cBhvr additive="base">
+                                        <p:cTn id="20" dur="400" fill="hold"/>
+                                        <p:tgtEl>
+                                          <p:spTgt spid="27"/>
+                                        </p:tgtEl>
+                                        <p:attrNameLst>
+                                          <p:attrName>ppt_y</p:attrName>
+                                        </p:attrNameLst>
+                                      </p:cBhvr>
+                                      <p:tavLst>
+                                        <p:tav tm="0">
+                                          <p:val>
+                                            <p:strVal val="1+#ppt_h/2"/>
+                                          </p:val>
+                                        </p:tav>
+                                        <p:tav tm="100000">
+                                          <p:val>
+                                            <p:strVal val="#ppt_y"/>
+                                          </p:val>
+                                        </p:tav>
+                                      </p:tavLst>
+                                    </p:anim>
+                                  </p:childTnLst>
+                                </p:cTn>
+                              </p:par>
+                              <p:par>
+                                <p:cTn id="21" presetID="2" presetClass="entr" presetSubtype="12" fill="hold" nodeType="withEffect">
+                                  <p:stCondLst>
+                                    <p:cond delay="0"/>
+                                  </p:stCondLst>
+                                  <p:childTnLst>
+                                    <p:set>
+                                      <p:cBhvr>
+                                        <p:cTn id="22" dur="1" fill="hold">
+                                          <p:stCondLst>
+                                            <p:cond delay="0"/>
+                                          </p:stCondLst>
+                                        </p:cTn>
+                                        <p:tgtEl>
+                                          <p:spTgt spid="24"/>
+                                        </p:tgtEl>
+                                        <p:attrNameLst>
+                                          <p:attrName>style.visibility</p:attrName>
+                                        </p:attrNameLst>
+                                      </p:cBhvr>
+                                      <p:to>
+                                        <p:strVal val="visible"/>
+                                      </p:to>
+                                    </p:set>
+                                    <p:anim calcmode="lin" valueType="num">
+                                      <p:cBhvr additive="base">
+                                        <p:cTn id="23" dur="400" fill="hold"/>
+                                        <p:tgtEl>
+                                          <p:spTgt spid="24"/>
+                                        </p:tgtEl>
+                                        <p:attrNameLst>
+                                          <p:attrName>ppt_x</p:attrName>
+                                        </p:attrNameLst>
+                                      </p:cBhvr>
+                                      <p:tavLst>
+                                        <p:tav tm="0">
+                                          <p:val>
+                                            <p:strVal val="0-#ppt_w/2"/>
+                                          </p:val>
+                                        </p:tav>
+                                        <p:tav tm="100000">
+                                          <p:val>
+                                            <p:strVal val="#ppt_x"/>
+                                          </p:val>
+                                        </p:tav>
+                                      </p:tavLst>
+                                    </p:anim>
+                                    <p:anim calcmode="lin" valueType="num">
+                                      <p:cBhvr additive="base">
+                                        <p:cTn id="24" dur="400" fill="hold"/>
+                                        <p:tgtEl>
+                                          <p:spTgt spid="24"/>
+                                        </p:tgtEl>
+                                        <p:attrNameLst>
+                                          <p:attrName>ppt_y</p:attrName>
+                                        </p:attrNameLst>
+                                      </p:cBhvr>
+                                      <p:tavLst>
+                                        <p:tav tm="0">
+                                          <p:val>
+                                            <p:strVal val="1+#ppt_h/2"/>
+                                          </p:val>
+                                        </p:tav>
+                                        <p:tav tm="100000">
+                                          <p:val>
+                                            <p:strVal val="#ppt_y"/>
+                                          </p:val>
+                                        </p:tav>
+                                      </p:tavLst>
+                                    </p:anim>
+                                  </p:childTnLst>
+                                </p:cTn>
+                              </p:par>
+                            </p:childTnLst>
+                          </p:cTn>
+                        </p:par>
+                      </p:childTnLst>
+                    </p:cTn>
+                  </p:par>
+                </p:childTnLst>
+              </p:cTn>
+              <p:prevCondLst>
+                <p:cond evt="onPrev" delay="0">
+                  <p:tgtEl>
+                    <p:sldTgt/>
+                  </p:tgtEl>
+                </p:cond>
+              </p:prevCondLst>
+              <p:nextCondLst>
+                <p:cond evt="onNext" delay="0">
+                  <p:tgtEl>
+                    <p:sldTgt/>
+                  </p:tgtEl>
+                </p:cond>
+              </p:nextCondLst>
+            </p:seq>
+          </p:childTnLst>
+        </p:cTn>
+      </p:par>
+    </p:tnLst>
+  </p:timing>
 </p:sld>
 </file>
 
@@ -7118,10 +8263,10 @@
       </p:sp>
       <p:sp>
         <p:nvSpPr>
-          <p:cNvPr id="6" name="Rectangle 5">
+          <p:cNvPr id="9" name="Ellipse 8">
             <a:extLst>
               <a:ext uri="{FF2B5EF4-FFF2-40B4-BE49-F238E27FC236}">
-                <a16:creationId xmlns:a16="http://schemas.microsoft.com/office/drawing/2014/main" id="{6B5EC109-CC88-4222-B041-826A4D46E519}"/>
+                <a16:creationId xmlns:a16="http://schemas.microsoft.com/office/drawing/2014/main" id="{25AE8A18-1720-44EE-899B-1EC6E4D4F7E3}"/>
               </a:ext>
             </a:extLst>
           </p:cNvPr>
@@ -7129,15 +8274,15 @@
           <p:nvPr/>
         </p:nvSpPr>
         <p:spPr>
-          <a:xfrm rot="16200000">
-            <a:off x="4965761" y="-776125"/>
-            <a:ext cx="93019" cy="7934279"/>
-          </a:xfrm>
-          <a:prstGeom prst="rect">
+          <a:xfrm>
+            <a:off x="8979410" y="2923850"/>
+            <a:ext cx="564118" cy="542925"/>
+          </a:xfrm>
+          <a:prstGeom prst="ellipse">
             <a:avLst/>
           </a:prstGeom>
           <a:solidFill>
-            <a:schemeClr val="bg1"/>
+            <a:srgbClr val="A8135A"/>
           </a:solidFill>
           <a:ln>
             <a:solidFill>
@@ -7172,60 +8317,6 @@
       </p:sp>
       <p:sp>
         <p:nvSpPr>
-          <p:cNvPr id="9" name="Ellipse 8">
-            <a:extLst>
-              <a:ext uri="{FF2B5EF4-FFF2-40B4-BE49-F238E27FC236}">
-                <a16:creationId xmlns:a16="http://schemas.microsoft.com/office/drawing/2014/main" id="{25AE8A18-1720-44EE-899B-1EC6E4D4F7E3}"/>
-              </a:ext>
-            </a:extLst>
-          </p:cNvPr>
-          <p:cNvSpPr/>
-          <p:nvPr/>
-        </p:nvSpPr>
-        <p:spPr>
-          <a:xfrm>
-            <a:off x="8979410" y="2923850"/>
-            <a:ext cx="564118" cy="542925"/>
-          </a:xfrm>
-          <a:prstGeom prst="ellipse">
-            <a:avLst/>
-          </a:prstGeom>
-          <a:solidFill>
-            <a:srgbClr val="A8135A"/>
-          </a:solidFill>
-          <a:ln>
-            <a:solidFill>
-              <a:schemeClr val="tx1"/>
-            </a:solidFill>
-          </a:ln>
-        </p:spPr>
-        <p:style>
-          <a:lnRef idx="2">
-            <a:schemeClr val="accent1">
-              <a:shade val="50000"/>
-            </a:schemeClr>
-          </a:lnRef>
-          <a:fillRef idx="1">
-            <a:schemeClr val="accent1"/>
-          </a:fillRef>
-          <a:effectRef idx="0">
-            <a:schemeClr val="accent1"/>
-          </a:effectRef>
-          <a:fontRef idx="minor">
-            <a:schemeClr val="lt1"/>
-          </a:fontRef>
-        </p:style>
-        <p:txBody>
-          <a:bodyPr rtlCol="0" anchor="ctr"/>
-          <a:lstStyle/>
-          <a:p>
-            <a:pPr algn="ctr"/>
-            <a:endParaRPr lang="fr-FR"/>
-          </a:p>
-        </p:txBody>
-      </p:sp>
-      <p:sp>
-        <p:nvSpPr>
           <p:cNvPr id="11" name="ZoneTexte 10">
             <a:extLst>
               <a:ext uri="{FF2B5EF4-FFF2-40B4-BE49-F238E27FC236}">
@@ -7428,7 +8519,7 @@
         </p:nvSpPr>
         <p:spPr>
           <a:xfrm rot="16200000">
-            <a:off x="4957332" y="-789181"/>
+            <a:off x="4957332" y="-778715"/>
             <a:ext cx="85348" cy="7958807"/>
           </a:xfrm>
           <a:prstGeom prst="rect">
@@ -11024,8 +12115,8 @@
         </p:nvSpPr>
         <p:spPr>
           <a:xfrm>
-            <a:off x="4867669" y="1549400"/>
-            <a:ext cx="3799332" cy="3416320"/>
+            <a:off x="4867669" y="1631532"/>
+            <a:ext cx="3799332" cy="3139321"/>
           </a:xfrm>
           <a:prstGeom prst="rect">
             <a:avLst/>
@@ -11082,19 +12173,7 @@
               <a:rPr lang="fr-FR" dirty="0">
                 <a:latin typeface="Eras Medium ITC" panose="020B0602030504020804" pitchFamily="34" charset="0"/>
               </a:rPr>
-              <a:t>Si 4 UID corrects, ouvrir la gâche électrique.</a:t>
-            </a:r>
-          </a:p>
-          <a:p>
-            <a:pPr marL="285750" indent="-285750">
-              <a:buFont typeface="Arial" panose="020B0604020202020204" pitchFamily="34" charset="0"/>
-              <a:buChar char="•"/>
-            </a:pPr>
-            <a:r>
-              <a:rPr lang="fr-FR" dirty="0">
-                <a:latin typeface="Eras Medium ITC" panose="020B0602030504020804" pitchFamily="34" charset="0"/>
-              </a:rPr>
-              <a:t>Si 4 UID corrects, envoyer l’ordre de fin partie à l’application de supervision.</a:t>
+              <a:t>Si 4 UID corrects, ouvrir la gâche électrique et envoyer l’ordre de fin partie à l’application de supervision.</a:t>
             </a:r>
           </a:p>
           <a:p>
